--- a/themes/blanktheme.pptx
+++ b/themes/blanktheme.pptx
@@ -1,27 +1,28 @@
 
 <file path=ppt/presentation.xml><?xml version="1.0" encoding="utf-8"?>
-<p:presentation xmlns:a="http://schemas.openxmlformats.org/drawingml/2006/main" xmlns:r="http://schemas.openxmlformats.org/officeDocument/2006/relationships" xmlns:mc="http://schemas.openxmlformats.org/markup-compatibility/2006" xmlns:mv="urn:schemas-microsoft-com:mac:vml" xmlns:p="http://schemas.openxmlformats.org/presentationml/2006/main" xmlns:c="http://schemas.openxmlformats.org/drawingml/2006/chart" xmlns:dgm="http://schemas.openxmlformats.org/drawingml/2006/diagram" xmlns:o="urn:schemas-microsoft-com:office:office" xmlns:v="urn:schemas-microsoft-com:vml" xmlns:pvml="urn:schemas-microsoft-com:office:powerpoint" xmlns:com="http://schemas.openxmlformats.org/drawingml/2006/compatibility" xmlns:p14="http://schemas.microsoft.com/office/powerpoint/2010/main" xmlns:p15="http://schemas.microsoft.com/office/powerpoint/2012/main" xmlns:ahyp="http://schemas.microsoft.com/office/drawing/2018/hyperlinkcolor" autoCompressPictures="0" strictFirstAndLastChars="0" saveSubsetFonts="1">
+<p:presentation xmlns:a="http://schemas.openxmlformats.org/drawingml/2006/main" xmlns:r="http://schemas.openxmlformats.org/officeDocument/2006/relationships" xmlns:p="http://schemas.openxmlformats.org/presentationml/2006/main" strictFirstAndLastChars="0" saveSubsetFonts="1" autoCompressPictures="0">
   <p:sldMasterIdLst>
-    <p:sldMasterId id="2147483659" r:id="rId4"/>
+    <p:sldMasterId id="2147483659" r:id="rId1"/>
   </p:sldMasterIdLst>
   <p:notesMasterIdLst>
-    <p:notesMasterId r:id="rId5"/>
+    <p:notesMasterId r:id="rId12"/>
   </p:notesMasterIdLst>
   <p:sldIdLst>
-    <p:sldId id="256" r:id="rId6"/>
-    <p:sldId id="257" r:id="rId7"/>
-    <p:sldId id="258" r:id="rId8"/>
-    <p:sldId id="259" r:id="rId9"/>
-    <p:sldId id="260" r:id="rId10"/>
-    <p:sldId id="261" r:id="rId11"/>
-    <p:sldId id="262" r:id="rId12"/>
-    <p:sldId id="263" r:id="rId13"/>
-    <p:sldId id="264" r:id="rId14"/>
+    <p:sldId id="256" r:id="rId2"/>
+    <p:sldId id="257" r:id="rId3"/>
+    <p:sldId id="258" r:id="rId4"/>
+    <p:sldId id="259" r:id="rId5"/>
+    <p:sldId id="260" r:id="rId6"/>
+    <p:sldId id="261" r:id="rId7"/>
+    <p:sldId id="262" r:id="rId8"/>
+    <p:sldId id="263" r:id="rId9"/>
+    <p:sldId id="264" r:id="rId10"/>
+    <p:sldId id="265" r:id="rId11"/>
   </p:sldIdLst>
-  <p:sldSz cy="5143500" cx="9144000"/>
+  <p:sldSz cx="9144000" cy="5143500" type="screen16x9"/>
   <p:notesSz cx="6858000" cy="9144000"/>
   <p:defaultTextStyle>
-    <a:defPPr lvl="0" marR="0" rtl="0" algn="l">
+    <a:defPPr marR="0" lvl="0" algn="l" rtl="0">
       <a:lnSpc>
         <a:spcPct val="100000"/>
       </a:lnSpc>
@@ -32,7 +33,7 @@
         <a:spcPts val="0"/>
       </a:spcAft>
     </a:defPPr>
-    <a:lvl1pPr lvl="0" marR="0" rtl="0" algn="l">
+    <a:lvl1pPr marR="0" lvl="0" algn="l" rtl="0">
       <a:lnSpc>
         <a:spcPct val="100000"/>
       </a:lnSpc>
@@ -46,7 +47,7 @@
         <a:srgbClr val="000000"/>
       </a:buClr>
       <a:buFont typeface="Arial"/>
-      <a:defRPr b="0" i="0" sz="1400" u="none" cap="none" strike="noStrike">
+      <a:defRPr sz="1400" b="0" i="0" u="none" strike="noStrike" cap="none">
         <a:solidFill>
           <a:srgbClr val="000000"/>
         </a:solidFill>
@@ -56,7 +57,7 @@
         <a:sym typeface="Arial"/>
       </a:defRPr>
     </a:lvl1pPr>
-    <a:lvl2pPr lvl="1" marR="0" rtl="0" algn="l">
+    <a:lvl2pPr marR="0" lvl="1" algn="l" rtl="0">
       <a:lnSpc>
         <a:spcPct val="100000"/>
       </a:lnSpc>
@@ -70,7 +71,7 @@
         <a:srgbClr val="000000"/>
       </a:buClr>
       <a:buFont typeface="Arial"/>
-      <a:defRPr b="0" i="0" sz="1400" u="none" cap="none" strike="noStrike">
+      <a:defRPr sz="1400" b="0" i="0" u="none" strike="noStrike" cap="none">
         <a:solidFill>
           <a:srgbClr val="000000"/>
         </a:solidFill>
@@ -80,7 +81,7 @@
         <a:sym typeface="Arial"/>
       </a:defRPr>
     </a:lvl2pPr>
-    <a:lvl3pPr lvl="2" marR="0" rtl="0" algn="l">
+    <a:lvl3pPr marR="0" lvl="2" algn="l" rtl="0">
       <a:lnSpc>
         <a:spcPct val="100000"/>
       </a:lnSpc>
@@ -94,7 +95,7 @@
         <a:srgbClr val="000000"/>
       </a:buClr>
       <a:buFont typeface="Arial"/>
-      <a:defRPr b="0" i="0" sz="1400" u="none" cap="none" strike="noStrike">
+      <a:defRPr sz="1400" b="0" i="0" u="none" strike="noStrike" cap="none">
         <a:solidFill>
           <a:srgbClr val="000000"/>
         </a:solidFill>
@@ -104,7 +105,7 @@
         <a:sym typeface="Arial"/>
       </a:defRPr>
     </a:lvl3pPr>
-    <a:lvl4pPr lvl="3" marR="0" rtl="0" algn="l">
+    <a:lvl4pPr marR="0" lvl="3" algn="l" rtl="0">
       <a:lnSpc>
         <a:spcPct val="100000"/>
       </a:lnSpc>
@@ -118,7 +119,7 @@
         <a:srgbClr val="000000"/>
       </a:buClr>
       <a:buFont typeface="Arial"/>
-      <a:defRPr b="0" i="0" sz="1400" u="none" cap="none" strike="noStrike">
+      <a:defRPr sz="1400" b="0" i="0" u="none" strike="noStrike" cap="none">
         <a:solidFill>
           <a:srgbClr val="000000"/>
         </a:solidFill>
@@ -128,7 +129,7 @@
         <a:sym typeface="Arial"/>
       </a:defRPr>
     </a:lvl4pPr>
-    <a:lvl5pPr lvl="4" marR="0" rtl="0" algn="l">
+    <a:lvl5pPr marR="0" lvl="4" algn="l" rtl="0">
       <a:lnSpc>
         <a:spcPct val="100000"/>
       </a:lnSpc>
@@ -142,7 +143,7 @@
         <a:srgbClr val="000000"/>
       </a:buClr>
       <a:buFont typeface="Arial"/>
-      <a:defRPr b="0" i="0" sz="1400" u="none" cap="none" strike="noStrike">
+      <a:defRPr sz="1400" b="0" i="0" u="none" strike="noStrike" cap="none">
         <a:solidFill>
           <a:srgbClr val="000000"/>
         </a:solidFill>
@@ -152,7 +153,7 @@
         <a:sym typeface="Arial"/>
       </a:defRPr>
     </a:lvl5pPr>
-    <a:lvl6pPr lvl="5" marR="0" rtl="0" algn="l">
+    <a:lvl6pPr marR="0" lvl="5" algn="l" rtl="0">
       <a:lnSpc>
         <a:spcPct val="100000"/>
       </a:lnSpc>
@@ -166,7 +167,7 @@
         <a:srgbClr val="000000"/>
       </a:buClr>
       <a:buFont typeface="Arial"/>
-      <a:defRPr b="0" i="0" sz="1400" u="none" cap="none" strike="noStrike">
+      <a:defRPr sz="1400" b="0" i="0" u="none" strike="noStrike" cap="none">
         <a:solidFill>
           <a:srgbClr val="000000"/>
         </a:solidFill>
@@ -176,7 +177,7 @@
         <a:sym typeface="Arial"/>
       </a:defRPr>
     </a:lvl6pPr>
-    <a:lvl7pPr lvl="6" marR="0" rtl="0" algn="l">
+    <a:lvl7pPr marR="0" lvl="6" algn="l" rtl="0">
       <a:lnSpc>
         <a:spcPct val="100000"/>
       </a:lnSpc>
@@ -190,7 +191,7 @@
         <a:srgbClr val="000000"/>
       </a:buClr>
       <a:buFont typeface="Arial"/>
-      <a:defRPr b="0" i="0" sz="1400" u="none" cap="none" strike="noStrike">
+      <a:defRPr sz="1400" b="0" i="0" u="none" strike="noStrike" cap="none">
         <a:solidFill>
           <a:srgbClr val="000000"/>
         </a:solidFill>
@@ -200,7 +201,7 @@
         <a:sym typeface="Arial"/>
       </a:defRPr>
     </a:lvl7pPr>
-    <a:lvl8pPr lvl="7" marR="0" rtl="0" algn="l">
+    <a:lvl8pPr marR="0" lvl="7" algn="l" rtl="0">
       <a:lnSpc>
         <a:spcPct val="100000"/>
       </a:lnSpc>
@@ -214,7 +215,7 @@
         <a:srgbClr val="000000"/>
       </a:buClr>
       <a:buFont typeface="Arial"/>
-      <a:defRPr b="0" i="0" sz="1400" u="none" cap="none" strike="noStrike">
+      <a:defRPr sz="1400" b="0" i="0" u="none" strike="noStrike" cap="none">
         <a:solidFill>
           <a:srgbClr val="000000"/>
         </a:solidFill>
@@ -224,7 +225,7 @@
         <a:sym typeface="Arial"/>
       </a:defRPr>
     </a:lvl8pPr>
-    <a:lvl9pPr lvl="8" marR="0" rtl="0" algn="l">
+    <a:lvl9pPr marR="0" lvl="8" algn="l" rtl="0">
       <a:lnSpc>
         <a:spcPct val="100000"/>
       </a:lnSpc>
@@ -238,7 +239,7 @@
         <a:srgbClr val="000000"/>
       </a:buClr>
       <a:buFont typeface="Arial"/>
-      <a:defRPr b="0" i="0" sz="1400" u="none" cap="none" strike="noStrike">
+      <a:defRPr sz="1400" b="0" i="0" u="none" strike="noStrike" cap="none">
         <a:solidFill>
           <a:srgbClr val="000000"/>
         </a:solidFill>
@@ -251,7 +252,7 @@
   </p:defaultTextStyle>
   <p:extLst>
     <p:ext uri="{EFAFB233-063F-42B5-8137-9DF3F51BA10A}">
-      <p15:sldGuideLst>
+      <p15:sldGuideLst xmlns:p15="http://schemas.microsoft.com/office/powerpoint/2012/main">
         <p15:guide id="1" orient="horz" pos="1620">
           <p15:clr>
             <a:srgbClr val="747775"/>
@@ -269,11 +270,16 @@
 </file>
 
 <file path=ppt/notesMasters/notesMaster1.xml><?xml version="1.0" encoding="utf-8"?>
-<p:notesMaster xmlns:a="http://schemas.openxmlformats.org/drawingml/2006/main" xmlns:r="http://schemas.openxmlformats.org/officeDocument/2006/relationships" xmlns:mc="http://schemas.openxmlformats.org/markup-compatibility/2006" xmlns:mv="urn:schemas-microsoft-com:mac:vml" xmlns:p="http://schemas.openxmlformats.org/presentationml/2006/main" xmlns:c="http://schemas.openxmlformats.org/drawingml/2006/chart" xmlns:dgm="http://schemas.openxmlformats.org/drawingml/2006/diagram" xmlns:o="urn:schemas-microsoft-com:office:office" xmlns:v="urn:schemas-microsoft-com:vml" xmlns:pvml="urn:schemas-microsoft-com:office:powerpoint" xmlns:com="http://schemas.openxmlformats.org/drawingml/2006/compatibility" xmlns:p14="http://schemas.microsoft.com/office/powerpoint/2010/main" xmlns:p15="http://schemas.microsoft.com/office/powerpoint/2012/main" xmlns:ahyp="http://schemas.microsoft.com/office/drawing/2018/hyperlinkcolor">
+<p:notesMaster xmlns:a="http://schemas.openxmlformats.org/drawingml/2006/main" xmlns:r="http://schemas.openxmlformats.org/officeDocument/2006/relationships" xmlns:p="http://schemas.openxmlformats.org/presentationml/2006/main">
   <p:cSld>
+    <p:bg>
+      <p:bgRef idx="1001">
+        <a:schemeClr val="bg1"/>
+      </p:bgRef>
+    </p:bg>
     <p:spTree>
       <p:nvGrpSpPr>
-        <p:cNvPr id="2" name="Shape 2"/>
+        <p:cNvPr id="1" name="Shape 2"/>
         <p:cNvGrpSpPr/>
         <p:nvPr/>
       </p:nvGrpSpPr>
@@ -288,9 +294,11 @@
       <p:sp>
         <p:nvSpPr>
           <p:cNvPr id="3" name="Google Shape;3;n"/>
-          <p:cNvSpPr/>
-          <p:nvPr>
-            <p:ph idx="2" type="sldImg"/>
+          <p:cNvSpPr>
+            <a:spLocks noGrp="1" noRot="1" noChangeAspect="1"/>
+          </p:cNvSpPr>
+          <p:nvPr>
+            <p:ph type="sldImg" idx="2"/>
           </p:nvPr>
         </p:nvSpPr>
         <p:spPr>
@@ -299,9 +307,13 @@
             <a:ext cx="6096075" cy="3429000"/>
           </a:xfrm>
           <a:custGeom>
-            <a:rect b="b" l="l" r="r" t="t"/>
+            <a:avLst/>
+            <a:gdLst/>
+            <a:ahLst/>
+            <a:cxnLst/>
+            <a:rect l="l" t="t" r="r" b="b"/>
             <a:pathLst>
-              <a:path extrusionOk="0" h="120000" w="120000">
+              <a:path w="120000" h="120000" extrusionOk="0">
                 <a:moveTo>
                   <a:pt x="0" y="0"/>
                 </a:moveTo>
@@ -319,23 +331,25 @@
             </a:pathLst>
           </a:custGeom>
           <a:noFill/>
-          <a:ln cap="flat" cmpd="sng" w="9525">
+          <a:ln w="9525" cap="flat" cmpd="sng">
             <a:solidFill>
               <a:srgbClr val="000000"/>
             </a:solidFill>
             <a:prstDash val="solid"/>
             <a:round/>
-            <a:headEnd len="sm" w="sm" type="none"/>
-            <a:tailEnd len="sm" w="sm" type="none"/>
+            <a:headEnd type="none" w="sm" len="sm"/>
+            <a:tailEnd type="none" w="sm" len="sm"/>
           </a:ln>
         </p:spPr>
       </p:sp>
       <p:sp>
         <p:nvSpPr>
           <p:cNvPr id="4" name="Google Shape;4;n"/>
-          <p:cNvSpPr txBox="1"/>
-          <p:nvPr>
-            <p:ph idx="1" type="body"/>
+          <p:cNvSpPr txBox="1">
+            <a:spLocks noGrp="1"/>
+          </p:cNvSpPr>
+          <p:nvPr>
+            <p:ph type="body" idx="1"/>
           </p:nvPr>
         </p:nvSpPr>
         <p:spPr>
@@ -352,11 +366,11 @@
           </a:ln>
         </p:spPr>
         <p:txBody>
-          <a:bodyPr anchorCtr="0" anchor="t" bIns="91425" lIns="91425" spcFirstLastPara="1" rIns="91425" wrap="square" tIns="91425">
+          <a:bodyPr spcFirstLastPara="1" wrap="square" lIns="91425" tIns="91425" rIns="91425" bIns="91425" anchor="t" anchorCtr="0">
             <a:noAutofit/>
           </a:bodyPr>
           <a:lstStyle>
-            <a:lvl1pPr indent="-298450" lvl="0" marL="457200">
+            <a:lvl1pPr marL="457200" lvl="0" indent="-298450">
               <a:spcBef>
                 <a:spcPts val="0"/>
               </a:spcBef>
@@ -367,7 +381,7 @@
               <a:buChar char="●"/>
               <a:defRPr sz="1100"/>
             </a:lvl1pPr>
-            <a:lvl2pPr indent="-298450" lvl="1" marL="914400">
+            <a:lvl2pPr marL="914400" lvl="1" indent="-298450">
               <a:spcBef>
                 <a:spcPts val="0"/>
               </a:spcBef>
@@ -378,7 +392,7 @@
               <a:buChar char="○"/>
               <a:defRPr sz="1100"/>
             </a:lvl2pPr>
-            <a:lvl3pPr indent="-298450" lvl="2" marL="1371600">
+            <a:lvl3pPr marL="1371600" lvl="2" indent="-298450">
               <a:spcBef>
                 <a:spcPts val="0"/>
               </a:spcBef>
@@ -389,7 +403,7 @@
               <a:buChar char="■"/>
               <a:defRPr sz="1100"/>
             </a:lvl3pPr>
-            <a:lvl4pPr indent="-298450" lvl="3" marL="1828800">
+            <a:lvl4pPr marL="1828800" lvl="3" indent="-298450">
               <a:spcBef>
                 <a:spcPts val="0"/>
               </a:spcBef>
@@ -400,7 +414,7 @@
               <a:buChar char="●"/>
               <a:defRPr sz="1100"/>
             </a:lvl4pPr>
-            <a:lvl5pPr indent="-298450" lvl="4" marL="2286000">
+            <a:lvl5pPr marL="2286000" lvl="4" indent="-298450">
               <a:spcBef>
                 <a:spcPts val="0"/>
               </a:spcBef>
@@ -411,7 +425,7 @@
               <a:buChar char="○"/>
               <a:defRPr sz="1100"/>
             </a:lvl5pPr>
-            <a:lvl6pPr indent="-298450" lvl="5" marL="2743200">
+            <a:lvl6pPr marL="2743200" lvl="5" indent="-298450">
               <a:spcBef>
                 <a:spcPts val="0"/>
               </a:spcBef>
@@ -422,7 +436,7 @@
               <a:buChar char="■"/>
               <a:defRPr sz="1100"/>
             </a:lvl6pPr>
-            <a:lvl7pPr indent="-298450" lvl="6" marL="3200400">
+            <a:lvl7pPr marL="3200400" lvl="6" indent="-298450">
               <a:spcBef>
                 <a:spcPts val="0"/>
               </a:spcBef>
@@ -433,7 +447,7 @@
               <a:buChar char="●"/>
               <a:defRPr sz="1100"/>
             </a:lvl7pPr>
-            <a:lvl8pPr indent="-298450" lvl="7" marL="3657600">
+            <a:lvl8pPr marL="3657600" lvl="7" indent="-298450">
               <a:spcBef>
                 <a:spcPts val="0"/>
               </a:spcBef>
@@ -444,7 +458,7 @@
               <a:buChar char="○"/>
               <a:defRPr sz="1100"/>
             </a:lvl8pPr>
-            <a:lvl9pPr indent="-298450" lvl="8" marL="4114800">
+            <a:lvl9pPr marL="4114800" lvl="8" indent="-298450">
               <a:spcBef>
                 <a:spcPts val="0"/>
               </a:spcBef>
@@ -456,14 +470,16 @@
               <a:defRPr sz="1100"/>
             </a:lvl9pPr>
           </a:lstStyle>
-          <a:p/>
+          <a:p>
+            <a:endParaRPr/>
+          </a:p>
         </p:txBody>
       </p:sp>
     </p:spTree>
   </p:cSld>
-  <p:clrMap accent1="accent1" accent2="accent2" accent3="accent3" accent4="accent4" accent5="accent5" accent6="accent6" bg1="lt1" bg2="dk2" tx1="dk1" tx2="lt2" folHlink="folHlink" hlink="hlink"/>
+  <p:clrMap bg1="lt1" tx1="dk1" bg2="dk2" tx2="lt2" accent1="accent1" accent2="accent2" accent3="accent3" accent4="accent4" accent5="accent5" accent6="accent6" hlink="hlink" folHlink="folHlink"/>
   <p:notesStyle>
-    <a:defPPr lvl="0" marR="0" rtl="0" algn="l">
+    <a:defPPr marR="0" lvl="0" algn="l" rtl="0">
       <a:lnSpc>
         <a:spcPct val="100000"/>
       </a:lnSpc>
@@ -474,7 +490,7 @@
         <a:spcPts val="0"/>
       </a:spcAft>
     </a:defPPr>
-    <a:lvl1pPr lvl="0" marR="0" rtl="0" algn="l">
+    <a:lvl1pPr marR="0" lvl="0" algn="l" rtl="0">
       <a:lnSpc>
         <a:spcPct val="100000"/>
       </a:lnSpc>
@@ -488,7 +504,7 @@
         <a:srgbClr val="000000"/>
       </a:buClr>
       <a:buFont typeface="Arial"/>
-      <a:defRPr b="0" i="0" sz="1400" u="none" cap="none" strike="noStrike">
+      <a:defRPr sz="1400" b="0" i="0" u="none" strike="noStrike" cap="none">
         <a:solidFill>
           <a:srgbClr val="000000"/>
         </a:solidFill>
@@ -498,7 +514,7 @@
         <a:sym typeface="Arial"/>
       </a:defRPr>
     </a:lvl1pPr>
-    <a:lvl2pPr lvl="1" marR="0" rtl="0" algn="l">
+    <a:lvl2pPr marR="0" lvl="1" algn="l" rtl="0">
       <a:lnSpc>
         <a:spcPct val="100000"/>
       </a:lnSpc>
@@ -512,7 +528,7 @@
         <a:srgbClr val="000000"/>
       </a:buClr>
       <a:buFont typeface="Arial"/>
-      <a:defRPr b="0" i="0" sz="1400" u="none" cap="none" strike="noStrike">
+      <a:defRPr sz="1400" b="0" i="0" u="none" strike="noStrike" cap="none">
         <a:solidFill>
           <a:srgbClr val="000000"/>
         </a:solidFill>
@@ -522,7 +538,7 @@
         <a:sym typeface="Arial"/>
       </a:defRPr>
     </a:lvl2pPr>
-    <a:lvl3pPr lvl="2" marR="0" rtl="0" algn="l">
+    <a:lvl3pPr marR="0" lvl="2" algn="l" rtl="0">
       <a:lnSpc>
         <a:spcPct val="100000"/>
       </a:lnSpc>
@@ -536,7 +552,7 @@
         <a:srgbClr val="000000"/>
       </a:buClr>
       <a:buFont typeface="Arial"/>
-      <a:defRPr b="0" i="0" sz="1400" u="none" cap="none" strike="noStrike">
+      <a:defRPr sz="1400" b="0" i="0" u="none" strike="noStrike" cap="none">
         <a:solidFill>
           <a:srgbClr val="000000"/>
         </a:solidFill>
@@ -546,7 +562,7 @@
         <a:sym typeface="Arial"/>
       </a:defRPr>
     </a:lvl3pPr>
-    <a:lvl4pPr lvl="3" marR="0" rtl="0" algn="l">
+    <a:lvl4pPr marR="0" lvl="3" algn="l" rtl="0">
       <a:lnSpc>
         <a:spcPct val="100000"/>
       </a:lnSpc>
@@ -560,7 +576,7 @@
         <a:srgbClr val="000000"/>
       </a:buClr>
       <a:buFont typeface="Arial"/>
-      <a:defRPr b="0" i="0" sz="1400" u="none" cap="none" strike="noStrike">
+      <a:defRPr sz="1400" b="0" i="0" u="none" strike="noStrike" cap="none">
         <a:solidFill>
           <a:srgbClr val="000000"/>
         </a:solidFill>
@@ -570,7 +586,7 @@
         <a:sym typeface="Arial"/>
       </a:defRPr>
     </a:lvl4pPr>
-    <a:lvl5pPr lvl="4" marR="0" rtl="0" algn="l">
+    <a:lvl5pPr marR="0" lvl="4" algn="l" rtl="0">
       <a:lnSpc>
         <a:spcPct val="100000"/>
       </a:lnSpc>
@@ -584,7 +600,7 @@
         <a:srgbClr val="000000"/>
       </a:buClr>
       <a:buFont typeface="Arial"/>
-      <a:defRPr b="0" i="0" sz="1400" u="none" cap="none" strike="noStrike">
+      <a:defRPr sz="1400" b="0" i="0" u="none" strike="noStrike" cap="none">
         <a:solidFill>
           <a:srgbClr val="000000"/>
         </a:solidFill>
@@ -594,7 +610,7 @@
         <a:sym typeface="Arial"/>
       </a:defRPr>
     </a:lvl5pPr>
-    <a:lvl6pPr lvl="5" marR="0" rtl="0" algn="l">
+    <a:lvl6pPr marR="0" lvl="5" algn="l" rtl="0">
       <a:lnSpc>
         <a:spcPct val="100000"/>
       </a:lnSpc>
@@ -608,7 +624,7 @@
         <a:srgbClr val="000000"/>
       </a:buClr>
       <a:buFont typeface="Arial"/>
-      <a:defRPr b="0" i="0" sz="1400" u="none" cap="none" strike="noStrike">
+      <a:defRPr sz="1400" b="0" i="0" u="none" strike="noStrike" cap="none">
         <a:solidFill>
           <a:srgbClr val="000000"/>
         </a:solidFill>
@@ -618,7 +634,7 @@
         <a:sym typeface="Arial"/>
       </a:defRPr>
     </a:lvl6pPr>
-    <a:lvl7pPr lvl="6" marR="0" rtl="0" algn="l">
+    <a:lvl7pPr marR="0" lvl="6" algn="l" rtl="0">
       <a:lnSpc>
         <a:spcPct val="100000"/>
       </a:lnSpc>
@@ -632,7 +648,7 @@
         <a:srgbClr val="000000"/>
       </a:buClr>
       <a:buFont typeface="Arial"/>
-      <a:defRPr b="0" i="0" sz="1400" u="none" cap="none" strike="noStrike">
+      <a:defRPr sz="1400" b="0" i="0" u="none" strike="noStrike" cap="none">
         <a:solidFill>
           <a:srgbClr val="000000"/>
         </a:solidFill>
@@ -642,7 +658,7 @@
         <a:sym typeface="Arial"/>
       </a:defRPr>
     </a:lvl7pPr>
-    <a:lvl8pPr lvl="7" marR="0" rtl="0" algn="l">
+    <a:lvl8pPr marR="0" lvl="7" algn="l" rtl="0">
       <a:lnSpc>
         <a:spcPct val="100000"/>
       </a:lnSpc>
@@ -656,7 +672,7 @@
         <a:srgbClr val="000000"/>
       </a:buClr>
       <a:buFont typeface="Arial"/>
-      <a:defRPr b="0" i="0" sz="1400" u="none" cap="none" strike="noStrike">
+      <a:defRPr sz="1400" b="0" i="0" u="none" strike="noStrike" cap="none">
         <a:solidFill>
           <a:srgbClr val="000000"/>
         </a:solidFill>
@@ -666,7 +682,7 @@
         <a:sym typeface="Arial"/>
       </a:defRPr>
     </a:lvl8pPr>
-    <a:lvl9pPr lvl="8" marR="0" rtl="0" algn="l">
+    <a:lvl9pPr marR="0" lvl="8" algn="l" rtl="0">
       <a:lnSpc>
         <a:spcPct val="100000"/>
       </a:lnSpc>
@@ -680,7 +696,7 @@
         <a:srgbClr val="000000"/>
       </a:buClr>
       <a:buFont typeface="Arial"/>
-      <a:defRPr b="0" i="0" sz="1400" u="none" cap="none" strike="noStrike">
+      <a:defRPr sz="1400" b="0" i="0" u="none" strike="noStrike" cap="none">
         <a:solidFill>
           <a:srgbClr val="000000"/>
         </a:solidFill>
@@ -695,11 +711,11 @@
 </file>
 
 <file path=ppt/notesSlides/notesSlide1.xml><?xml version="1.0" encoding="utf-8"?>
-<p:notes xmlns:a="http://schemas.openxmlformats.org/drawingml/2006/main" xmlns:r="http://schemas.openxmlformats.org/officeDocument/2006/relationships" xmlns:mc="http://schemas.openxmlformats.org/markup-compatibility/2006" xmlns:mv="urn:schemas-microsoft-com:mac:vml" xmlns:p="http://schemas.openxmlformats.org/presentationml/2006/main" xmlns:c="http://schemas.openxmlformats.org/drawingml/2006/chart" xmlns:dgm="http://schemas.openxmlformats.org/drawingml/2006/diagram" xmlns:o="urn:schemas-microsoft-com:office:office" xmlns:v="urn:schemas-microsoft-com:vml" xmlns:pvml="urn:schemas-microsoft-com:office:powerpoint" xmlns:com="http://schemas.openxmlformats.org/drawingml/2006/compatibility" xmlns:p14="http://schemas.microsoft.com/office/powerpoint/2010/main" xmlns:p15="http://schemas.microsoft.com/office/powerpoint/2012/main" xmlns:ahyp="http://schemas.microsoft.com/office/drawing/2018/hyperlinkcolor" showMasterPhAnim="0" showMasterSp="0">
+<p:notes xmlns:a="http://schemas.openxmlformats.org/drawingml/2006/main" xmlns:r="http://schemas.openxmlformats.org/officeDocument/2006/relationships" xmlns:p="http://schemas.openxmlformats.org/presentationml/2006/main" showMasterSp="0" showMasterPhAnim="0">
   <p:cSld>
     <p:spTree>
       <p:nvGrpSpPr>
-        <p:cNvPr id="50" name="Shape 50"/>
+        <p:cNvPr id="1" name="Shape 50"/>
         <p:cNvGrpSpPr/>
         <p:nvPr/>
       </p:nvGrpSpPr>
@@ -714,20 +730,26 @@
       <p:sp>
         <p:nvSpPr>
           <p:cNvPr id="51" name="Google Shape;51;g262eb9c5681_0_0:notes"/>
-          <p:cNvSpPr/>
-          <p:nvPr>
-            <p:ph idx="2" type="sldImg"/>
-          </p:nvPr>
-        </p:nvSpPr>
-        <p:spPr>
-          <a:xfrm>
-            <a:off x="381300" y="685800"/>
+          <p:cNvSpPr>
+            <a:spLocks noGrp="1" noRot="1" noChangeAspect="1"/>
+          </p:cNvSpPr>
+          <p:nvPr>
+            <p:ph type="sldImg" idx="2"/>
+          </p:nvPr>
+        </p:nvSpPr>
+        <p:spPr>
+          <a:xfrm>
+            <a:off x="381000" y="685800"/>
             <a:ext cx="6096000" cy="3429000"/>
           </a:xfrm>
           <a:custGeom>
-            <a:rect b="b" l="l" r="r" t="t"/>
+            <a:avLst/>
+            <a:gdLst/>
+            <a:ahLst/>
+            <a:cxnLst/>
+            <a:rect l="l" t="t" r="r" b="b"/>
             <a:pathLst>
-              <a:path extrusionOk="0" h="120000" w="120000">
+              <a:path w="120000" h="120000" extrusionOk="0">
                 <a:moveTo>
                   <a:pt x="0" y="0"/>
                 </a:moveTo>
@@ -749,9 +771,11 @@
       <p:sp>
         <p:nvSpPr>
           <p:cNvPr id="52" name="Google Shape;52;g262eb9c5681_0_0:notes"/>
-          <p:cNvSpPr txBox="1"/>
-          <p:nvPr>
-            <p:ph idx="1" type="body"/>
+          <p:cNvSpPr txBox="1">
+            <a:spLocks noGrp="1"/>
+          </p:cNvSpPr>
+          <p:nvPr>
+            <p:ph type="body" idx="1"/>
           </p:nvPr>
         </p:nvSpPr>
         <p:spPr>
@@ -764,12 +788,12 @@
           </a:prstGeom>
         </p:spPr>
         <p:txBody>
-          <a:bodyPr anchorCtr="0" anchor="t" bIns="91425" lIns="91425" spcFirstLastPara="1" rIns="91425" wrap="square" tIns="91425">
+          <a:bodyPr spcFirstLastPara="1" wrap="square" lIns="91425" tIns="91425" rIns="91425" bIns="91425" anchor="t" anchorCtr="0">
             <a:noAutofit/>
           </a:bodyPr>
           <a:lstStyle/>
           <a:p>
-            <a:pPr indent="0" lvl="0" marL="0" rtl="0" algn="l">
+            <a:pPr marL="0" lvl="0" indent="0" algn="l" rtl="0">
               <a:spcBef>
                 <a:spcPts val="0"/>
               </a:spcBef>
@@ -778,9 +802,6 @@
               </a:spcAft>
               <a:buNone/>
             </a:pPr>
-            <a:r>
-              <a:t/>
-            </a:r>
             <a:endParaRPr/>
           </a:p>
         </p:txBody>
@@ -794,11 +815,11 @@
 </file>
 
 <file path=ppt/notesSlides/notesSlide2.xml><?xml version="1.0" encoding="utf-8"?>
-<p:notes xmlns:a="http://schemas.openxmlformats.org/drawingml/2006/main" xmlns:r="http://schemas.openxmlformats.org/officeDocument/2006/relationships" xmlns:mc="http://schemas.openxmlformats.org/markup-compatibility/2006" xmlns:mv="urn:schemas-microsoft-com:mac:vml" xmlns:p="http://schemas.openxmlformats.org/presentationml/2006/main" xmlns:c="http://schemas.openxmlformats.org/drawingml/2006/chart" xmlns:dgm="http://schemas.openxmlformats.org/drawingml/2006/diagram" xmlns:o="urn:schemas-microsoft-com:office:office" xmlns:v="urn:schemas-microsoft-com:vml" xmlns:pvml="urn:schemas-microsoft-com:office:powerpoint" xmlns:com="http://schemas.openxmlformats.org/drawingml/2006/compatibility" xmlns:p14="http://schemas.microsoft.com/office/powerpoint/2010/main" xmlns:p15="http://schemas.microsoft.com/office/powerpoint/2012/main" xmlns:ahyp="http://schemas.microsoft.com/office/drawing/2018/hyperlinkcolor" showMasterPhAnim="0" showMasterSp="0">
+<p:notes xmlns:a="http://schemas.openxmlformats.org/drawingml/2006/main" xmlns:r="http://schemas.openxmlformats.org/officeDocument/2006/relationships" xmlns:p="http://schemas.openxmlformats.org/presentationml/2006/main" showMasterSp="0" showMasterPhAnim="0">
   <p:cSld>
     <p:spTree>
       <p:nvGrpSpPr>
-        <p:cNvPr id="56" name="Shape 56"/>
+        <p:cNvPr id="1" name="Shape 56"/>
         <p:cNvGrpSpPr/>
         <p:nvPr/>
       </p:nvGrpSpPr>
@@ -813,20 +834,26 @@
       <p:sp>
         <p:nvSpPr>
           <p:cNvPr id="57" name="Google Shape;57;g2a2a7e55651_0_8:notes"/>
-          <p:cNvSpPr/>
-          <p:nvPr>
-            <p:ph idx="2" type="sldImg"/>
-          </p:nvPr>
-        </p:nvSpPr>
-        <p:spPr>
-          <a:xfrm>
-            <a:off x="381300" y="685800"/>
+          <p:cNvSpPr>
+            <a:spLocks noGrp="1" noRot="1" noChangeAspect="1"/>
+          </p:cNvSpPr>
+          <p:nvPr>
+            <p:ph type="sldImg" idx="2"/>
+          </p:nvPr>
+        </p:nvSpPr>
+        <p:spPr>
+          <a:xfrm>
+            <a:off x="381000" y="685800"/>
             <a:ext cx="6096000" cy="3429000"/>
           </a:xfrm>
           <a:custGeom>
-            <a:rect b="b" l="l" r="r" t="t"/>
+            <a:avLst/>
+            <a:gdLst/>
+            <a:ahLst/>
+            <a:cxnLst/>
+            <a:rect l="l" t="t" r="r" b="b"/>
             <a:pathLst>
-              <a:path extrusionOk="0" h="120000" w="120000">
+              <a:path w="120000" h="120000" extrusionOk="0">
                 <a:moveTo>
                   <a:pt x="0" y="0"/>
                 </a:moveTo>
@@ -848,9 +875,11 @@
       <p:sp>
         <p:nvSpPr>
           <p:cNvPr id="58" name="Google Shape;58;g2a2a7e55651_0_8:notes"/>
-          <p:cNvSpPr txBox="1"/>
-          <p:nvPr>
-            <p:ph idx="1" type="body"/>
+          <p:cNvSpPr txBox="1">
+            <a:spLocks noGrp="1"/>
+          </p:cNvSpPr>
+          <p:nvPr>
+            <p:ph type="body" idx="1"/>
           </p:nvPr>
         </p:nvSpPr>
         <p:spPr>
@@ -863,12 +892,12 @@
           </a:prstGeom>
         </p:spPr>
         <p:txBody>
-          <a:bodyPr anchorCtr="0" anchor="t" bIns="91425" lIns="91425" spcFirstLastPara="1" rIns="91425" wrap="square" tIns="91425">
+          <a:bodyPr spcFirstLastPara="1" wrap="square" lIns="91425" tIns="91425" rIns="91425" bIns="91425" anchor="t" anchorCtr="0">
             <a:noAutofit/>
           </a:bodyPr>
           <a:lstStyle/>
           <a:p>
-            <a:pPr indent="0" lvl="0" marL="0" rtl="0" algn="l">
+            <a:pPr marL="0" lvl="0" indent="0" algn="l" rtl="0">
               <a:spcBef>
                 <a:spcPts val="0"/>
               </a:spcBef>
@@ -877,9 +906,6 @@
               </a:spcAft>
               <a:buNone/>
             </a:pPr>
-            <a:r>
-              <a:t/>
-            </a:r>
             <a:endParaRPr/>
           </a:p>
         </p:txBody>
@@ -893,11 +919,11 @@
 </file>
 
 <file path=ppt/notesSlides/notesSlide3.xml><?xml version="1.0" encoding="utf-8"?>
-<p:notes xmlns:a="http://schemas.openxmlformats.org/drawingml/2006/main" xmlns:r="http://schemas.openxmlformats.org/officeDocument/2006/relationships" xmlns:mc="http://schemas.openxmlformats.org/markup-compatibility/2006" xmlns:mv="urn:schemas-microsoft-com:mac:vml" xmlns:p="http://schemas.openxmlformats.org/presentationml/2006/main" xmlns:c="http://schemas.openxmlformats.org/drawingml/2006/chart" xmlns:dgm="http://schemas.openxmlformats.org/drawingml/2006/diagram" xmlns:o="urn:schemas-microsoft-com:office:office" xmlns:v="urn:schemas-microsoft-com:vml" xmlns:pvml="urn:schemas-microsoft-com:office:powerpoint" xmlns:com="http://schemas.openxmlformats.org/drawingml/2006/compatibility" xmlns:p14="http://schemas.microsoft.com/office/powerpoint/2010/main" xmlns:p15="http://schemas.microsoft.com/office/powerpoint/2012/main" xmlns:ahyp="http://schemas.microsoft.com/office/drawing/2018/hyperlinkcolor" showMasterPhAnim="0" showMasterSp="0">
+<p:notes xmlns:a="http://schemas.openxmlformats.org/drawingml/2006/main" xmlns:r="http://schemas.openxmlformats.org/officeDocument/2006/relationships" xmlns:p="http://schemas.openxmlformats.org/presentationml/2006/main" showMasterSp="0" showMasterPhAnim="0">
   <p:cSld>
     <p:spTree>
       <p:nvGrpSpPr>
-        <p:cNvPr id="62" name="Shape 62"/>
+        <p:cNvPr id="1" name="Shape 62"/>
         <p:cNvGrpSpPr/>
         <p:nvPr/>
       </p:nvGrpSpPr>
@@ -912,20 +938,26 @@
       <p:sp>
         <p:nvSpPr>
           <p:cNvPr id="63" name="Google Shape;63;g2a2a7e55651_0_13:notes"/>
-          <p:cNvSpPr/>
-          <p:nvPr>
-            <p:ph idx="2" type="sldImg"/>
-          </p:nvPr>
-        </p:nvSpPr>
-        <p:spPr>
-          <a:xfrm>
-            <a:off x="381300" y="685800"/>
+          <p:cNvSpPr>
+            <a:spLocks noGrp="1" noRot="1" noChangeAspect="1"/>
+          </p:cNvSpPr>
+          <p:nvPr>
+            <p:ph type="sldImg" idx="2"/>
+          </p:nvPr>
+        </p:nvSpPr>
+        <p:spPr>
+          <a:xfrm>
+            <a:off x="381000" y="685800"/>
             <a:ext cx="6096000" cy="3429000"/>
           </a:xfrm>
           <a:custGeom>
-            <a:rect b="b" l="l" r="r" t="t"/>
+            <a:avLst/>
+            <a:gdLst/>
+            <a:ahLst/>
+            <a:cxnLst/>
+            <a:rect l="l" t="t" r="r" b="b"/>
             <a:pathLst>
-              <a:path extrusionOk="0" h="120000" w="120000">
+              <a:path w="120000" h="120000" extrusionOk="0">
                 <a:moveTo>
                   <a:pt x="0" y="0"/>
                 </a:moveTo>
@@ -947,9 +979,11 @@
       <p:sp>
         <p:nvSpPr>
           <p:cNvPr id="64" name="Google Shape;64;g2a2a7e55651_0_13:notes"/>
-          <p:cNvSpPr txBox="1"/>
-          <p:nvPr>
-            <p:ph idx="1" type="body"/>
+          <p:cNvSpPr txBox="1">
+            <a:spLocks noGrp="1"/>
+          </p:cNvSpPr>
+          <p:nvPr>
+            <p:ph type="body" idx="1"/>
           </p:nvPr>
         </p:nvSpPr>
         <p:spPr>
@@ -962,12 +996,12 @@
           </a:prstGeom>
         </p:spPr>
         <p:txBody>
-          <a:bodyPr anchorCtr="0" anchor="t" bIns="91425" lIns="91425" spcFirstLastPara="1" rIns="91425" wrap="square" tIns="91425">
+          <a:bodyPr spcFirstLastPara="1" wrap="square" lIns="91425" tIns="91425" rIns="91425" bIns="91425" anchor="t" anchorCtr="0">
             <a:noAutofit/>
           </a:bodyPr>
           <a:lstStyle/>
           <a:p>
-            <a:pPr indent="0" lvl="0" marL="0" rtl="0" algn="l">
+            <a:pPr marL="0" lvl="0" indent="0" algn="l" rtl="0">
               <a:spcBef>
                 <a:spcPts val="0"/>
               </a:spcBef>
@@ -976,9 +1010,6 @@
               </a:spcAft>
               <a:buNone/>
             </a:pPr>
-            <a:r>
-              <a:t/>
-            </a:r>
             <a:endParaRPr/>
           </a:p>
         </p:txBody>
@@ -992,11 +1023,11 @@
 </file>
 
 <file path=ppt/notesSlides/notesSlide4.xml><?xml version="1.0" encoding="utf-8"?>
-<p:notes xmlns:a="http://schemas.openxmlformats.org/drawingml/2006/main" xmlns:r="http://schemas.openxmlformats.org/officeDocument/2006/relationships" xmlns:mc="http://schemas.openxmlformats.org/markup-compatibility/2006" xmlns:mv="urn:schemas-microsoft-com:mac:vml" xmlns:p="http://schemas.openxmlformats.org/presentationml/2006/main" xmlns:c="http://schemas.openxmlformats.org/drawingml/2006/chart" xmlns:dgm="http://schemas.openxmlformats.org/drawingml/2006/diagram" xmlns:o="urn:schemas-microsoft-com:office:office" xmlns:v="urn:schemas-microsoft-com:vml" xmlns:pvml="urn:schemas-microsoft-com:office:powerpoint" xmlns:com="http://schemas.openxmlformats.org/drawingml/2006/compatibility" xmlns:p14="http://schemas.microsoft.com/office/powerpoint/2010/main" xmlns:p15="http://schemas.microsoft.com/office/powerpoint/2012/main" xmlns:ahyp="http://schemas.microsoft.com/office/drawing/2018/hyperlinkcolor" showMasterPhAnim="0" showMasterSp="0">
+<p:notes xmlns:a="http://schemas.openxmlformats.org/drawingml/2006/main" xmlns:r="http://schemas.openxmlformats.org/officeDocument/2006/relationships" xmlns:p="http://schemas.openxmlformats.org/presentationml/2006/main" showMasterSp="0" showMasterPhAnim="0">
   <p:cSld>
     <p:spTree>
       <p:nvGrpSpPr>
-        <p:cNvPr id="69" name="Shape 69"/>
+        <p:cNvPr id="1" name="Shape 69"/>
         <p:cNvGrpSpPr/>
         <p:nvPr/>
       </p:nvGrpSpPr>
@@ -1011,20 +1042,26 @@
       <p:sp>
         <p:nvSpPr>
           <p:cNvPr id="70" name="Google Shape;70;g2a2a7e55651_0_19:notes"/>
-          <p:cNvSpPr/>
-          <p:nvPr>
-            <p:ph idx="2" type="sldImg"/>
-          </p:nvPr>
-        </p:nvSpPr>
-        <p:spPr>
-          <a:xfrm>
-            <a:off x="381300" y="685800"/>
+          <p:cNvSpPr>
+            <a:spLocks noGrp="1" noRot="1" noChangeAspect="1"/>
+          </p:cNvSpPr>
+          <p:nvPr>
+            <p:ph type="sldImg" idx="2"/>
+          </p:nvPr>
+        </p:nvSpPr>
+        <p:spPr>
+          <a:xfrm>
+            <a:off x="381000" y="685800"/>
             <a:ext cx="6096000" cy="3429000"/>
           </a:xfrm>
           <a:custGeom>
-            <a:rect b="b" l="l" r="r" t="t"/>
+            <a:avLst/>
+            <a:gdLst/>
+            <a:ahLst/>
+            <a:cxnLst/>
+            <a:rect l="l" t="t" r="r" b="b"/>
             <a:pathLst>
-              <a:path extrusionOk="0" h="120000" w="120000">
+              <a:path w="120000" h="120000" extrusionOk="0">
                 <a:moveTo>
                   <a:pt x="0" y="0"/>
                 </a:moveTo>
@@ -1046,9 +1083,11 @@
       <p:sp>
         <p:nvSpPr>
           <p:cNvPr id="71" name="Google Shape;71;g2a2a7e55651_0_19:notes"/>
-          <p:cNvSpPr txBox="1"/>
-          <p:nvPr>
-            <p:ph idx="1" type="body"/>
+          <p:cNvSpPr txBox="1">
+            <a:spLocks noGrp="1"/>
+          </p:cNvSpPr>
+          <p:nvPr>
+            <p:ph type="body" idx="1"/>
           </p:nvPr>
         </p:nvSpPr>
         <p:spPr>
@@ -1061,12 +1100,12 @@
           </a:prstGeom>
         </p:spPr>
         <p:txBody>
-          <a:bodyPr anchorCtr="0" anchor="t" bIns="91425" lIns="91425" spcFirstLastPara="1" rIns="91425" wrap="square" tIns="91425">
+          <a:bodyPr spcFirstLastPara="1" wrap="square" lIns="91425" tIns="91425" rIns="91425" bIns="91425" anchor="t" anchorCtr="0">
             <a:noAutofit/>
           </a:bodyPr>
           <a:lstStyle/>
           <a:p>
-            <a:pPr indent="0" lvl="0" marL="0" rtl="0" algn="l">
+            <a:pPr marL="0" lvl="0" indent="0" algn="l" rtl="0">
               <a:spcBef>
                 <a:spcPts val="0"/>
               </a:spcBef>
@@ -1075,9 +1114,6 @@
               </a:spcAft>
               <a:buNone/>
             </a:pPr>
-            <a:r>
-              <a:t/>
-            </a:r>
             <a:endParaRPr/>
           </a:p>
         </p:txBody>
@@ -1091,11 +1127,11 @@
 </file>
 
 <file path=ppt/notesSlides/notesSlide5.xml><?xml version="1.0" encoding="utf-8"?>
-<p:notes xmlns:a="http://schemas.openxmlformats.org/drawingml/2006/main" xmlns:r="http://schemas.openxmlformats.org/officeDocument/2006/relationships" xmlns:mc="http://schemas.openxmlformats.org/markup-compatibility/2006" xmlns:mv="urn:schemas-microsoft-com:mac:vml" xmlns:p="http://schemas.openxmlformats.org/presentationml/2006/main" xmlns:c="http://schemas.openxmlformats.org/drawingml/2006/chart" xmlns:dgm="http://schemas.openxmlformats.org/drawingml/2006/diagram" xmlns:o="urn:schemas-microsoft-com:office:office" xmlns:v="urn:schemas-microsoft-com:vml" xmlns:pvml="urn:schemas-microsoft-com:office:powerpoint" xmlns:com="http://schemas.openxmlformats.org/drawingml/2006/compatibility" xmlns:p14="http://schemas.microsoft.com/office/powerpoint/2010/main" xmlns:p15="http://schemas.microsoft.com/office/powerpoint/2012/main" xmlns:ahyp="http://schemas.microsoft.com/office/drawing/2018/hyperlinkcolor" showMasterPhAnim="0" showMasterSp="0">
+<p:notes xmlns:a="http://schemas.openxmlformats.org/drawingml/2006/main" xmlns:r="http://schemas.openxmlformats.org/officeDocument/2006/relationships" xmlns:p="http://schemas.openxmlformats.org/presentationml/2006/main" showMasterSp="0" showMasterPhAnim="0">
   <p:cSld>
     <p:spTree>
       <p:nvGrpSpPr>
-        <p:cNvPr id="75" name="Shape 75"/>
+        <p:cNvPr id="1" name="Shape 75"/>
         <p:cNvGrpSpPr/>
         <p:nvPr/>
       </p:nvGrpSpPr>
@@ -1110,20 +1146,26 @@
       <p:sp>
         <p:nvSpPr>
           <p:cNvPr id="76" name="Google Shape;76;g2a2a7e55651_0_29:notes"/>
-          <p:cNvSpPr/>
-          <p:nvPr>
-            <p:ph idx="2" type="sldImg"/>
-          </p:nvPr>
-        </p:nvSpPr>
-        <p:spPr>
-          <a:xfrm>
-            <a:off x="381300" y="685800"/>
+          <p:cNvSpPr>
+            <a:spLocks noGrp="1" noRot="1" noChangeAspect="1"/>
+          </p:cNvSpPr>
+          <p:nvPr>
+            <p:ph type="sldImg" idx="2"/>
+          </p:nvPr>
+        </p:nvSpPr>
+        <p:spPr>
+          <a:xfrm>
+            <a:off x="381000" y="685800"/>
             <a:ext cx="6096000" cy="3429000"/>
           </a:xfrm>
           <a:custGeom>
-            <a:rect b="b" l="l" r="r" t="t"/>
+            <a:avLst/>
+            <a:gdLst/>
+            <a:ahLst/>
+            <a:cxnLst/>
+            <a:rect l="l" t="t" r="r" b="b"/>
             <a:pathLst>
-              <a:path extrusionOk="0" h="120000" w="120000">
+              <a:path w="120000" h="120000" extrusionOk="0">
                 <a:moveTo>
                   <a:pt x="0" y="0"/>
                 </a:moveTo>
@@ -1145,9 +1187,11 @@
       <p:sp>
         <p:nvSpPr>
           <p:cNvPr id="77" name="Google Shape;77;g2a2a7e55651_0_29:notes"/>
-          <p:cNvSpPr txBox="1"/>
-          <p:nvPr>
-            <p:ph idx="1" type="body"/>
+          <p:cNvSpPr txBox="1">
+            <a:spLocks noGrp="1"/>
+          </p:cNvSpPr>
+          <p:nvPr>
+            <p:ph type="body" idx="1"/>
           </p:nvPr>
         </p:nvSpPr>
         <p:spPr>
@@ -1160,12 +1204,12 @@
           </a:prstGeom>
         </p:spPr>
         <p:txBody>
-          <a:bodyPr anchorCtr="0" anchor="t" bIns="91425" lIns="91425" spcFirstLastPara="1" rIns="91425" wrap="square" tIns="91425">
+          <a:bodyPr spcFirstLastPara="1" wrap="square" lIns="91425" tIns="91425" rIns="91425" bIns="91425" anchor="t" anchorCtr="0">
             <a:noAutofit/>
           </a:bodyPr>
           <a:lstStyle/>
           <a:p>
-            <a:pPr indent="0" lvl="0" marL="0" rtl="0" algn="l">
+            <a:pPr marL="0" lvl="0" indent="0" algn="l" rtl="0">
               <a:spcBef>
                 <a:spcPts val="0"/>
               </a:spcBef>
@@ -1174,9 +1218,6 @@
               </a:spcAft>
               <a:buNone/>
             </a:pPr>
-            <a:r>
-              <a:t/>
-            </a:r>
             <a:endParaRPr/>
           </a:p>
         </p:txBody>
@@ -1190,11 +1231,11 @@
 </file>
 
 <file path=ppt/notesSlides/notesSlide6.xml><?xml version="1.0" encoding="utf-8"?>
-<p:notes xmlns:a="http://schemas.openxmlformats.org/drawingml/2006/main" xmlns:r="http://schemas.openxmlformats.org/officeDocument/2006/relationships" xmlns:mc="http://schemas.openxmlformats.org/markup-compatibility/2006" xmlns:mv="urn:schemas-microsoft-com:mac:vml" xmlns:p="http://schemas.openxmlformats.org/presentationml/2006/main" xmlns:c="http://schemas.openxmlformats.org/drawingml/2006/chart" xmlns:dgm="http://schemas.openxmlformats.org/drawingml/2006/diagram" xmlns:o="urn:schemas-microsoft-com:office:office" xmlns:v="urn:schemas-microsoft-com:vml" xmlns:pvml="urn:schemas-microsoft-com:office:powerpoint" xmlns:com="http://schemas.openxmlformats.org/drawingml/2006/compatibility" xmlns:p14="http://schemas.microsoft.com/office/powerpoint/2010/main" xmlns:p15="http://schemas.microsoft.com/office/powerpoint/2012/main" xmlns:ahyp="http://schemas.microsoft.com/office/drawing/2018/hyperlinkcolor" showMasterPhAnim="0" showMasterSp="0">
+<p:notes xmlns:a="http://schemas.openxmlformats.org/drawingml/2006/main" xmlns:r="http://schemas.openxmlformats.org/officeDocument/2006/relationships" xmlns:p="http://schemas.openxmlformats.org/presentationml/2006/main" showMasterSp="0" showMasterPhAnim="0">
   <p:cSld>
     <p:spTree>
       <p:nvGrpSpPr>
-        <p:cNvPr id="81" name="Shape 81"/>
+        <p:cNvPr id="1" name="Shape 81"/>
         <p:cNvGrpSpPr/>
         <p:nvPr/>
       </p:nvGrpSpPr>
@@ -1209,20 +1250,26 @@
       <p:sp>
         <p:nvSpPr>
           <p:cNvPr id="82" name="Google Shape;82;g2a2a7e55651_0_36:notes"/>
-          <p:cNvSpPr/>
-          <p:nvPr>
-            <p:ph idx="2" type="sldImg"/>
-          </p:nvPr>
-        </p:nvSpPr>
-        <p:spPr>
-          <a:xfrm>
-            <a:off x="381300" y="685800"/>
+          <p:cNvSpPr>
+            <a:spLocks noGrp="1" noRot="1" noChangeAspect="1"/>
+          </p:cNvSpPr>
+          <p:nvPr>
+            <p:ph type="sldImg" idx="2"/>
+          </p:nvPr>
+        </p:nvSpPr>
+        <p:spPr>
+          <a:xfrm>
+            <a:off x="381000" y="685800"/>
             <a:ext cx="6096000" cy="3429000"/>
           </a:xfrm>
           <a:custGeom>
-            <a:rect b="b" l="l" r="r" t="t"/>
+            <a:avLst/>
+            <a:gdLst/>
+            <a:ahLst/>
+            <a:cxnLst/>
+            <a:rect l="l" t="t" r="r" b="b"/>
             <a:pathLst>
-              <a:path extrusionOk="0" h="120000" w="120000">
+              <a:path w="120000" h="120000" extrusionOk="0">
                 <a:moveTo>
                   <a:pt x="0" y="0"/>
                 </a:moveTo>
@@ -1244,9 +1291,11 @@
       <p:sp>
         <p:nvSpPr>
           <p:cNvPr id="83" name="Google Shape;83;g2a2a7e55651_0_36:notes"/>
-          <p:cNvSpPr txBox="1"/>
-          <p:nvPr>
-            <p:ph idx="1" type="body"/>
+          <p:cNvSpPr txBox="1">
+            <a:spLocks noGrp="1"/>
+          </p:cNvSpPr>
+          <p:nvPr>
+            <p:ph type="body" idx="1"/>
           </p:nvPr>
         </p:nvSpPr>
         <p:spPr>
@@ -1259,12 +1308,12 @@
           </a:prstGeom>
         </p:spPr>
         <p:txBody>
-          <a:bodyPr anchorCtr="0" anchor="t" bIns="91425" lIns="91425" spcFirstLastPara="1" rIns="91425" wrap="square" tIns="91425">
+          <a:bodyPr spcFirstLastPara="1" wrap="square" lIns="91425" tIns="91425" rIns="91425" bIns="91425" anchor="t" anchorCtr="0">
             <a:noAutofit/>
           </a:bodyPr>
           <a:lstStyle/>
           <a:p>
-            <a:pPr indent="0" lvl="0" marL="0" rtl="0" algn="l">
+            <a:pPr marL="0" lvl="0" indent="0" algn="l" rtl="0">
               <a:spcBef>
                 <a:spcPts val="0"/>
               </a:spcBef>
@@ -1273,9 +1322,6 @@
               </a:spcAft>
               <a:buNone/>
             </a:pPr>
-            <a:r>
-              <a:t/>
-            </a:r>
             <a:endParaRPr/>
           </a:p>
         </p:txBody>
@@ -1289,11 +1335,11 @@
 </file>
 
 <file path=ppt/notesSlides/notesSlide7.xml><?xml version="1.0" encoding="utf-8"?>
-<p:notes xmlns:a="http://schemas.openxmlformats.org/drawingml/2006/main" xmlns:r="http://schemas.openxmlformats.org/officeDocument/2006/relationships" xmlns:mc="http://schemas.openxmlformats.org/markup-compatibility/2006" xmlns:mv="urn:schemas-microsoft-com:mac:vml" xmlns:p="http://schemas.openxmlformats.org/presentationml/2006/main" xmlns:c="http://schemas.openxmlformats.org/drawingml/2006/chart" xmlns:dgm="http://schemas.openxmlformats.org/drawingml/2006/diagram" xmlns:o="urn:schemas-microsoft-com:office:office" xmlns:v="urn:schemas-microsoft-com:vml" xmlns:pvml="urn:schemas-microsoft-com:office:powerpoint" xmlns:com="http://schemas.openxmlformats.org/drawingml/2006/compatibility" xmlns:p14="http://schemas.microsoft.com/office/powerpoint/2010/main" xmlns:p15="http://schemas.microsoft.com/office/powerpoint/2012/main" xmlns:ahyp="http://schemas.microsoft.com/office/drawing/2018/hyperlinkcolor" showMasterPhAnim="0" showMasterSp="0">
+<p:notes xmlns:a="http://schemas.openxmlformats.org/drawingml/2006/main" xmlns:r="http://schemas.openxmlformats.org/officeDocument/2006/relationships" xmlns:p="http://schemas.openxmlformats.org/presentationml/2006/main" showMasterSp="0" showMasterPhAnim="0">
   <p:cSld>
     <p:spTree>
       <p:nvGrpSpPr>
-        <p:cNvPr id="96" name="Shape 96"/>
+        <p:cNvPr id="1" name="Shape 96"/>
         <p:cNvGrpSpPr/>
         <p:nvPr/>
       </p:nvGrpSpPr>
@@ -1308,20 +1354,26 @@
       <p:sp>
         <p:nvSpPr>
           <p:cNvPr id="97" name="Google Shape;97;g2a2a7e55651_0_85:notes"/>
-          <p:cNvSpPr/>
-          <p:nvPr>
-            <p:ph idx="2" type="sldImg"/>
-          </p:nvPr>
-        </p:nvSpPr>
-        <p:spPr>
-          <a:xfrm>
-            <a:off x="381300" y="685800"/>
+          <p:cNvSpPr>
+            <a:spLocks noGrp="1" noRot="1" noChangeAspect="1"/>
+          </p:cNvSpPr>
+          <p:nvPr>
+            <p:ph type="sldImg" idx="2"/>
+          </p:nvPr>
+        </p:nvSpPr>
+        <p:spPr>
+          <a:xfrm>
+            <a:off x="381000" y="685800"/>
             <a:ext cx="6096000" cy="3429000"/>
           </a:xfrm>
           <a:custGeom>
-            <a:rect b="b" l="l" r="r" t="t"/>
+            <a:avLst/>
+            <a:gdLst/>
+            <a:ahLst/>
+            <a:cxnLst/>
+            <a:rect l="l" t="t" r="r" b="b"/>
             <a:pathLst>
-              <a:path extrusionOk="0" h="120000" w="120000">
+              <a:path w="120000" h="120000" extrusionOk="0">
                 <a:moveTo>
                   <a:pt x="0" y="0"/>
                 </a:moveTo>
@@ -1343,9 +1395,11 @@
       <p:sp>
         <p:nvSpPr>
           <p:cNvPr id="98" name="Google Shape;98;g2a2a7e55651_0_85:notes"/>
-          <p:cNvSpPr txBox="1"/>
-          <p:nvPr>
-            <p:ph idx="1" type="body"/>
+          <p:cNvSpPr txBox="1">
+            <a:spLocks noGrp="1"/>
+          </p:cNvSpPr>
+          <p:nvPr>
+            <p:ph type="body" idx="1"/>
           </p:nvPr>
         </p:nvSpPr>
         <p:spPr>
@@ -1358,12 +1412,12 @@
           </a:prstGeom>
         </p:spPr>
         <p:txBody>
-          <a:bodyPr anchorCtr="0" anchor="t" bIns="91425" lIns="91425" spcFirstLastPara="1" rIns="91425" wrap="square" tIns="91425">
+          <a:bodyPr spcFirstLastPara="1" wrap="square" lIns="91425" tIns="91425" rIns="91425" bIns="91425" anchor="t" anchorCtr="0">
             <a:noAutofit/>
           </a:bodyPr>
           <a:lstStyle/>
           <a:p>
-            <a:pPr indent="0" lvl="0" marL="0" rtl="0" algn="l">
+            <a:pPr marL="0" lvl="0" indent="0" algn="l" rtl="0">
               <a:spcBef>
                 <a:spcPts val="0"/>
               </a:spcBef>
@@ -1372,9 +1426,6 @@
               </a:spcAft>
               <a:buNone/>
             </a:pPr>
-            <a:r>
-              <a:t/>
-            </a:r>
             <a:endParaRPr/>
           </a:p>
         </p:txBody>
@@ -1388,11 +1439,11 @@
 </file>
 
 <file path=ppt/notesSlides/notesSlide8.xml><?xml version="1.0" encoding="utf-8"?>
-<p:notes xmlns:a="http://schemas.openxmlformats.org/drawingml/2006/main" xmlns:r="http://schemas.openxmlformats.org/officeDocument/2006/relationships" xmlns:mc="http://schemas.openxmlformats.org/markup-compatibility/2006" xmlns:mv="urn:schemas-microsoft-com:mac:vml" xmlns:p="http://schemas.openxmlformats.org/presentationml/2006/main" xmlns:c="http://schemas.openxmlformats.org/drawingml/2006/chart" xmlns:dgm="http://schemas.openxmlformats.org/drawingml/2006/diagram" xmlns:o="urn:schemas-microsoft-com:office:office" xmlns:v="urn:schemas-microsoft-com:vml" xmlns:pvml="urn:schemas-microsoft-com:office:powerpoint" xmlns:com="http://schemas.openxmlformats.org/drawingml/2006/compatibility" xmlns:p14="http://schemas.microsoft.com/office/powerpoint/2010/main" xmlns:p15="http://schemas.microsoft.com/office/powerpoint/2012/main" xmlns:ahyp="http://schemas.microsoft.com/office/drawing/2018/hyperlinkcolor" showMasterPhAnim="0" showMasterSp="0">
+<p:notes xmlns:a="http://schemas.openxmlformats.org/drawingml/2006/main" xmlns:r="http://schemas.openxmlformats.org/officeDocument/2006/relationships" xmlns:p="http://schemas.openxmlformats.org/presentationml/2006/main" showMasterSp="0" showMasterPhAnim="0">
   <p:cSld>
     <p:spTree>
       <p:nvGrpSpPr>
-        <p:cNvPr id="109" name="Shape 109"/>
+        <p:cNvPr id="1" name="Shape 109"/>
         <p:cNvGrpSpPr/>
         <p:nvPr/>
       </p:nvGrpSpPr>
@@ -1407,20 +1458,26 @@
       <p:sp>
         <p:nvSpPr>
           <p:cNvPr id="110" name="Google Shape;110;g2a2a7e55651_0_99:notes"/>
-          <p:cNvSpPr/>
-          <p:nvPr>
-            <p:ph idx="2" type="sldImg"/>
-          </p:nvPr>
-        </p:nvSpPr>
-        <p:spPr>
-          <a:xfrm>
-            <a:off x="381300" y="685800"/>
+          <p:cNvSpPr>
+            <a:spLocks noGrp="1" noRot="1" noChangeAspect="1"/>
+          </p:cNvSpPr>
+          <p:nvPr>
+            <p:ph type="sldImg" idx="2"/>
+          </p:nvPr>
+        </p:nvSpPr>
+        <p:spPr>
+          <a:xfrm>
+            <a:off x="381000" y="685800"/>
             <a:ext cx="6096000" cy="3429000"/>
           </a:xfrm>
           <a:custGeom>
-            <a:rect b="b" l="l" r="r" t="t"/>
+            <a:avLst/>
+            <a:gdLst/>
+            <a:ahLst/>
+            <a:cxnLst/>
+            <a:rect l="l" t="t" r="r" b="b"/>
             <a:pathLst>
-              <a:path extrusionOk="0" h="120000" w="120000">
+              <a:path w="120000" h="120000" extrusionOk="0">
                 <a:moveTo>
                   <a:pt x="0" y="0"/>
                 </a:moveTo>
@@ -1442,9 +1499,11 @@
       <p:sp>
         <p:nvSpPr>
           <p:cNvPr id="111" name="Google Shape;111;g2a2a7e55651_0_99:notes"/>
-          <p:cNvSpPr txBox="1"/>
-          <p:nvPr>
-            <p:ph idx="1" type="body"/>
+          <p:cNvSpPr txBox="1">
+            <a:spLocks noGrp="1"/>
+          </p:cNvSpPr>
+          <p:nvPr>
+            <p:ph type="body" idx="1"/>
           </p:nvPr>
         </p:nvSpPr>
         <p:spPr>
@@ -1457,12 +1516,12 @@
           </a:prstGeom>
         </p:spPr>
         <p:txBody>
-          <a:bodyPr anchorCtr="0" anchor="t" bIns="91425" lIns="91425" spcFirstLastPara="1" rIns="91425" wrap="square" tIns="91425">
+          <a:bodyPr spcFirstLastPara="1" wrap="square" lIns="91425" tIns="91425" rIns="91425" bIns="91425" anchor="t" anchorCtr="0">
             <a:noAutofit/>
           </a:bodyPr>
           <a:lstStyle/>
           <a:p>
-            <a:pPr indent="0" lvl="0" marL="0" rtl="0" algn="l">
+            <a:pPr marL="0" lvl="0" indent="0" algn="l" rtl="0">
               <a:spcBef>
                 <a:spcPts val="0"/>
               </a:spcBef>
@@ -1471,9 +1530,6 @@
               </a:spcAft>
               <a:buNone/>
             </a:pPr>
-            <a:r>
-              <a:t/>
-            </a:r>
             <a:endParaRPr/>
           </a:p>
         </p:txBody>
@@ -1487,11 +1543,11 @@
 </file>
 
 <file path=ppt/notesSlides/notesSlide9.xml><?xml version="1.0" encoding="utf-8"?>
-<p:notes xmlns:a="http://schemas.openxmlformats.org/drawingml/2006/main" xmlns:r="http://schemas.openxmlformats.org/officeDocument/2006/relationships" xmlns:mc="http://schemas.openxmlformats.org/markup-compatibility/2006" xmlns:mv="urn:schemas-microsoft-com:mac:vml" xmlns:p="http://schemas.openxmlformats.org/presentationml/2006/main" xmlns:c="http://schemas.openxmlformats.org/drawingml/2006/chart" xmlns:dgm="http://schemas.openxmlformats.org/drawingml/2006/diagram" xmlns:o="urn:schemas-microsoft-com:office:office" xmlns:v="urn:schemas-microsoft-com:vml" xmlns:pvml="urn:schemas-microsoft-com:office:powerpoint" xmlns:com="http://schemas.openxmlformats.org/drawingml/2006/compatibility" xmlns:p14="http://schemas.microsoft.com/office/powerpoint/2010/main" xmlns:p15="http://schemas.microsoft.com/office/powerpoint/2012/main" xmlns:ahyp="http://schemas.microsoft.com/office/drawing/2018/hyperlinkcolor" showMasterPhAnim="0" showMasterSp="0">
+<p:notes xmlns:a="http://schemas.openxmlformats.org/drawingml/2006/main" xmlns:r="http://schemas.openxmlformats.org/officeDocument/2006/relationships" xmlns:p="http://schemas.openxmlformats.org/presentationml/2006/main" showMasterSp="0" showMasterPhAnim="0">
   <p:cSld>
     <p:spTree>
       <p:nvGrpSpPr>
-        <p:cNvPr id="120" name="Shape 120"/>
+        <p:cNvPr id="1" name="Shape 120"/>
         <p:cNvGrpSpPr/>
         <p:nvPr/>
       </p:nvGrpSpPr>
@@ -1506,20 +1562,26 @@
       <p:sp>
         <p:nvSpPr>
           <p:cNvPr id="121" name="Google Shape;121;g2a2a7e55651_0_113:notes"/>
-          <p:cNvSpPr/>
-          <p:nvPr>
-            <p:ph idx="2" type="sldImg"/>
-          </p:nvPr>
-        </p:nvSpPr>
-        <p:spPr>
-          <a:xfrm>
-            <a:off x="381300" y="685800"/>
+          <p:cNvSpPr>
+            <a:spLocks noGrp="1" noRot="1" noChangeAspect="1"/>
+          </p:cNvSpPr>
+          <p:nvPr>
+            <p:ph type="sldImg" idx="2"/>
+          </p:nvPr>
+        </p:nvSpPr>
+        <p:spPr>
+          <a:xfrm>
+            <a:off x="381000" y="685800"/>
             <a:ext cx="6096000" cy="3429000"/>
           </a:xfrm>
           <a:custGeom>
-            <a:rect b="b" l="l" r="r" t="t"/>
+            <a:avLst/>
+            <a:gdLst/>
+            <a:ahLst/>
+            <a:cxnLst/>
+            <a:rect l="l" t="t" r="r" b="b"/>
             <a:pathLst>
-              <a:path extrusionOk="0" h="120000" w="120000">
+              <a:path w="120000" h="120000" extrusionOk="0">
                 <a:moveTo>
                   <a:pt x="0" y="0"/>
                 </a:moveTo>
@@ -1541,9 +1603,11 @@
       <p:sp>
         <p:nvSpPr>
           <p:cNvPr id="122" name="Google Shape;122;g2a2a7e55651_0_113:notes"/>
-          <p:cNvSpPr txBox="1"/>
-          <p:nvPr>
-            <p:ph idx="1" type="body"/>
+          <p:cNvSpPr txBox="1">
+            <a:spLocks noGrp="1"/>
+          </p:cNvSpPr>
+          <p:nvPr>
+            <p:ph type="body" idx="1"/>
           </p:nvPr>
         </p:nvSpPr>
         <p:spPr>
@@ -1556,12 +1620,12 @@
           </a:prstGeom>
         </p:spPr>
         <p:txBody>
-          <a:bodyPr anchorCtr="0" anchor="t" bIns="91425" lIns="91425" spcFirstLastPara="1" rIns="91425" wrap="square" tIns="91425">
+          <a:bodyPr spcFirstLastPara="1" wrap="square" lIns="91425" tIns="91425" rIns="91425" bIns="91425" anchor="t" anchorCtr="0">
             <a:noAutofit/>
           </a:bodyPr>
           <a:lstStyle/>
           <a:p>
-            <a:pPr indent="0" lvl="0" marL="0" rtl="0" algn="l">
+            <a:pPr marL="0" lvl="0" indent="0" algn="l" rtl="0">
               <a:spcBef>
                 <a:spcPts val="0"/>
               </a:spcBef>
@@ -1570,9 +1634,6 @@
               </a:spcAft>
               <a:buNone/>
             </a:pPr>
-            <a:r>
-              <a:t/>
-            </a:r>
             <a:endParaRPr/>
           </a:p>
         </p:txBody>
@@ -1586,11 +1647,11 @@
 </file>
 
 <file path=ppt/slideLayouts/slideLayout1.xml><?xml version="1.0" encoding="utf-8"?>
-<p:sldLayout xmlns:a="http://schemas.openxmlformats.org/drawingml/2006/main" xmlns:r="http://schemas.openxmlformats.org/officeDocument/2006/relationships" xmlns:mc="http://schemas.openxmlformats.org/markup-compatibility/2006" xmlns:mv="urn:schemas-microsoft-com:mac:vml" xmlns:p="http://schemas.openxmlformats.org/presentationml/2006/main" xmlns:c="http://schemas.openxmlformats.org/drawingml/2006/chart" xmlns:dgm="http://schemas.openxmlformats.org/drawingml/2006/diagram" xmlns:o="urn:schemas-microsoft-com:office:office" xmlns:v="urn:schemas-microsoft-com:vml" xmlns:pvml="urn:schemas-microsoft-com:office:powerpoint" xmlns:com="http://schemas.openxmlformats.org/drawingml/2006/compatibility" xmlns:p14="http://schemas.microsoft.com/office/powerpoint/2010/main" xmlns:p15="http://schemas.microsoft.com/office/powerpoint/2012/main" xmlns:ahyp="http://schemas.microsoft.com/office/drawing/2018/hyperlinkcolor" matchingName="Title slide" type="title">
+<p:sldLayout xmlns:a="http://schemas.openxmlformats.org/drawingml/2006/main" xmlns:r="http://schemas.openxmlformats.org/officeDocument/2006/relationships" xmlns:p="http://schemas.openxmlformats.org/presentationml/2006/main" matchingName="Title slide" type="title">
   <p:cSld name="TITLE">
     <p:spTree>
       <p:nvGrpSpPr>
-        <p:cNvPr id="9" name="Shape 9"/>
+        <p:cNvPr id="1" name="Shape 9"/>
         <p:cNvGrpSpPr/>
         <p:nvPr/>
       </p:nvGrpSpPr>
@@ -1605,7 +1666,9 @@
       <p:sp>
         <p:nvSpPr>
           <p:cNvPr id="10" name="Google Shape;10;p2"/>
-          <p:cNvSpPr txBox="1"/>
+          <p:cNvSpPr txBox="1">
+            <a:spLocks noGrp="1"/>
+          </p:cNvSpPr>
           <p:nvPr>
             <p:ph type="ctrTitle"/>
           </p:nvPr>
@@ -1620,7 +1683,7 @@
           </a:prstGeom>
         </p:spPr>
         <p:txBody>
-          <a:bodyPr anchorCtr="0" anchor="b" bIns="91425" lIns="91425" spcFirstLastPara="1" rIns="91425" wrap="square" tIns="91425">
+          <a:bodyPr spcFirstLastPara="1" wrap="square" lIns="91425" tIns="91425" rIns="91425" bIns="91425" anchor="b" anchorCtr="0">
             <a:normAutofit/>
           </a:bodyPr>
           <a:lstStyle>
@@ -1724,15 +1787,19 @@
               <a:defRPr sz="5200"/>
             </a:lvl9pPr>
           </a:lstStyle>
-          <a:p/>
+          <a:p>
+            <a:endParaRPr/>
+          </a:p>
         </p:txBody>
       </p:sp>
       <p:sp>
         <p:nvSpPr>
           <p:cNvPr id="11" name="Google Shape;11;p2"/>
-          <p:cNvSpPr txBox="1"/>
-          <p:nvPr>
-            <p:ph idx="1" type="subTitle"/>
+          <p:cNvSpPr txBox="1">
+            <a:spLocks noGrp="1"/>
+          </p:cNvSpPr>
+          <p:nvPr>
+            <p:ph type="subTitle" idx="1"/>
           </p:nvPr>
         </p:nvSpPr>
         <p:spPr>
@@ -1745,7 +1812,7 @@
           </a:prstGeom>
         </p:spPr>
         <p:txBody>
-          <a:bodyPr anchorCtr="0" anchor="t" bIns="91425" lIns="91425" spcFirstLastPara="1" rIns="91425" wrap="square" tIns="91425">
+          <a:bodyPr spcFirstLastPara="1" wrap="square" lIns="91425" tIns="91425" rIns="91425" bIns="91425" anchor="t" anchorCtr="0">
             <a:normAutofit/>
           </a:bodyPr>
           <a:lstStyle>
@@ -1876,15 +1943,19 @@
               <a:defRPr sz="2800"/>
             </a:lvl9pPr>
           </a:lstStyle>
-          <a:p/>
+          <a:p>
+            <a:endParaRPr/>
+          </a:p>
         </p:txBody>
       </p:sp>
       <p:sp>
         <p:nvSpPr>
           <p:cNvPr id="12" name="Google Shape;12;p2"/>
-          <p:cNvSpPr txBox="1"/>
-          <p:nvPr>
-            <p:ph idx="12" type="sldNum"/>
+          <p:cNvSpPr txBox="1">
+            <a:spLocks noGrp="1"/>
+          </p:cNvSpPr>
+          <p:nvPr>
+            <p:ph type="sldNum" idx="12"/>
           </p:nvPr>
         </p:nvSpPr>
         <p:spPr>
@@ -1897,7 +1968,7 @@
           </a:prstGeom>
         </p:spPr>
         <p:txBody>
-          <a:bodyPr anchorCtr="0" anchor="ctr" bIns="91425" lIns="91425" spcFirstLastPara="1" rIns="91425" wrap="square" tIns="91425">
+          <a:bodyPr spcFirstLastPara="1" wrap="square" lIns="91425" tIns="91425" rIns="91425" bIns="91425" anchor="ctr" anchorCtr="0">
             <a:normAutofit/>
           </a:bodyPr>
           <a:lstStyle>
@@ -1939,7 +2010,7 @@
             </a:lvl9pPr>
           </a:lstStyle>
           <a:p>
-            <a:pPr indent="0" lvl="0" marL="0" rtl="0" algn="r">
+            <a:pPr marL="0" lvl="0" indent="0" algn="r" rtl="0">
               <a:spcBef>
                 <a:spcPts val="0"/>
               </a:spcBef>
@@ -1965,11 +2036,11 @@
 </file>
 
 <file path=ppt/slideLayouts/slideLayout10.xml><?xml version="1.0" encoding="utf-8"?>
-<p:sldLayout xmlns:a="http://schemas.openxmlformats.org/drawingml/2006/main" xmlns:r="http://schemas.openxmlformats.org/officeDocument/2006/relationships" xmlns:mc="http://schemas.openxmlformats.org/markup-compatibility/2006" xmlns:mv="urn:schemas-microsoft-com:mac:vml" xmlns:p="http://schemas.openxmlformats.org/presentationml/2006/main" xmlns:c="http://schemas.openxmlformats.org/drawingml/2006/chart" xmlns:dgm="http://schemas.openxmlformats.org/drawingml/2006/diagram" xmlns:o="urn:schemas-microsoft-com:office:office" xmlns:v="urn:schemas-microsoft-com:vml" xmlns:pvml="urn:schemas-microsoft-com:office:powerpoint" xmlns:com="http://schemas.openxmlformats.org/drawingml/2006/compatibility" xmlns:p14="http://schemas.microsoft.com/office/powerpoint/2010/main" xmlns:p15="http://schemas.microsoft.com/office/powerpoint/2012/main" xmlns:ahyp="http://schemas.microsoft.com/office/drawing/2018/hyperlinkcolor" matchingName="Big number">
-  <p:cSld name="BIG_NUMBER">
+<p:sldLayout xmlns:a="http://schemas.openxmlformats.org/drawingml/2006/main" xmlns:r="http://schemas.openxmlformats.org/officeDocument/2006/relationships" xmlns:p="http://schemas.openxmlformats.org/presentationml/2006/main" matchingName="Blank" type="blank">
+  <p:cSld name="BLANK">
     <p:spTree>
       <p:nvGrpSpPr>
-        <p:cNvPr id="44" name="Shape 44"/>
+        <p:cNvPr id="1" name="Shape 48"/>
         <p:cNvGrpSpPr/>
         <p:nvPr/>
       </p:nvGrpSpPr>
@@ -1983,264 +2054,12 @@
       </p:grpSpPr>
       <p:sp>
         <p:nvSpPr>
-          <p:cNvPr id="45" name="Google Shape;45;p11"/>
-          <p:cNvSpPr txBox="1"/>
-          <p:nvPr>
-            <p:ph hasCustomPrompt="1" type="title"/>
-          </p:nvPr>
-        </p:nvSpPr>
-        <p:spPr>
-          <a:xfrm>
-            <a:off x="311700" y="1106125"/>
-            <a:ext cx="8520600" cy="1963500"/>
-          </a:xfrm>
-          <a:prstGeom prst="rect">
-            <a:avLst/>
-          </a:prstGeom>
-        </p:spPr>
-        <p:txBody>
-          <a:bodyPr anchorCtr="0" anchor="b" bIns="91425" lIns="91425" spcFirstLastPara="1" rIns="91425" wrap="square" tIns="91425">
-            <a:normAutofit/>
-          </a:bodyPr>
-          <a:lstStyle>
-            <a:lvl1pPr lvl="0" algn="ctr">
-              <a:spcBef>
-                <a:spcPts val="0"/>
-              </a:spcBef>
-              <a:spcAft>
-                <a:spcPts val="0"/>
-              </a:spcAft>
-              <a:buSzPts val="12000"/>
-              <a:buNone/>
-              <a:defRPr sz="12000"/>
-            </a:lvl1pPr>
-            <a:lvl2pPr lvl="1" algn="ctr">
-              <a:spcBef>
-                <a:spcPts val="0"/>
-              </a:spcBef>
-              <a:spcAft>
-                <a:spcPts val="0"/>
-              </a:spcAft>
-              <a:buSzPts val="12000"/>
-              <a:buNone/>
-              <a:defRPr sz="12000"/>
-            </a:lvl2pPr>
-            <a:lvl3pPr lvl="2" algn="ctr">
-              <a:spcBef>
-                <a:spcPts val="0"/>
-              </a:spcBef>
-              <a:spcAft>
-                <a:spcPts val="0"/>
-              </a:spcAft>
-              <a:buSzPts val="12000"/>
-              <a:buNone/>
-              <a:defRPr sz="12000"/>
-            </a:lvl3pPr>
-            <a:lvl4pPr lvl="3" algn="ctr">
-              <a:spcBef>
-                <a:spcPts val="0"/>
-              </a:spcBef>
-              <a:spcAft>
-                <a:spcPts val="0"/>
-              </a:spcAft>
-              <a:buSzPts val="12000"/>
-              <a:buNone/>
-              <a:defRPr sz="12000"/>
-            </a:lvl4pPr>
-            <a:lvl5pPr lvl="4" algn="ctr">
-              <a:spcBef>
-                <a:spcPts val="0"/>
-              </a:spcBef>
-              <a:spcAft>
-                <a:spcPts val="0"/>
-              </a:spcAft>
-              <a:buSzPts val="12000"/>
-              <a:buNone/>
-              <a:defRPr sz="12000"/>
-            </a:lvl5pPr>
-            <a:lvl6pPr lvl="5" algn="ctr">
-              <a:spcBef>
-                <a:spcPts val="0"/>
-              </a:spcBef>
-              <a:spcAft>
-                <a:spcPts val="0"/>
-              </a:spcAft>
-              <a:buSzPts val="12000"/>
-              <a:buNone/>
-              <a:defRPr sz="12000"/>
-            </a:lvl6pPr>
-            <a:lvl7pPr lvl="6" algn="ctr">
-              <a:spcBef>
-                <a:spcPts val="0"/>
-              </a:spcBef>
-              <a:spcAft>
-                <a:spcPts val="0"/>
-              </a:spcAft>
-              <a:buSzPts val="12000"/>
-              <a:buNone/>
-              <a:defRPr sz="12000"/>
-            </a:lvl7pPr>
-            <a:lvl8pPr lvl="7" algn="ctr">
-              <a:spcBef>
-                <a:spcPts val="0"/>
-              </a:spcBef>
-              <a:spcAft>
-                <a:spcPts val="0"/>
-              </a:spcAft>
-              <a:buSzPts val="12000"/>
-              <a:buNone/>
-              <a:defRPr sz="12000"/>
-            </a:lvl8pPr>
-            <a:lvl9pPr lvl="8" algn="ctr">
-              <a:spcBef>
-                <a:spcPts val="0"/>
-              </a:spcBef>
-              <a:spcAft>
-                <a:spcPts val="0"/>
-              </a:spcAft>
-              <a:buSzPts val="12000"/>
-              <a:buNone/>
-              <a:defRPr sz="12000"/>
-            </a:lvl9pPr>
-          </a:lstStyle>
-          <a:p>
-            <a:r>
-              <a:t>xx%</a:t>
-            </a:r>
-          </a:p>
-        </p:txBody>
-      </p:sp>
-      <p:sp>
-        <p:nvSpPr>
-          <p:cNvPr id="46" name="Google Shape;46;p11"/>
-          <p:cNvSpPr txBox="1"/>
-          <p:nvPr>
-            <p:ph idx="1" type="body"/>
-          </p:nvPr>
-        </p:nvSpPr>
-        <p:spPr>
-          <a:xfrm>
-            <a:off x="311700" y="3152225"/>
-            <a:ext cx="8520600" cy="1300800"/>
-          </a:xfrm>
-          <a:prstGeom prst="rect">
-            <a:avLst/>
-          </a:prstGeom>
-        </p:spPr>
-        <p:txBody>
-          <a:bodyPr anchorCtr="0" anchor="t" bIns="91425" lIns="91425" spcFirstLastPara="1" rIns="91425" wrap="square" tIns="91425">
-            <a:normAutofit/>
-          </a:bodyPr>
-          <a:lstStyle>
-            <a:lvl1pPr indent="-342900" lvl="0" marL="457200" algn="ctr">
-              <a:spcBef>
-                <a:spcPts val="0"/>
-              </a:spcBef>
-              <a:spcAft>
-                <a:spcPts val="0"/>
-              </a:spcAft>
-              <a:buSzPts val="1800"/>
-              <a:buChar char="●"/>
-              <a:defRPr/>
-            </a:lvl1pPr>
-            <a:lvl2pPr indent="-317500" lvl="1" marL="914400" algn="ctr">
-              <a:spcBef>
-                <a:spcPts val="0"/>
-              </a:spcBef>
-              <a:spcAft>
-                <a:spcPts val="0"/>
-              </a:spcAft>
-              <a:buSzPts val="1400"/>
-              <a:buChar char="○"/>
-              <a:defRPr/>
-            </a:lvl2pPr>
-            <a:lvl3pPr indent="-317500" lvl="2" marL="1371600" algn="ctr">
-              <a:spcBef>
-                <a:spcPts val="0"/>
-              </a:spcBef>
-              <a:spcAft>
-                <a:spcPts val="0"/>
-              </a:spcAft>
-              <a:buSzPts val="1400"/>
-              <a:buChar char="■"/>
-              <a:defRPr/>
-            </a:lvl3pPr>
-            <a:lvl4pPr indent="-317500" lvl="3" marL="1828800" algn="ctr">
-              <a:spcBef>
-                <a:spcPts val="0"/>
-              </a:spcBef>
-              <a:spcAft>
-                <a:spcPts val="0"/>
-              </a:spcAft>
-              <a:buSzPts val="1400"/>
-              <a:buChar char="●"/>
-              <a:defRPr/>
-            </a:lvl4pPr>
-            <a:lvl5pPr indent="-317500" lvl="4" marL="2286000" algn="ctr">
-              <a:spcBef>
-                <a:spcPts val="0"/>
-              </a:spcBef>
-              <a:spcAft>
-                <a:spcPts val="0"/>
-              </a:spcAft>
-              <a:buSzPts val="1400"/>
-              <a:buChar char="○"/>
-              <a:defRPr/>
-            </a:lvl5pPr>
-            <a:lvl6pPr indent="-317500" lvl="5" marL="2743200" algn="ctr">
-              <a:spcBef>
-                <a:spcPts val="0"/>
-              </a:spcBef>
-              <a:spcAft>
-                <a:spcPts val="0"/>
-              </a:spcAft>
-              <a:buSzPts val="1400"/>
-              <a:buChar char="■"/>
-              <a:defRPr/>
-            </a:lvl6pPr>
-            <a:lvl7pPr indent="-317500" lvl="6" marL="3200400" algn="ctr">
-              <a:spcBef>
-                <a:spcPts val="0"/>
-              </a:spcBef>
-              <a:spcAft>
-                <a:spcPts val="0"/>
-              </a:spcAft>
-              <a:buSzPts val="1400"/>
-              <a:buChar char="●"/>
-              <a:defRPr/>
-            </a:lvl7pPr>
-            <a:lvl8pPr indent="-317500" lvl="7" marL="3657600" algn="ctr">
-              <a:spcBef>
-                <a:spcPts val="0"/>
-              </a:spcBef>
-              <a:spcAft>
-                <a:spcPts val="0"/>
-              </a:spcAft>
-              <a:buSzPts val="1400"/>
-              <a:buChar char="○"/>
-              <a:defRPr/>
-            </a:lvl8pPr>
-            <a:lvl9pPr indent="-317500" lvl="8" marL="4114800" algn="ctr">
-              <a:spcBef>
-                <a:spcPts val="0"/>
-              </a:spcBef>
-              <a:spcAft>
-                <a:spcPts val="0"/>
-              </a:spcAft>
-              <a:buSzPts val="1400"/>
-              <a:buChar char="■"/>
-              <a:defRPr/>
-            </a:lvl9pPr>
-          </a:lstStyle>
-          <a:p/>
-        </p:txBody>
-      </p:sp>
-      <p:sp>
-        <p:nvSpPr>
-          <p:cNvPr id="47" name="Google Shape;47;p11"/>
-          <p:cNvSpPr txBox="1"/>
-          <p:nvPr>
-            <p:ph idx="12" type="sldNum"/>
+          <p:cNvPr id="49" name="Google Shape;49;p12"/>
+          <p:cNvSpPr txBox="1">
+            <a:spLocks noGrp="1"/>
+          </p:cNvSpPr>
+          <p:nvPr>
+            <p:ph type="sldNum" idx="12"/>
           </p:nvPr>
         </p:nvSpPr>
         <p:spPr>
@@ -2253,7 +2072,7 @@
           </a:prstGeom>
         </p:spPr>
         <p:txBody>
-          <a:bodyPr anchorCtr="0" anchor="ctr" bIns="91425" lIns="91425" spcFirstLastPara="1" rIns="91425" wrap="square" tIns="91425">
+          <a:bodyPr spcFirstLastPara="1" wrap="square" lIns="91425" tIns="91425" rIns="91425" bIns="91425" anchor="ctr" anchorCtr="0">
             <a:normAutofit/>
           </a:bodyPr>
           <a:lstStyle>
@@ -2295,7 +2114,7 @@
             </a:lvl9pPr>
           </a:lstStyle>
           <a:p>
-            <a:pPr indent="0" lvl="0" marL="0" rtl="0" algn="r">
+            <a:pPr marL="0" lvl="0" indent="0" algn="r" rtl="0">
               <a:spcBef>
                 <a:spcPts val="0"/>
               </a:spcBef>
@@ -2320,12 +2139,12 @@
 </p:sldLayout>
 </file>
 
-<file path=ppt/slideLayouts/slideLayout11.xml><?xml version="1.0" encoding="utf-8"?>
-<p:sldLayout xmlns:a="http://schemas.openxmlformats.org/drawingml/2006/main" xmlns:r="http://schemas.openxmlformats.org/officeDocument/2006/relationships" xmlns:mc="http://schemas.openxmlformats.org/markup-compatibility/2006" xmlns:mv="urn:schemas-microsoft-com:mac:vml" xmlns:p="http://schemas.openxmlformats.org/presentationml/2006/main" xmlns:c="http://schemas.openxmlformats.org/drawingml/2006/chart" xmlns:dgm="http://schemas.openxmlformats.org/drawingml/2006/diagram" xmlns:o="urn:schemas-microsoft-com:office:office" xmlns:v="urn:schemas-microsoft-com:vml" xmlns:pvml="urn:schemas-microsoft-com:office:powerpoint" xmlns:com="http://schemas.openxmlformats.org/drawingml/2006/compatibility" xmlns:p14="http://schemas.microsoft.com/office/powerpoint/2010/main" xmlns:p15="http://schemas.microsoft.com/office/powerpoint/2012/main" xmlns:ahyp="http://schemas.microsoft.com/office/drawing/2018/hyperlinkcolor" matchingName="Blank" type="blank">
-  <p:cSld name="BLANK">
+<file path=ppt/slideLayouts/slideLayout2.xml><?xml version="1.0" encoding="utf-8"?>
+<p:sldLayout xmlns:a="http://schemas.openxmlformats.org/drawingml/2006/main" xmlns:r="http://schemas.openxmlformats.org/officeDocument/2006/relationships" xmlns:p="http://schemas.openxmlformats.org/presentationml/2006/main" matchingName="Section header" type="secHead">
+  <p:cSld name="SECTION_HEADER">
     <p:spTree>
       <p:nvGrpSpPr>
-        <p:cNvPr id="48" name="Shape 48"/>
+        <p:cNvPr id="1" name="Shape 13"/>
         <p:cNvGrpSpPr/>
         <p:nvPr/>
       </p:nvGrpSpPr>
@@ -2339,10 +2158,141 @@
       </p:grpSpPr>
       <p:sp>
         <p:nvSpPr>
-          <p:cNvPr id="49" name="Google Shape;49;p12"/>
-          <p:cNvSpPr txBox="1"/>
-          <p:nvPr>
-            <p:ph idx="12" type="sldNum"/>
+          <p:cNvPr id="14" name="Google Shape;14;p3"/>
+          <p:cNvSpPr txBox="1">
+            <a:spLocks noGrp="1"/>
+          </p:cNvSpPr>
+          <p:nvPr>
+            <p:ph type="title"/>
+          </p:nvPr>
+        </p:nvSpPr>
+        <p:spPr>
+          <a:xfrm>
+            <a:off x="311700" y="2150850"/>
+            <a:ext cx="8520600" cy="841800"/>
+          </a:xfrm>
+          <a:prstGeom prst="rect">
+            <a:avLst/>
+          </a:prstGeom>
+        </p:spPr>
+        <p:txBody>
+          <a:bodyPr spcFirstLastPara="1" wrap="square" lIns="91425" tIns="91425" rIns="91425" bIns="91425" anchor="ctr" anchorCtr="0">
+            <a:normAutofit/>
+          </a:bodyPr>
+          <a:lstStyle>
+            <a:lvl1pPr lvl="0" algn="ctr">
+              <a:spcBef>
+                <a:spcPts val="0"/>
+              </a:spcBef>
+              <a:spcAft>
+                <a:spcPts val="0"/>
+              </a:spcAft>
+              <a:buSzPts val="3600"/>
+              <a:buNone/>
+              <a:defRPr sz="3600"/>
+            </a:lvl1pPr>
+            <a:lvl2pPr lvl="1" algn="ctr">
+              <a:spcBef>
+                <a:spcPts val="0"/>
+              </a:spcBef>
+              <a:spcAft>
+                <a:spcPts val="0"/>
+              </a:spcAft>
+              <a:buSzPts val="3600"/>
+              <a:buNone/>
+              <a:defRPr sz="3600"/>
+            </a:lvl2pPr>
+            <a:lvl3pPr lvl="2" algn="ctr">
+              <a:spcBef>
+                <a:spcPts val="0"/>
+              </a:spcBef>
+              <a:spcAft>
+                <a:spcPts val="0"/>
+              </a:spcAft>
+              <a:buSzPts val="3600"/>
+              <a:buNone/>
+              <a:defRPr sz="3600"/>
+            </a:lvl3pPr>
+            <a:lvl4pPr lvl="3" algn="ctr">
+              <a:spcBef>
+                <a:spcPts val="0"/>
+              </a:spcBef>
+              <a:spcAft>
+                <a:spcPts val="0"/>
+              </a:spcAft>
+              <a:buSzPts val="3600"/>
+              <a:buNone/>
+              <a:defRPr sz="3600"/>
+            </a:lvl4pPr>
+            <a:lvl5pPr lvl="4" algn="ctr">
+              <a:spcBef>
+                <a:spcPts val="0"/>
+              </a:spcBef>
+              <a:spcAft>
+                <a:spcPts val="0"/>
+              </a:spcAft>
+              <a:buSzPts val="3600"/>
+              <a:buNone/>
+              <a:defRPr sz="3600"/>
+            </a:lvl5pPr>
+            <a:lvl6pPr lvl="5" algn="ctr">
+              <a:spcBef>
+                <a:spcPts val="0"/>
+              </a:spcBef>
+              <a:spcAft>
+                <a:spcPts val="0"/>
+              </a:spcAft>
+              <a:buSzPts val="3600"/>
+              <a:buNone/>
+              <a:defRPr sz="3600"/>
+            </a:lvl6pPr>
+            <a:lvl7pPr lvl="6" algn="ctr">
+              <a:spcBef>
+                <a:spcPts val="0"/>
+              </a:spcBef>
+              <a:spcAft>
+                <a:spcPts val="0"/>
+              </a:spcAft>
+              <a:buSzPts val="3600"/>
+              <a:buNone/>
+              <a:defRPr sz="3600"/>
+            </a:lvl7pPr>
+            <a:lvl8pPr lvl="7" algn="ctr">
+              <a:spcBef>
+                <a:spcPts val="0"/>
+              </a:spcBef>
+              <a:spcAft>
+                <a:spcPts val="0"/>
+              </a:spcAft>
+              <a:buSzPts val="3600"/>
+              <a:buNone/>
+              <a:defRPr sz="3600"/>
+            </a:lvl8pPr>
+            <a:lvl9pPr lvl="8" algn="ctr">
+              <a:spcBef>
+                <a:spcPts val="0"/>
+              </a:spcBef>
+              <a:spcAft>
+                <a:spcPts val="0"/>
+              </a:spcAft>
+              <a:buSzPts val="3600"/>
+              <a:buNone/>
+              <a:defRPr sz="3600"/>
+            </a:lvl9pPr>
+          </a:lstStyle>
+          <a:p>
+            <a:endParaRPr/>
+          </a:p>
+        </p:txBody>
+      </p:sp>
+      <p:sp>
+        <p:nvSpPr>
+          <p:cNvPr id="15" name="Google Shape;15;p3"/>
+          <p:cNvSpPr txBox="1">
+            <a:spLocks noGrp="1"/>
+          </p:cNvSpPr>
+          <p:nvPr>
+            <p:ph type="sldNum" idx="12"/>
           </p:nvPr>
         </p:nvSpPr>
         <p:spPr>
@@ -2355,7 +2305,7 @@
           </a:prstGeom>
         </p:spPr>
         <p:txBody>
-          <a:bodyPr anchorCtr="0" anchor="ctr" bIns="91425" lIns="91425" spcFirstLastPara="1" rIns="91425" wrap="square" tIns="91425">
+          <a:bodyPr spcFirstLastPara="1" wrap="square" lIns="91425" tIns="91425" rIns="91425" bIns="91425" anchor="ctr" anchorCtr="0">
             <a:normAutofit/>
           </a:bodyPr>
           <a:lstStyle>
@@ -2397,7 +2347,7 @@
             </a:lvl9pPr>
           </a:lstStyle>
           <a:p>
-            <a:pPr indent="0" lvl="0" marL="0" rtl="0" algn="r">
+            <a:pPr marL="0" lvl="0" indent="0" algn="r" rtl="0">
               <a:spcBef>
                 <a:spcPts val="0"/>
               </a:spcBef>
@@ -2422,12 +2372,12 @@
 </p:sldLayout>
 </file>
 
-<file path=ppt/slideLayouts/slideLayout2.xml><?xml version="1.0" encoding="utf-8"?>
-<p:sldLayout xmlns:a="http://schemas.openxmlformats.org/drawingml/2006/main" xmlns:r="http://schemas.openxmlformats.org/officeDocument/2006/relationships" xmlns:mc="http://schemas.openxmlformats.org/markup-compatibility/2006" xmlns:mv="urn:schemas-microsoft-com:mac:vml" xmlns:p="http://schemas.openxmlformats.org/presentationml/2006/main" xmlns:c="http://schemas.openxmlformats.org/drawingml/2006/chart" xmlns:dgm="http://schemas.openxmlformats.org/drawingml/2006/diagram" xmlns:o="urn:schemas-microsoft-com:office:office" xmlns:v="urn:schemas-microsoft-com:vml" xmlns:pvml="urn:schemas-microsoft-com:office:powerpoint" xmlns:com="http://schemas.openxmlformats.org/drawingml/2006/compatibility" xmlns:p14="http://schemas.microsoft.com/office/powerpoint/2010/main" xmlns:p15="http://schemas.microsoft.com/office/powerpoint/2012/main" xmlns:ahyp="http://schemas.microsoft.com/office/drawing/2018/hyperlinkcolor" matchingName="Section header" type="secHead">
-  <p:cSld name="SECTION_HEADER">
+<file path=ppt/slideLayouts/slideLayout3.xml><?xml version="1.0" encoding="utf-8"?>
+<p:sldLayout xmlns:a="http://schemas.openxmlformats.org/drawingml/2006/main" xmlns:r="http://schemas.openxmlformats.org/officeDocument/2006/relationships" xmlns:p="http://schemas.openxmlformats.org/presentationml/2006/main" matchingName="Title and body" type="tx">
+  <p:cSld name="TITLE_AND_BODY">
     <p:spTree>
       <p:nvGrpSpPr>
-        <p:cNvPr id="13" name="Shape 13"/>
+        <p:cNvPr id="1" name="Shape 16"/>
         <p:cNvGrpSpPr/>
         <p:nvPr/>
       </p:nvGrpSpPr>
@@ -2441,190 +2391,325 @@
       </p:grpSpPr>
       <p:sp>
         <p:nvSpPr>
-          <p:cNvPr id="14" name="Google Shape;14;p3"/>
-          <p:cNvSpPr txBox="1"/>
+          <p:cNvPr id="17" name="Google Shape;17;p4"/>
+          <p:cNvSpPr txBox="1">
+            <a:spLocks noGrp="1"/>
+          </p:cNvSpPr>
           <p:nvPr>
             <p:ph type="title"/>
           </p:nvPr>
         </p:nvSpPr>
         <p:spPr>
           <a:xfrm>
-            <a:off x="311700" y="2150850"/>
-            <a:ext cx="8520600" cy="841800"/>
+            <a:off x="311700" y="445025"/>
+            <a:ext cx="8520600" cy="572700"/>
           </a:xfrm>
           <a:prstGeom prst="rect">
             <a:avLst/>
           </a:prstGeom>
         </p:spPr>
         <p:txBody>
-          <a:bodyPr anchorCtr="0" anchor="ctr" bIns="91425" lIns="91425" spcFirstLastPara="1" rIns="91425" wrap="square" tIns="91425">
-            <a:normAutofit/>
-          </a:bodyPr>
-          <a:lstStyle>
-            <a:lvl1pPr lvl="0" algn="ctr">
-              <a:spcBef>
-                <a:spcPts val="0"/>
-              </a:spcBef>
-              <a:spcAft>
-                <a:spcPts val="0"/>
-              </a:spcAft>
-              <a:buSzPts val="3600"/>
-              <a:buNone/>
-              <a:defRPr sz="3600"/>
-            </a:lvl1pPr>
-            <a:lvl2pPr lvl="1" algn="ctr">
-              <a:spcBef>
-                <a:spcPts val="0"/>
-              </a:spcBef>
-              <a:spcAft>
-                <a:spcPts val="0"/>
-              </a:spcAft>
-              <a:buSzPts val="3600"/>
-              <a:buNone/>
-              <a:defRPr sz="3600"/>
-            </a:lvl2pPr>
-            <a:lvl3pPr lvl="2" algn="ctr">
-              <a:spcBef>
-                <a:spcPts val="0"/>
-              </a:spcBef>
-              <a:spcAft>
-                <a:spcPts val="0"/>
-              </a:spcAft>
-              <a:buSzPts val="3600"/>
-              <a:buNone/>
-              <a:defRPr sz="3600"/>
-            </a:lvl3pPr>
-            <a:lvl4pPr lvl="3" algn="ctr">
-              <a:spcBef>
-                <a:spcPts val="0"/>
-              </a:spcBef>
-              <a:spcAft>
-                <a:spcPts val="0"/>
-              </a:spcAft>
-              <a:buSzPts val="3600"/>
-              <a:buNone/>
-              <a:defRPr sz="3600"/>
-            </a:lvl4pPr>
-            <a:lvl5pPr lvl="4" algn="ctr">
-              <a:spcBef>
-                <a:spcPts val="0"/>
-              </a:spcBef>
-              <a:spcAft>
-                <a:spcPts val="0"/>
-              </a:spcAft>
-              <a:buSzPts val="3600"/>
-              <a:buNone/>
-              <a:defRPr sz="3600"/>
-            </a:lvl5pPr>
-            <a:lvl6pPr lvl="5" algn="ctr">
-              <a:spcBef>
-                <a:spcPts val="0"/>
-              </a:spcBef>
-              <a:spcAft>
-                <a:spcPts val="0"/>
-              </a:spcAft>
-              <a:buSzPts val="3600"/>
-              <a:buNone/>
-              <a:defRPr sz="3600"/>
-            </a:lvl6pPr>
-            <a:lvl7pPr lvl="6" algn="ctr">
-              <a:spcBef>
-                <a:spcPts val="0"/>
-              </a:spcBef>
-              <a:spcAft>
-                <a:spcPts val="0"/>
-              </a:spcAft>
-              <a:buSzPts val="3600"/>
-              <a:buNone/>
-              <a:defRPr sz="3600"/>
-            </a:lvl7pPr>
-            <a:lvl8pPr lvl="7" algn="ctr">
-              <a:spcBef>
-                <a:spcPts val="0"/>
-              </a:spcBef>
-              <a:spcAft>
-                <a:spcPts val="0"/>
-              </a:spcAft>
-              <a:buSzPts val="3600"/>
-              <a:buNone/>
-              <a:defRPr sz="3600"/>
-            </a:lvl8pPr>
-            <a:lvl9pPr lvl="8" algn="ctr">
-              <a:spcBef>
-                <a:spcPts val="0"/>
-              </a:spcBef>
-              <a:spcAft>
-                <a:spcPts val="0"/>
-              </a:spcAft>
-              <a:buSzPts val="3600"/>
-              <a:buNone/>
-              <a:defRPr sz="3600"/>
-            </a:lvl9pPr>
-          </a:lstStyle>
-          <a:p/>
-        </p:txBody>
-      </p:sp>
-      <p:sp>
-        <p:nvSpPr>
-          <p:cNvPr id="15" name="Google Shape;15;p3"/>
-          <p:cNvSpPr txBox="1"/>
-          <p:nvPr>
-            <p:ph idx="12" type="sldNum"/>
-          </p:nvPr>
-        </p:nvSpPr>
-        <p:spPr>
-          <a:xfrm>
-            <a:off x="8472458" y="4663217"/>
-            <a:ext cx="548700" cy="393600"/>
-          </a:xfrm>
-          <a:prstGeom prst="rect">
-            <a:avLst/>
-          </a:prstGeom>
-        </p:spPr>
-        <p:txBody>
-          <a:bodyPr anchorCtr="0" anchor="ctr" bIns="91425" lIns="91425" spcFirstLastPara="1" rIns="91425" wrap="square" tIns="91425">
+          <a:bodyPr spcFirstLastPara="1" wrap="square" lIns="91425" tIns="91425" rIns="91425" bIns="91425" anchor="t" anchorCtr="0">
             <a:normAutofit/>
           </a:bodyPr>
           <a:lstStyle>
             <a:lvl1pPr lvl="0">
+              <a:spcBef>
+                <a:spcPts val="0"/>
+              </a:spcBef>
+              <a:spcAft>
+                <a:spcPts val="0"/>
+              </a:spcAft>
+              <a:buSzPts val="2800"/>
               <a:buNone/>
               <a:defRPr/>
             </a:lvl1pPr>
             <a:lvl2pPr lvl="1">
+              <a:spcBef>
+                <a:spcPts val="0"/>
+              </a:spcBef>
+              <a:spcAft>
+                <a:spcPts val="0"/>
+              </a:spcAft>
+              <a:buSzPts val="2800"/>
               <a:buNone/>
               <a:defRPr/>
             </a:lvl2pPr>
             <a:lvl3pPr lvl="2">
+              <a:spcBef>
+                <a:spcPts val="0"/>
+              </a:spcBef>
+              <a:spcAft>
+                <a:spcPts val="0"/>
+              </a:spcAft>
+              <a:buSzPts val="2800"/>
               <a:buNone/>
               <a:defRPr/>
             </a:lvl3pPr>
             <a:lvl4pPr lvl="3">
+              <a:spcBef>
+                <a:spcPts val="0"/>
+              </a:spcBef>
+              <a:spcAft>
+                <a:spcPts val="0"/>
+              </a:spcAft>
+              <a:buSzPts val="2800"/>
               <a:buNone/>
               <a:defRPr/>
             </a:lvl4pPr>
             <a:lvl5pPr lvl="4">
+              <a:spcBef>
+                <a:spcPts val="0"/>
+              </a:spcBef>
+              <a:spcAft>
+                <a:spcPts val="0"/>
+              </a:spcAft>
+              <a:buSzPts val="2800"/>
               <a:buNone/>
               <a:defRPr/>
             </a:lvl5pPr>
             <a:lvl6pPr lvl="5">
+              <a:spcBef>
+                <a:spcPts val="0"/>
+              </a:spcBef>
+              <a:spcAft>
+                <a:spcPts val="0"/>
+              </a:spcAft>
+              <a:buSzPts val="2800"/>
               <a:buNone/>
               <a:defRPr/>
             </a:lvl6pPr>
             <a:lvl7pPr lvl="6">
+              <a:spcBef>
+                <a:spcPts val="0"/>
+              </a:spcBef>
+              <a:spcAft>
+                <a:spcPts val="0"/>
+              </a:spcAft>
+              <a:buSzPts val="2800"/>
               <a:buNone/>
               <a:defRPr/>
             </a:lvl7pPr>
             <a:lvl8pPr lvl="7">
+              <a:spcBef>
+                <a:spcPts val="0"/>
+              </a:spcBef>
+              <a:spcAft>
+                <a:spcPts val="0"/>
+              </a:spcAft>
+              <a:buSzPts val="2800"/>
               <a:buNone/>
               <a:defRPr/>
             </a:lvl8pPr>
             <a:lvl9pPr lvl="8">
+              <a:spcBef>
+                <a:spcPts val="0"/>
+              </a:spcBef>
+              <a:spcAft>
+                <a:spcPts val="0"/>
+              </a:spcAft>
+              <a:buSzPts val="2800"/>
               <a:buNone/>
               <a:defRPr/>
             </a:lvl9pPr>
           </a:lstStyle>
           <a:p>
-            <a:pPr indent="0" lvl="0" marL="0" rtl="0" algn="r">
+            <a:endParaRPr/>
+          </a:p>
+        </p:txBody>
+      </p:sp>
+      <p:sp>
+        <p:nvSpPr>
+          <p:cNvPr id="18" name="Google Shape;18;p4"/>
+          <p:cNvSpPr txBox="1">
+            <a:spLocks noGrp="1"/>
+          </p:cNvSpPr>
+          <p:nvPr>
+            <p:ph type="body" idx="1"/>
+          </p:nvPr>
+        </p:nvSpPr>
+        <p:spPr>
+          <a:xfrm>
+            <a:off x="311700" y="1152475"/>
+            <a:ext cx="8520600" cy="3416400"/>
+          </a:xfrm>
+          <a:prstGeom prst="rect">
+            <a:avLst/>
+          </a:prstGeom>
+        </p:spPr>
+        <p:txBody>
+          <a:bodyPr spcFirstLastPara="1" wrap="square" lIns="91425" tIns="91425" rIns="91425" bIns="91425" anchor="t" anchorCtr="0">
+            <a:normAutofit/>
+          </a:bodyPr>
+          <a:lstStyle>
+            <a:lvl1pPr marL="457200" lvl="0" indent="-342900">
+              <a:spcBef>
+                <a:spcPts val="0"/>
+              </a:spcBef>
+              <a:spcAft>
+                <a:spcPts val="0"/>
+              </a:spcAft>
+              <a:buSzPts val="1800"/>
+              <a:buChar char="●"/>
+              <a:defRPr/>
+            </a:lvl1pPr>
+            <a:lvl2pPr marL="914400" lvl="1" indent="-317500">
+              <a:spcBef>
+                <a:spcPts val="0"/>
+              </a:spcBef>
+              <a:spcAft>
+                <a:spcPts val="0"/>
+              </a:spcAft>
+              <a:buSzPts val="1400"/>
+              <a:buChar char="○"/>
+              <a:defRPr/>
+            </a:lvl2pPr>
+            <a:lvl3pPr marL="1371600" lvl="2" indent="-317500">
+              <a:spcBef>
+                <a:spcPts val="0"/>
+              </a:spcBef>
+              <a:spcAft>
+                <a:spcPts val="0"/>
+              </a:spcAft>
+              <a:buSzPts val="1400"/>
+              <a:buChar char="■"/>
+              <a:defRPr/>
+            </a:lvl3pPr>
+            <a:lvl4pPr marL="1828800" lvl="3" indent="-317500">
+              <a:spcBef>
+                <a:spcPts val="0"/>
+              </a:spcBef>
+              <a:spcAft>
+                <a:spcPts val="0"/>
+              </a:spcAft>
+              <a:buSzPts val="1400"/>
+              <a:buChar char="●"/>
+              <a:defRPr/>
+            </a:lvl4pPr>
+            <a:lvl5pPr marL="2286000" lvl="4" indent="-317500">
+              <a:spcBef>
+                <a:spcPts val="0"/>
+              </a:spcBef>
+              <a:spcAft>
+                <a:spcPts val="0"/>
+              </a:spcAft>
+              <a:buSzPts val="1400"/>
+              <a:buChar char="○"/>
+              <a:defRPr/>
+            </a:lvl5pPr>
+            <a:lvl6pPr marL="2743200" lvl="5" indent="-317500">
+              <a:spcBef>
+                <a:spcPts val="0"/>
+              </a:spcBef>
+              <a:spcAft>
+                <a:spcPts val="0"/>
+              </a:spcAft>
+              <a:buSzPts val="1400"/>
+              <a:buChar char="■"/>
+              <a:defRPr/>
+            </a:lvl6pPr>
+            <a:lvl7pPr marL="3200400" lvl="6" indent="-317500">
+              <a:spcBef>
+                <a:spcPts val="0"/>
+              </a:spcBef>
+              <a:spcAft>
+                <a:spcPts val="0"/>
+              </a:spcAft>
+              <a:buSzPts val="1400"/>
+              <a:buChar char="●"/>
+              <a:defRPr/>
+            </a:lvl7pPr>
+            <a:lvl8pPr marL="3657600" lvl="7" indent="-317500">
+              <a:spcBef>
+                <a:spcPts val="0"/>
+              </a:spcBef>
+              <a:spcAft>
+                <a:spcPts val="0"/>
+              </a:spcAft>
+              <a:buSzPts val="1400"/>
+              <a:buChar char="○"/>
+              <a:defRPr/>
+            </a:lvl8pPr>
+            <a:lvl9pPr marL="4114800" lvl="8" indent="-317500">
+              <a:spcBef>
+                <a:spcPts val="0"/>
+              </a:spcBef>
+              <a:spcAft>
+                <a:spcPts val="0"/>
+              </a:spcAft>
+              <a:buSzPts val="1400"/>
+              <a:buChar char="■"/>
+              <a:defRPr/>
+            </a:lvl9pPr>
+          </a:lstStyle>
+          <a:p>
+            <a:endParaRPr/>
+          </a:p>
+        </p:txBody>
+      </p:sp>
+      <p:sp>
+        <p:nvSpPr>
+          <p:cNvPr id="19" name="Google Shape;19;p4"/>
+          <p:cNvSpPr txBox="1">
+            <a:spLocks noGrp="1"/>
+          </p:cNvSpPr>
+          <p:nvPr>
+            <p:ph type="sldNum" idx="12"/>
+          </p:nvPr>
+        </p:nvSpPr>
+        <p:spPr>
+          <a:xfrm>
+            <a:off x="8472458" y="4663217"/>
+            <a:ext cx="548700" cy="393600"/>
+          </a:xfrm>
+          <a:prstGeom prst="rect">
+            <a:avLst/>
+          </a:prstGeom>
+        </p:spPr>
+        <p:txBody>
+          <a:bodyPr spcFirstLastPara="1" wrap="square" lIns="91425" tIns="91425" rIns="91425" bIns="91425" anchor="ctr" anchorCtr="0">
+            <a:normAutofit/>
+          </a:bodyPr>
+          <a:lstStyle>
+            <a:lvl1pPr lvl="0">
+              <a:buNone/>
+              <a:defRPr/>
+            </a:lvl1pPr>
+            <a:lvl2pPr lvl="1">
+              <a:buNone/>
+              <a:defRPr/>
+            </a:lvl2pPr>
+            <a:lvl3pPr lvl="2">
+              <a:buNone/>
+              <a:defRPr/>
+            </a:lvl3pPr>
+            <a:lvl4pPr lvl="3">
+              <a:buNone/>
+              <a:defRPr/>
+            </a:lvl4pPr>
+            <a:lvl5pPr lvl="4">
+              <a:buNone/>
+              <a:defRPr/>
+            </a:lvl5pPr>
+            <a:lvl6pPr lvl="5">
+              <a:buNone/>
+              <a:defRPr/>
+            </a:lvl6pPr>
+            <a:lvl7pPr lvl="6">
+              <a:buNone/>
+              <a:defRPr/>
+            </a:lvl7pPr>
+            <a:lvl8pPr lvl="7">
+              <a:buNone/>
+              <a:defRPr/>
+            </a:lvl8pPr>
+            <a:lvl9pPr lvl="8">
+              <a:buNone/>
+              <a:defRPr/>
+            </a:lvl9pPr>
+          </a:lstStyle>
+          <a:p>
+            <a:pPr marL="0" lvl="0" indent="0" algn="r" rtl="0">
               <a:spcBef>
                 <a:spcPts val="0"/>
               </a:spcBef>
@@ -2649,12 +2734,12 @@
 </p:sldLayout>
 </file>
 
-<file path=ppt/slideLayouts/slideLayout3.xml><?xml version="1.0" encoding="utf-8"?>
-<p:sldLayout xmlns:a="http://schemas.openxmlformats.org/drawingml/2006/main" xmlns:r="http://schemas.openxmlformats.org/officeDocument/2006/relationships" xmlns:mc="http://schemas.openxmlformats.org/markup-compatibility/2006" xmlns:mv="urn:schemas-microsoft-com:mac:vml" xmlns:p="http://schemas.openxmlformats.org/presentationml/2006/main" xmlns:c="http://schemas.openxmlformats.org/drawingml/2006/chart" xmlns:dgm="http://schemas.openxmlformats.org/drawingml/2006/diagram" xmlns:o="urn:schemas-microsoft-com:office:office" xmlns:v="urn:schemas-microsoft-com:vml" xmlns:pvml="urn:schemas-microsoft-com:office:powerpoint" xmlns:com="http://schemas.openxmlformats.org/drawingml/2006/compatibility" xmlns:p14="http://schemas.microsoft.com/office/powerpoint/2010/main" xmlns:p15="http://schemas.microsoft.com/office/powerpoint/2012/main" xmlns:ahyp="http://schemas.microsoft.com/office/drawing/2018/hyperlinkcolor" matchingName="Title and body" type="tx">
-  <p:cSld name="TITLE_AND_BODY">
+<file path=ppt/slideLayouts/slideLayout4.xml><?xml version="1.0" encoding="utf-8"?>
+<p:sldLayout xmlns:a="http://schemas.openxmlformats.org/drawingml/2006/main" xmlns:r="http://schemas.openxmlformats.org/officeDocument/2006/relationships" xmlns:p="http://schemas.openxmlformats.org/presentationml/2006/main" matchingName="Title and two columns" type="twoColTx">
+  <p:cSld name="TITLE_AND_TWO_COLUMNS">
     <p:spTree>
       <p:nvGrpSpPr>
-        <p:cNvPr id="16" name="Shape 16"/>
+        <p:cNvPr id="1" name="Shape 20"/>
         <p:cNvGrpSpPr/>
         <p:nvPr/>
       </p:nvGrpSpPr>
@@ -2668,8 +2753,10 @@
       </p:grpSpPr>
       <p:sp>
         <p:nvSpPr>
-          <p:cNvPr id="17" name="Google Shape;17;p4"/>
-          <p:cNvSpPr txBox="1"/>
+          <p:cNvPr id="21" name="Google Shape;21;p5"/>
+          <p:cNvSpPr txBox="1">
+            <a:spLocks noGrp="1"/>
+          </p:cNvSpPr>
           <p:nvPr>
             <p:ph type="title"/>
           </p:nvPr>
@@ -2684,7 +2771,7 @@
           </a:prstGeom>
         </p:spPr>
         <p:txBody>
-          <a:bodyPr anchorCtr="0" anchor="t" bIns="91425" lIns="91425" spcFirstLastPara="1" rIns="91425" wrap="square" tIns="91425">
+          <a:bodyPr spcFirstLastPara="1" wrap="square" lIns="91425" tIns="91425" rIns="91425" bIns="91425" anchor="t" anchorCtr="0">
             <a:normAutofit/>
           </a:bodyPr>
           <a:lstStyle>
@@ -2788,65 +2875,36 @@
               <a:defRPr/>
             </a:lvl9pPr>
           </a:lstStyle>
-          <a:p/>
+          <a:p>
+            <a:endParaRPr/>
+          </a:p>
         </p:txBody>
       </p:sp>
       <p:sp>
         <p:nvSpPr>
-          <p:cNvPr id="18" name="Google Shape;18;p4"/>
-          <p:cNvSpPr txBox="1"/>
-          <p:nvPr>
-            <p:ph idx="1" type="body"/>
+          <p:cNvPr id="22" name="Google Shape;22;p5"/>
+          <p:cNvSpPr txBox="1">
+            <a:spLocks noGrp="1"/>
+          </p:cNvSpPr>
+          <p:nvPr>
+            <p:ph type="body" idx="1"/>
           </p:nvPr>
         </p:nvSpPr>
         <p:spPr>
           <a:xfrm>
             <a:off x="311700" y="1152475"/>
-            <a:ext cx="8520600" cy="3416400"/>
+            <a:ext cx="3999900" cy="3416400"/>
           </a:xfrm>
           <a:prstGeom prst="rect">
             <a:avLst/>
           </a:prstGeom>
         </p:spPr>
         <p:txBody>
-          <a:bodyPr anchorCtr="0" anchor="t" bIns="91425" lIns="91425" spcFirstLastPara="1" rIns="91425" wrap="square" tIns="91425">
+          <a:bodyPr spcFirstLastPara="1" wrap="square" lIns="91425" tIns="91425" rIns="91425" bIns="91425" anchor="t" anchorCtr="0">
             <a:normAutofit/>
           </a:bodyPr>
           <a:lstStyle>
-            <a:lvl1pPr indent="-342900" lvl="0" marL="457200">
-              <a:spcBef>
-                <a:spcPts val="0"/>
-              </a:spcBef>
-              <a:spcAft>
-                <a:spcPts val="0"/>
-              </a:spcAft>
-              <a:buSzPts val="1800"/>
-              <a:buChar char="●"/>
-              <a:defRPr/>
-            </a:lvl1pPr>
-            <a:lvl2pPr indent="-317500" lvl="1" marL="914400">
-              <a:spcBef>
-                <a:spcPts val="0"/>
-              </a:spcBef>
-              <a:spcAft>
-                <a:spcPts val="0"/>
-              </a:spcAft>
-              <a:buSzPts val="1400"/>
-              <a:buChar char="○"/>
-              <a:defRPr/>
-            </a:lvl2pPr>
-            <a:lvl3pPr indent="-317500" lvl="2" marL="1371600">
-              <a:spcBef>
-                <a:spcPts val="0"/>
-              </a:spcBef>
-              <a:spcAft>
-                <a:spcPts val="0"/>
-              </a:spcAft>
-              <a:buSzPts val="1400"/>
-              <a:buChar char="■"/>
-              <a:defRPr/>
-            </a:lvl3pPr>
-            <a:lvl4pPr indent="-317500" lvl="3" marL="1828800">
+            <a:lvl1pPr marL="457200" lvl="0" indent="-317500">
               <a:spcBef>
                 <a:spcPts val="0"/>
               </a:spcBef>
@@ -2855,31 +2913,127 @@
               </a:spcAft>
               <a:buSzPts val="1400"/>
               <a:buChar char="●"/>
-              <a:defRPr/>
+              <a:defRPr sz="1400"/>
+            </a:lvl1pPr>
+            <a:lvl2pPr marL="914400" lvl="1" indent="-304800">
+              <a:spcBef>
+                <a:spcPts val="0"/>
+              </a:spcBef>
+              <a:spcAft>
+                <a:spcPts val="0"/>
+              </a:spcAft>
+              <a:buSzPts val="1200"/>
+              <a:buChar char="○"/>
+              <a:defRPr sz="1200"/>
+            </a:lvl2pPr>
+            <a:lvl3pPr marL="1371600" lvl="2" indent="-304800">
+              <a:spcBef>
+                <a:spcPts val="0"/>
+              </a:spcBef>
+              <a:spcAft>
+                <a:spcPts val="0"/>
+              </a:spcAft>
+              <a:buSzPts val="1200"/>
+              <a:buChar char="■"/>
+              <a:defRPr sz="1200"/>
+            </a:lvl3pPr>
+            <a:lvl4pPr marL="1828800" lvl="3" indent="-304800">
+              <a:spcBef>
+                <a:spcPts val="0"/>
+              </a:spcBef>
+              <a:spcAft>
+                <a:spcPts val="0"/>
+              </a:spcAft>
+              <a:buSzPts val="1200"/>
+              <a:buChar char="●"/>
+              <a:defRPr sz="1200"/>
             </a:lvl4pPr>
-            <a:lvl5pPr indent="-317500" lvl="4" marL="2286000">
-              <a:spcBef>
-                <a:spcPts val="0"/>
-              </a:spcBef>
-              <a:spcAft>
-                <a:spcPts val="0"/>
-              </a:spcAft>
-              <a:buSzPts val="1400"/>
+            <a:lvl5pPr marL="2286000" lvl="4" indent="-304800">
+              <a:spcBef>
+                <a:spcPts val="0"/>
+              </a:spcBef>
+              <a:spcAft>
+                <a:spcPts val="0"/>
+              </a:spcAft>
+              <a:buSzPts val="1200"/>
               <a:buChar char="○"/>
-              <a:defRPr/>
+              <a:defRPr sz="1200"/>
             </a:lvl5pPr>
-            <a:lvl6pPr indent="-317500" lvl="5" marL="2743200">
-              <a:spcBef>
-                <a:spcPts val="0"/>
-              </a:spcBef>
-              <a:spcAft>
-                <a:spcPts val="0"/>
-              </a:spcAft>
-              <a:buSzPts val="1400"/>
+            <a:lvl6pPr marL="2743200" lvl="5" indent="-304800">
+              <a:spcBef>
+                <a:spcPts val="0"/>
+              </a:spcBef>
+              <a:spcAft>
+                <a:spcPts val="0"/>
+              </a:spcAft>
+              <a:buSzPts val="1200"/>
               <a:buChar char="■"/>
-              <a:defRPr/>
+              <a:defRPr sz="1200"/>
             </a:lvl6pPr>
-            <a:lvl7pPr indent="-317500" lvl="6" marL="3200400">
+            <a:lvl7pPr marL="3200400" lvl="6" indent="-304800">
+              <a:spcBef>
+                <a:spcPts val="0"/>
+              </a:spcBef>
+              <a:spcAft>
+                <a:spcPts val="0"/>
+              </a:spcAft>
+              <a:buSzPts val="1200"/>
+              <a:buChar char="●"/>
+              <a:defRPr sz="1200"/>
+            </a:lvl7pPr>
+            <a:lvl8pPr marL="3657600" lvl="7" indent="-304800">
+              <a:spcBef>
+                <a:spcPts val="0"/>
+              </a:spcBef>
+              <a:spcAft>
+                <a:spcPts val="0"/>
+              </a:spcAft>
+              <a:buSzPts val="1200"/>
+              <a:buChar char="○"/>
+              <a:defRPr sz="1200"/>
+            </a:lvl8pPr>
+            <a:lvl9pPr marL="4114800" lvl="8" indent="-304800">
+              <a:spcBef>
+                <a:spcPts val="0"/>
+              </a:spcBef>
+              <a:spcAft>
+                <a:spcPts val="0"/>
+              </a:spcAft>
+              <a:buSzPts val="1200"/>
+              <a:buChar char="■"/>
+              <a:defRPr sz="1200"/>
+            </a:lvl9pPr>
+          </a:lstStyle>
+          <a:p>
+            <a:endParaRPr/>
+          </a:p>
+        </p:txBody>
+      </p:sp>
+      <p:sp>
+        <p:nvSpPr>
+          <p:cNvPr id="23" name="Google Shape;23;p5"/>
+          <p:cNvSpPr txBox="1">
+            <a:spLocks noGrp="1"/>
+          </p:cNvSpPr>
+          <p:nvPr>
+            <p:ph type="body" idx="2"/>
+          </p:nvPr>
+        </p:nvSpPr>
+        <p:spPr>
+          <a:xfrm>
+            <a:off x="4832400" y="1152475"/>
+            <a:ext cx="3999900" cy="3416400"/>
+          </a:xfrm>
+          <a:prstGeom prst="rect">
+            <a:avLst/>
+          </a:prstGeom>
+        </p:spPr>
+        <p:txBody>
+          <a:bodyPr spcFirstLastPara="1" wrap="square" lIns="91425" tIns="91425" rIns="91425" bIns="91425" anchor="t" anchorCtr="0">
+            <a:normAutofit/>
+          </a:bodyPr>
+          <a:lstStyle>
+            <a:lvl1pPr marL="457200" lvl="0" indent="-317500">
               <a:spcBef>
                 <a:spcPts val="0"/>
               </a:spcBef>
@@ -2888,40 +3042,110 @@
               </a:spcAft>
               <a:buSzPts val="1400"/>
               <a:buChar char="●"/>
-              <a:defRPr/>
+              <a:defRPr sz="1400"/>
+            </a:lvl1pPr>
+            <a:lvl2pPr marL="914400" lvl="1" indent="-304800">
+              <a:spcBef>
+                <a:spcPts val="0"/>
+              </a:spcBef>
+              <a:spcAft>
+                <a:spcPts val="0"/>
+              </a:spcAft>
+              <a:buSzPts val="1200"/>
+              <a:buChar char="○"/>
+              <a:defRPr sz="1200"/>
+            </a:lvl2pPr>
+            <a:lvl3pPr marL="1371600" lvl="2" indent="-304800">
+              <a:spcBef>
+                <a:spcPts val="0"/>
+              </a:spcBef>
+              <a:spcAft>
+                <a:spcPts val="0"/>
+              </a:spcAft>
+              <a:buSzPts val="1200"/>
+              <a:buChar char="■"/>
+              <a:defRPr sz="1200"/>
+            </a:lvl3pPr>
+            <a:lvl4pPr marL="1828800" lvl="3" indent="-304800">
+              <a:spcBef>
+                <a:spcPts val="0"/>
+              </a:spcBef>
+              <a:spcAft>
+                <a:spcPts val="0"/>
+              </a:spcAft>
+              <a:buSzPts val="1200"/>
+              <a:buChar char="●"/>
+              <a:defRPr sz="1200"/>
+            </a:lvl4pPr>
+            <a:lvl5pPr marL="2286000" lvl="4" indent="-304800">
+              <a:spcBef>
+                <a:spcPts val="0"/>
+              </a:spcBef>
+              <a:spcAft>
+                <a:spcPts val="0"/>
+              </a:spcAft>
+              <a:buSzPts val="1200"/>
+              <a:buChar char="○"/>
+              <a:defRPr sz="1200"/>
+            </a:lvl5pPr>
+            <a:lvl6pPr marL="2743200" lvl="5" indent="-304800">
+              <a:spcBef>
+                <a:spcPts val="0"/>
+              </a:spcBef>
+              <a:spcAft>
+                <a:spcPts val="0"/>
+              </a:spcAft>
+              <a:buSzPts val="1200"/>
+              <a:buChar char="■"/>
+              <a:defRPr sz="1200"/>
+            </a:lvl6pPr>
+            <a:lvl7pPr marL="3200400" lvl="6" indent="-304800">
+              <a:spcBef>
+                <a:spcPts val="0"/>
+              </a:spcBef>
+              <a:spcAft>
+                <a:spcPts val="0"/>
+              </a:spcAft>
+              <a:buSzPts val="1200"/>
+              <a:buChar char="●"/>
+              <a:defRPr sz="1200"/>
             </a:lvl7pPr>
-            <a:lvl8pPr indent="-317500" lvl="7" marL="3657600">
-              <a:spcBef>
-                <a:spcPts val="0"/>
-              </a:spcBef>
-              <a:spcAft>
-                <a:spcPts val="0"/>
-              </a:spcAft>
-              <a:buSzPts val="1400"/>
+            <a:lvl8pPr marL="3657600" lvl="7" indent="-304800">
+              <a:spcBef>
+                <a:spcPts val="0"/>
+              </a:spcBef>
+              <a:spcAft>
+                <a:spcPts val="0"/>
+              </a:spcAft>
+              <a:buSzPts val="1200"/>
               <a:buChar char="○"/>
-              <a:defRPr/>
+              <a:defRPr sz="1200"/>
             </a:lvl8pPr>
-            <a:lvl9pPr indent="-317500" lvl="8" marL="4114800">
-              <a:spcBef>
-                <a:spcPts val="0"/>
-              </a:spcBef>
-              <a:spcAft>
-                <a:spcPts val="0"/>
-              </a:spcAft>
-              <a:buSzPts val="1400"/>
+            <a:lvl9pPr marL="4114800" lvl="8" indent="-304800">
+              <a:spcBef>
+                <a:spcPts val="0"/>
+              </a:spcBef>
+              <a:spcAft>
+                <a:spcPts val="0"/>
+              </a:spcAft>
+              <a:buSzPts val="1200"/>
               <a:buChar char="■"/>
-              <a:defRPr/>
+              <a:defRPr sz="1200"/>
             </a:lvl9pPr>
           </a:lstStyle>
-          <a:p/>
+          <a:p>
+            <a:endParaRPr/>
+          </a:p>
         </p:txBody>
       </p:sp>
       <p:sp>
         <p:nvSpPr>
-          <p:cNvPr id="19" name="Google Shape;19;p4"/>
-          <p:cNvSpPr txBox="1"/>
-          <p:nvPr>
-            <p:ph idx="12" type="sldNum"/>
+          <p:cNvPr id="24" name="Google Shape;24;p5"/>
+          <p:cNvSpPr txBox="1">
+            <a:spLocks noGrp="1"/>
+          </p:cNvSpPr>
+          <p:nvPr>
+            <p:ph type="sldNum" idx="12"/>
           </p:nvPr>
         </p:nvSpPr>
         <p:spPr>
@@ -2934,7 +3158,7 @@
           </a:prstGeom>
         </p:spPr>
         <p:txBody>
-          <a:bodyPr anchorCtr="0" anchor="ctr" bIns="91425" lIns="91425" spcFirstLastPara="1" rIns="91425" wrap="square" tIns="91425">
+          <a:bodyPr spcFirstLastPara="1" wrap="square" lIns="91425" tIns="91425" rIns="91425" bIns="91425" anchor="ctr" anchorCtr="0">
             <a:normAutofit/>
           </a:bodyPr>
           <a:lstStyle>
@@ -2976,7 +3200,7 @@
             </a:lvl9pPr>
           </a:lstStyle>
           <a:p>
-            <a:pPr indent="0" lvl="0" marL="0" rtl="0" algn="r">
+            <a:pPr marL="0" lvl="0" indent="0" algn="r" rtl="0">
               <a:spcBef>
                 <a:spcPts val="0"/>
               </a:spcBef>
@@ -3001,12 +3225,12 @@
 </p:sldLayout>
 </file>
 
-<file path=ppt/slideLayouts/slideLayout4.xml><?xml version="1.0" encoding="utf-8"?>
-<p:sldLayout xmlns:a="http://schemas.openxmlformats.org/drawingml/2006/main" xmlns:r="http://schemas.openxmlformats.org/officeDocument/2006/relationships" xmlns:mc="http://schemas.openxmlformats.org/markup-compatibility/2006" xmlns:mv="urn:schemas-microsoft-com:mac:vml" xmlns:p="http://schemas.openxmlformats.org/presentationml/2006/main" xmlns:c="http://schemas.openxmlformats.org/drawingml/2006/chart" xmlns:dgm="http://schemas.openxmlformats.org/drawingml/2006/diagram" xmlns:o="urn:schemas-microsoft-com:office:office" xmlns:v="urn:schemas-microsoft-com:vml" xmlns:pvml="urn:schemas-microsoft-com:office:powerpoint" xmlns:com="http://schemas.openxmlformats.org/drawingml/2006/compatibility" xmlns:p14="http://schemas.microsoft.com/office/powerpoint/2010/main" xmlns:p15="http://schemas.microsoft.com/office/powerpoint/2012/main" xmlns:ahyp="http://schemas.microsoft.com/office/drawing/2018/hyperlinkcolor" matchingName="Title and two columns" type="twoColTx">
-  <p:cSld name="TITLE_AND_TWO_COLUMNS">
+<file path=ppt/slideLayouts/slideLayout5.xml><?xml version="1.0" encoding="utf-8"?>
+<p:sldLayout xmlns:a="http://schemas.openxmlformats.org/drawingml/2006/main" xmlns:r="http://schemas.openxmlformats.org/officeDocument/2006/relationships" xmlns:p="http://schemas.openxmlformats.org/presentationml/2006/main" matchingName="Title only" type="titleOnly">
+  <p:cSld name="TITLE_ONLY">
     <p:spTree>
       <p:nvGrpSpPr>
-        <p:cNvPr id="20" name="Shape 20"/>
+        <p:cNvPr id="1" name="Shape 25"/>
         <p:cNvGrpSpPr/>
         <p:nvPr/>
       </p:nvGrpSpPr>
@@ -3020,8 +3244,10 @@
       </p:grpSpPr>
       <p:sp>
         <p:nvSpPr>
-          <p:cNvPr id="21" name="Google Shape;21;p5"/>
-          <p:cNvSpPr txBox="1"/>
+          <p:cNvPr id="26" name="Google Shape;26;p6"/>
+          <p:cNvSpPr txBox="1">
+            <a:spLocks noGrp="1"/>
+          </p:cNvSpPr>
           <p:nvPr>
             <p:ph type="title"/>
           </p:nvPr>
@@ -3036,7 +3262,7 @@
           </a:prstGeom>
         </p:spPr>
         <p:txBody>
-          <a:bodyPr anchorCtr="0" anchor="t" bIns="91425" lIns="91425" spcFirstLastPara="1" rIns="91425" wrap="square" tIns="91425">
+          <a:bodyPr spcFirstLastPara="1" wrap="square" lIns="91425" tIns="91425" rIns="91425" bIns="91425" anchor="t" anchorCtr="0">
             <a:normAutofit/>
           </a:bodyPr>
           <a:lstStyle>
@@ -3140,265 +3366,19 @@
               <a:defRPr/>
             </a:lvl9pPr>
           </a:lstStyle>
-          <a:p/>
+          <a:p>
+            <a:endParaRPr/>
+          </a:p>
         </p:txBody>
       </p:sp>
       <p:sp>
         <p:nvSpPr>
-          <p:cNvPr id="22" name="Google Shape;22;p5"/>
-          <p:cNvSpPr txBox="1"/>
-          <p:nvPr>
-            <p:ph idx="1" type="body"/>
-          </p:nvPr>
-        </p:nvSpPr>
-        <p:spPr>
-          <a:xfrm>
-            <a:off x="311700" y="1152475"/>
-            <a:ext cx="3999900" cy="3416400"/>
-          </a:xfrm>
-          <a:prstGeom prst="rect">
-            <a:avLst/>
-          </a:prstGeom>
-        </p:spPr>
-        <p:txBody>
-          <a:bodyPr anchorCtr="0" anchor="t" bIns="91425" lIns="91425" spcFirstLastPara="1" rIns="91425" wrap="square" tIns="91425">
-            <a:normAutofit/>
-          </a:bodyPr>
-          <a:lstStyle>
-            <a:lvl1pPr indent="-317500" lvl="0" marL="457200">
-              <a:spcBef>
-                <a:spcPts val="0"/>
-              </a:spcBef>
-              <a:spcAft>
-                <a:spcPts val="0"/>
-              </a:spcAft>
-              <a:buSzPts val="1400"/>
-              <a:buChar char="●"/>
-              <a:defRPr sz="1400"/>
-            </a:lvl1pPr>
-            <a:lvl2pPr indent="-304800" lvl="1" marL="914400">
-              <a:spcBef>
-                <a:spcPts val="0"/>
-              </a:spcBef>
-              <a:spcAft>
-                <a:spcPts val="0"/>
-              </a:spcAft>
-              <a:buSzPts val="1200"/>
-              <a:buChar char="○"/>
-              <a:defRPr sz="1200"/>
-            </a:lvl2pPr>
-            <a:lvl3pPr indent="-304800" lvl="2" marL="1371600">
-              <a:spcBef>
-                <a:spcPts val="0"/>
-              </a:spcBef>
-              <a:spcAft>
-                <a:spcPts val="0"/>
-              </a:spcAft>
-              <a:buSzPts val="1200"/>
-              <a:buChar char="■"/>
-              <a:defRPr sz="1200"/>
-            </a:lvl3pPr>
-            <a:lvl4pPr indent="-304800" lvl="3" marL="1828800">
-              <a:spcBef>
-                <a:spcPts val="0"/>
-              </a:spcBef>
-              <a:spcAft>
-                <a:spcPts val="0"/>
-              </a:spcAft>
-              <a:buSzPts val="1200"/>
-              <a:buChar char="●"/>
-              <a:defRPr sz="1200"/>
-            </a:lvl4pPr>
-            <a:lvl5pPr indent="-304800" lvl="4" marL="2286000">
-              <a:spcBef>
-                <a:spcPts val="0"/>
-              </a:spcBef>
-              <a:spcAft>
-                <a:spcPts val="0"/>
-              </a:spcAft>
-              <a:buSzPts val="1200"/>
-              <a:buChar char="○"/>
-              <a:defRPr sz="1200"/>
-            </a:lvl5pPr>
-            <a:lvl6pPr indent="-304800" lvl="5" marL="2743200">
-              <a:spcBef>
-                <a:spcPts val="0"/>
-              </a:spcBef>
-              <a:spcAft>
-                <a:spcPts val="0"/>
-              </a:spcAft>
-              <a:buSzPts val="1200"/>
-              <a:buChar char="■"/>
-              <a:defRPr sz="1200"/>
-            </a:lvl6pPr>
-            <a:lvl7pPr indent="-304800" lvl="6" marL="3200400">
-              <a:spcBef>
-                <a:spcPts val="0"/>
-              </a:spcBef>
-              <a:spcAft>
-                <a:spcPts val="0"/>
-              </a:spcAft>
-              <a:buSzPts val="1200"/>
-              <a:buChar char="●"/>
-              <a:defRPr sz="1200"/>
-            </a:lvl7pPr>
-            <a:lvl8pPr indent="-304800" lvl="7" marL="3657600">
-              <a:spcBef>
-                <a:spcPts val="0"/>
-              </a:spcBef>
-              <a:spcAft>
-                <a:spcPts val="0"/>
-              </a:spcAft>
-              <a:buSzPts val="1200"/>
-              <a:buChar char="○"/>
-              <a:defRPr sz="1200"/>
-            </a:lvl8pPr>
-            <a:lvl9pPr indent="-304800" lvl="8" marL="4114800">
-              <a:spcBef>
-                <a:spcPts val="0"/>
-              </a:spcBef>
-              <a:spcAft>
-                <a:spcPts val="0"/>
-              </a:spcAft>
-              <a:buSzPts val="1200"/>
-              <a:buChar char="■"/>
-              <a:defRPr sz="1200"/>
-            </a:lvl9pPr>
-          </a:lstStyle>
-          <a:p/>
-        </p:txBody>
-      </p:sp>
-      <p:sp>
-        <p:nvSpPr>
-          <p:cNvPr id="23" name="Google Shape;23;p5"/>
-          <p:cNvSpPr txBox="1"/>
-          <p:nvPr>
-            <p:ph idx="2" type="body"/>
-          </p:nvPr>
-        </p:nvSpPr>
-        <p:spPr>
-          <a:xfrm>
-            <a:off x="4832400" y="1152475"/>
-            <a:ext cx="3999900" cy="3416400"/>
-          </a:xfrm>
-          <a:prstGeom prst="rect">
-            <a:avLst/>
-          </a:prstGeom>
-        </p:spPr>
-        <p:txBody>
-          <a:bodyPr anchorCtr="0" anchor="t" bIns="91425" lIns="91425" spcFirstLastPara="1" rIns="91425" wrap="square" tIns="91425">
-            <a:normAutofit/>
-          </a:bodyPr>
-          <a:lstStyle>
-            <a:lvl1pPr indent="-317500" lvl="0" marL="457200">
-              <a:spcBef>
-                <a:spcPts val="0"/>
-              </a:spcBef>
-              <a:spcAft>
-                <a:spcPts val="0"/>
-              </a:spcAft>
-              <a:buSzPts val="1400"/>
-              <a:buChar char="●"/>
-              <a:defRPr sz="1400"/>
-            </a:lvl1pPr>
-            <a:lvl2pPr indent="-304800" lvl="1" marL="914400">
-              <a:spcBef>
-                <a:spcPts val="0"/>
-              </a:spcBef>
-              <a:spcAft>
-                <a:spcPts val="0"/>
-              </a:spcAft>
-              <a:buSzPts val="1200"/>
-              <a:buChar char="○"/>
-              <a:defRPr sz="1200"/>
-            </a:lvl2pPr>
-            <a:lvl3pPr indent="-304800" lvl="2" marL="1371600">
-              <a:spcBef>
-                <a:spcPts val="0"/>
-              </a:spcBef>
-              <a:spcAft>
-                <a:spcPts val="0"/>
-              </a:spcAft>
-              <a:buSzPts val="1200"/>
-              <a:buChar char="■"/>
-              <a:defRPr sz="1200"/>
-            </a:lvl3pPr>
-            <a:lvl4pPr indent="-304800" lvl="3" marL="1828800">
-              <a:spcBef>
-                <a:spcPts val="0"/>
-              </a:spcBef>
-              <a:spcAft>
-                <a:spcPts val="0"/>
-              </a:spcAft>
-              <a:buSzPts val="1200"/>
-              <a:buChar char="●"/>
-              <a:defRPr sz="1200"/>
-            </a:lvl4pPr>
-            <a:lvl5pPr indent="-304800" lvl="4" marL="2286000">
-              <a:spcBef>
-                <a:spcPts val="0"/>
-              </a:spcBef>
-              <a:spcAft>
-                <a:spcPts val="0"/>
-              </a:spcAft>
-              <a:buSzPts val="1200"/>
-              <a:buChar char="○"/>
-              <a:defRPr sz="1200"/>
-            </a:lvl5pPr>
-            <a:lvl6pPr indent="-304800" lvl="5" marL="2743200">
-              <a:spcBef>
-                <a:spcPts val="0"/>
-              </a:spcBef>
-              <a:spcAft>
-                <a:spcPts val="0"/>
-              </a:spcAft>
-              <a:buSzPts val="1200"/>
-              <a:buChar char="■"/>
-              <a:defRPr sz="1200"/>
-            </a:lvl6pPr>
-            <a:lvl7pPr indent="-304800" lvl="6" marL="3200400">
-              <a:spcBef>
-                <a:spcPts val="0"/>
-              </a:spcBef>
-              <a:spcAft>
-                <a:spcPts val="0"/>
-              </a:spcAft>
-              <a:buSzPts val="1200"/>
-              <a:buChar char="●"/>
-              <a:defRPr sz="1200"/>
-            </a:lvl7pPr>
-            <a:lvl8pPr indent="-304800" lvl="7" marL="3657600">
-              <a:spcBef>
-                <a:spcPts val="0"/>
-              </a:spcBef>
-              <a:spcAft>
-                <a:spcPts val="0"/>
-              </a:spcAft>
-              <a:buSzPts val="1200"/>
-              <a:buChar char="○"/>
-              <a:defRPr sz="1200"/>
-            </a:lvl8pPr>
-            <a:lvl9pPr indent="-304800" lvl="8" marL="4114800">
-              <a:spcBef>
-                <a:spcPts val="0"/>
-              </a:spcBef>
-              <a:spcAft>
-                <a:spcPts val="0"/>
-              </a:spcAft>
-              <a:buSzPts val="1200"/>
-              <a:buChar char="■"/>
-              <a:defRPr sz="1200"/>
-            </a:lvl9pPr>
-          </a:lstStyle>
-          <a:p/>
-        </p:txBody>
-      </p:sp>
-      <p:sp>
-        <p:nvSpPr>
-          <p:cNvPr id="24" name="Google Shape;24;p5"/>
-          <p:cNvSpPr txBox="1"/>
-          <p:nvPr>
-            <p:ph idx="12" type="sldNum"/>
+          <p:cNvPr id="27" name="Google Shape;27;p6"/>
+          <p:cNvSpPr txBox="1">
+            <a:spLocks noGrp="1"/>
+          </p:cNvSpPr>
+          <p:nvPr>
+            <p:ph type="sldNum" idx="12"/>
           </p:nvPr>
         </p:nvSpPr>
         <p:spPr>
@@ -3411,7 +3391,7 @@
           </a:prstGeom>
         </p:spPr>
         <p:txBody>
-          <a:bodyPr anchorCtr="0" anchor="ctr" bIns="91425" lIns="91425" spcFirstLastPara="1" rIns="91425" wrap="square" tIns="91425">
+          <a:bodyPr spcFirstLastPara="1" wrap="square" lIns="91425" tIns="91425" rIns="91425" bIns="91425" anchor="ctr" anchorCtr="0">
             <a:normAutofit/>
           </a:bodyPr>
           <a:lstStyle>
@@ -3453,7 +3433,7 @@
             </a:lvl9pPr>
           </a:lstStyle>
           <a:p>
-            <a:pPr indent="0" lvl="0" marL="0" rtl="0" algn="r">
+            <a:pPr marL="0" lvl="0" indent="0" algn="r" rtl="0">
               <a:spcBef>
                 <a:spcPts val="0"/>
               </a:spcBef>
@@ -3478,12 +3458,12 @@
 </p:sldLayout>
 </file>
 
-<file path=ppt/slideLayouts/slideLayout5.xml><?xml version="1.0" encoding="utf-8"?>
-<p:sldLayout xmlns:a="http://schemas.openxmlformats.org/drawingml/2006/main" xmlns:r="http://schemas.openxmlformats.org/officeDocument/2006/relationships" xmlns:mc="http://schemas.openxmlformats.org/markup-compatibility/2006" xmlns:mv="urn:schemas-microsoft-com:mac:vml" xmlns:p="http://schemas.openxmlformats.org/presentationml/2006/main" xmlns:c="http://schemas.openxmlformats.org/drawingml/2006/chart" xmlns:dgm="http://schemas.openxmlformats.org/drawingml/2006/diagram" xmlns:o="urn:schemas-microsoft-com:office:office" xmlns:v="urn:schemas-microsoft-com:vml" xmlns:pvml="urn:schemas-microsoft-com:office:powerpoint" xmlns:com="http://schemas.openxmlformats.org/drawingml/2006/compatibility" xmlns:p14="http://schemas.microsoft.com/office/powerpoint/2010/main" xmlns:p15="http://schemas.microsoft.com/office/powerpoint/2012/main" xmlns:ahyp="http://schemas.microsoft.com/office/drawing/2018/hyperlinkcolor" matchingName="Title only" type="titleOnly">
-  <p:cSld name="TITLE_ONLY">
+<file path=ppt/slideLayouts/slideLayout6.xml><?xml version="1.0" encoding="utf-8"?>
+<p:sldLayout xmlns:a="http://schemas.openxmlformats.org/drawingml/2006/main" xmlns:r="http://schemas.openxmlformats.org/officeDocument/2006/relationships" xmlns:p="http://schemas.openxmlformats.org/presentationml/2006/main" matchingName="One column text">
+  <p:cSld name="ONE_COLUMN_TEXT">
     <p:spTree>
       <p:nvGrpSpPr>
-        <p:cNvPr id="25" name="Shape 25"/>
+        <p:cNvPr id="1" name="Shape 28"/>
         <p:cNvGrpSpPr/>
         <p:nvPr/>
       </p:nvGrpSpPr>
@@ -3497,23 +3477,25 @@
       </p:grpSpPr>
       <p:sp>
         <p:nvSpPr>
-          <p:cNvPr id="26" name="Google Shape;26;p6"/>
-          <p:cNvSpPr txBox="1"/>
+          <p:cNvPr id="29" name="Google Shape;29;p7"/>
+          <p:cNvSpPr txBox="1">
+            <a:spLocks noGrp="1"/>
+          </p:cNvSpPr>
           <p:nvPr>
             <p:ph type="title"/>
           </p:nvPr>
         </p:nvSpPr>
         <p:spPr>
           <a:xfrm>
-            <a:off x="311700" y="445025"/>
-            <a:ext cx="8520600" cy="572700"/>
+            <a:off x="311700" y="555600"/>
+            <a:ext cx="2808000" cy="755700"/>
           </a:xfrm>
           <a:prstGeom prst="rect">
             <a:avLst/>
           </a:prstGeom>
         </p:spPr>
         <p:txBody>
-          <a:bodyPr anchorCtr="0" anchor="t" bIns="91425" lIns="91425" spcFirstLastPara="1" rIns="91425" wrap="square" tIns="91425">
+          <a:bodyPr spcFirstLastPara="1" wrap="square" lIns="91425" tIns="91425" rIns="91425" bIns="91425" anchor="b" anchorCtr="0">
             <a:normAutofit/>
           </a:bodyPr>
           <a:lstStyle>
@@ -3524,9 +3506,9 @@
               <a:spcAft>
                 <a:spcPts val="0"/>
               </a:spcAft>
-              <a:buSzPts val="2800"/>
-              <a:buNone/>
-              <a:defRPr/>
+              <a:buSzPts val="2400"/>
+              <a:buNone/>
+              <a:defRPr sz="2400"/>
             </a:lvl1pPr>
             <a:lvl2pPr lvl="1">
               <a:spcBef>
@@ -3535,9 +3517,9 @@
               <a:spcAft>
                 <a:spcPts val="0"/>
               </a:spcAft>
-              <a:buSzPts val="2800"/>
-              <a:buNone/>
-              <a:defRPr/>
+              <a:buSzPts val="2400"/>
+              <a:buNone/>
+              <a:defRPr sz="2400"/>
             </a:lvl2pPr>
             <a:lvl3pPr lvl="2">
               <a:spcBef>
@@ -3546,9 +3528,9 @@
               <a:spcAft>
                 <a:spcPts val="0"/>
               </a:spcAft>
-              <a:buSzPts val="2800"/>
-              <a:buNone/>
-              <a:defRPr/>
+              <a:buSzPts val="2400"/>
+              <a:buNone/>
+              <a:defRPr sz="2400"/>
             </a:lvl3pPr>
             <a:lvl4pPr lvl="3">
               <a:spcBef>
@@ -3557,9 +3539,9 @@
               <a:spcAft>
                 <a:spcPts val="0"/>
               </a:spcAft>
-              <a:buSzPts val="2800"/>
-              <a:buNone/>
-              <a:defRPr/>
+              <a:buSzPts val="2400"/>
+              <a:buNone/>
+              <a:defRPr sz="2400"/>
             </a:lvl4pPr>
             <a:lvl5pPr lvl="4">
               <a:spcBef>
@@ -3568,9 +3550,9 @@
               <a:spcAft>
                 <a:spcPts val="0"/>
               </a:spcAft>
-              <a:buSzPts val="2800"/>
-              <a:buNone/>
-              <a:defRPr/>
+              <a:buSzPts val="2400"/>
+              <a:buNone/>
+              <a:defRPr sz="2400"/>
             </a:lvl5pPr>
             <a:lvl6pPr lvl="5">
               <a:spcBef>
@@ -3579,9 +3561,9 @@
               <a:spcAft>
                 <a:spcPts val="0"/>
               </a:spcAft>
-              <a:buSzPts val="2800"/>
-              <a:buNone/>
-              <a:defRPr/>
+              <a:buSzPts val="2400"/>
+              <a:buNone/>
+              <a:defRPr sz="2400"/>
             </a:lvl6pPr>
             <a:lvl7pPr lvl="6">
               <a:spcBef>
@@ -3590,9 +3572,9 @@
               <a:spcAft>
                 <a:spcPts val="0"/>
               </a:spcAft>
-              <a:buSzPts val="2800"/>
-              <a:buNone/>
-              <a:defRPr/>
+              <a:buSzPts val="2400"/>
+              <a:buNone/>
+              <a:defRPr sz="2400"/>
             </a:lvl7pPr>
             <a:lvl8pPr lvl="7">
               <a:spcBef>
@@ -3601,9 +3583,9 @@
               <a:spcAft>
                 <a:spcPts val="0"/>
               </a:spcAft>
-              <a:buSzPts val="2800"/>
-              <a:buNone/>
-              <a:defRPr/>
+              <a:buSzPts val="2400"/>
+              <a:buNone/>
+              <a:defRPr sz="2400"/>
             </a:lvl8pPr>
             <a:lvl9pPr lvl="8">
               <a:spcBef>
@@ -3612,20 +3594,153 @@
               <a:spcAft>
                 <a:spcPts val="0"/>
               </a:spcAft>
-              <a:buSzPts val="2800"/>
-              <a:buNone/>
-              <a:defRPr/>
+              <a:buSzPts val="2400"/>
+              <a:buNone/>
+              <a:defRPr sz="2400"/>
             </a:lvl9pPr>
           </a:lstStyle>
-          <a:p/>
+          <a:p>
+            <a:endParaRPr/>
+          </a:p>
         </p:txBody>
       </p:sp>
       <p:sp>
         <p:nvSpPr>
-          <p:cNvPr id="27" name="Google Shape;27;p6"/>
-          <p:cNvSpPr txBox="1"/>
-          <p:nvPr>
-            <p:ph idx="12" type="sldNum"/>
+          <p:cNvPr id="30" name="Google Shape;30;p7"/>
+          <p:cNvSpPr txBox="1">
+            <a:spLocks noGrp="1"/>
+          </p:cNvSpPr>
+          <p:nvPr>
+            <p:ph type="body" idx="1"/>
+          </p:nvPr>
+        </p:nvSpPr>
+        <p:spPr>
+          <a:xfrm>
+            <a:off x="311700" y="1389600"/>
+            <a:ext cx="2808000" cy="3179400"/>
+          </a:xfrm>
+          <a:prstGeom prst="rect">
+            <a:avLst/>
+          </a:prstGeom>
+        </p:spPr>
+        <p:txBody>
+          <a:bodyPr spcFirstLastPara="1" wrap="square" lIns="91425" tIns="91425" rIns="91425" bIns="91425" anchor="t" anchorCtr="0">
+            <a:normAutofit/>
+          </a:bodyPr>
+          <a:lstStyle>
+            <a:lvl1pPr marL="457200" lvl="0" indent="-304800">
+              <a:spcBef>
+                <a:spcPts val="0"/>
+              </a:spcBef>
+              <a:spcAft>
+                <a:spcPts val="0"/>
+              </a:spcAft>
+              <a:buSzPts val="1200"/>
+              <a:buChar char="●"/>
+              <a:defRPr sz="1200"/>
+            </a:lvl1pPr>
+            <a:lvl2pPr marL="914400" lvl="1" indent="-304800">
+              <a:spcBef>
+                <a:spcPts val="0"/>
+              </a:spcBef>
+              <a:spcAft>
+                <a:spcPts val="0"/>
+              </a:spcAft>
+              <a:buSzPts val="1200"/>
+              <a:buChar char="○"/>
+              <a:defRPr sz="1200"/>
+            </a:lvl2pPr>
+            <a:lvl3pPr marL="1371600" lvl="2" indent="-304800">
+              <a:spcBef>
+                <a:spcPts val="0"/>
+              </a:spcBef>
+              <a:spcAft>
+                <a:spcPts val="0"/>
+              </a:spcAft>
+              <a:buSzPts val="1200"/>
+              <a:buChar char="■"/>
+              <a:defRPr sz="1200"/>
+            </a:lvl3pPr>
+            <a:lvl4pPr marL="1828800" lvl="3" indent="-304800">
+              <a:spcBef>
+                <a:spcPts val="0"/>
+              </a:spcBef>
+              <a:spcAft>
+                <a:spcPts val="0"/>
+              </a:spcAft>
+              <a:buSzPts val="1200"/>
+              <a:buChar char="●"/>
+              <a:defRPr sz="1200"/>
+            </a:lvl4pPr>
+            <a:lvl5pPr marL="2286000" lvl="4" indent="-304800">
+              <a:spcBef>
+                <a:spcPts val="0"/>
+              </a:spcBef>
+              <a:spcAft>
+                <a:spcPts val="0"/>
+              </a:spcAft>
+              <a:buSzPts val="1200"/>
+              <a:buChar char="○"/>
+              <a:defRPr sz="1200"/>
+            </a:lvl5pPr>
+            <a:lvl6pPr marL="2743200" lvl="5" indent="-304800">
+              <a:spcBef>
+                <a:spcPts val="0"/>
+              </a:spcBef>
+              <a:spcAft>
+                <a:spcPts val="0"/>
+              </a:spcAft>
+              <a:buSzPts val="1200"/>
+              <a:buChar char="■"/>
+              <a:defRPr sz="1200"/>
+            </a:lvl6pPr>
+            <a:lvl7pPr marL="3200400" lvl="6" indent="-304800">
+              <a:spcBef>
+                <a:spcPts val="0"/>
+              </a:spcBef>
+              <a:spcAft>
+                <a:spcPts val="0"/>
+              </a:spcAft>
+              <a:buSzPts val="1200"/>
+              <a:buChar char="●"/>
+              <a:defRPr sz="1200"/>
+            </a:lvl7pPr>
+            <a:lvl8pPr marL="3657600" lvl="7" indent="-304800">
+              <a:spcBef>
+                <a:spcPts val="0"/>
+              </a:spcBef>
+              <a:spcAft>
+                <a:spcPts val="0"/>
+              </a:spcAft>
+              <a:buSzPts val="1200"/>
+              <a:buChar char="○"/>
+              <a:defRPr sz="1200"/>
+            </a:lvl8pPr>
+            <a:lvl9pPr marL="4114800" lvl="8" indent="-304800">
+              <a:spcBef>
+                <a:spcPts val="0"/>
+              </a:spcBef>
+              <a:spcAft>
+                <a:spcPts val="0"/>
+              </a:spcAft>
+              <a:buSzPts val="1200"/>
+              <a:buChar char="■"/>
+              <a:defRPr sz="1200"/>
+            </a:lvl9pPr>
+          </a:lstStyle>
+          <a:p>
+            <a:endParaRPr/>
+          </a:p>
+        </p:txBody>
+      </p:sp>
+      <p:sp>
+        <p:nvSpPr>
+          <p:cNvPr id="31" name="Google Shape;31;p7"/>
+          <p:cNvSpPr txBox="1">
+            <a:spLocks noGrp="1"/>
+          </p:cNvSpPr>
+          <p:nvPr>
+            <p:ph type="sldNum" idx="12"/>
           </p:nvPr>
         </p:nvSpPr>
         <p:spPr>
@@ -3638,7 +3753,7 @@
           </a:prstGeom>
         </p:spPr>
         <p:txBody>
-          <a:bodyPr anchorCtr="0" anchor="ctr" bIns="91425" lIns="91425" spcFirstLastPara="1" rIns="91425" wrap="square" tIns="91425">
+          <a:bodyPr spcFirstLastPara="1" wrap="square" lIns="91425" tIns="91425" rIns="91425" bIns="91425" anchor="ctr" anchorCtr="0">
             <a:normAutofit/>
           </a:bodyPr>
           <a:lstStyle>
@@ -3680,7 +3795,7 @@
             </a:lvl9pPr>
           </a:lstStyle>
           <a:p>
-            <a:pPr indent="0" lvl="0" marL="0" rtl="0" algn="r">
+            <a:pPr marL="0" lvl="0" indent="0" algn="r" rtl="0">
               <a:spcBef>
                 <a:spcPts val="0"/>
               </a:spcBef>
@@ -3705,12 +3820,12 @@
 </p:sldLayout>
 </file>
 
-<file path=ppt/slideLayouts/slideLayout6.xml><?xml version="1.0" encoding="utf-8"?>
-<p:sldLayout xmlns:a="http://schemas.openxmlformats.org/drawingml/2006/main" xmlns:r="http://schemas.openxmlformats.org/officeDocument/2006/relationships" xmlns:mc="http://schemas.openxmlformats.org/markup-compatibility/2006" xmlns:mv="urn:schemas-microsoft-com:mac:vml" xmlns:p="http://schemas.openxmlformats.org/presentationml/2006/main" xmlns:c="http://schemas.openxmlformats.org/drawingml/2006/chart" xmlns:dgm="http://schemas.openxmlformats.org/drawingml/2006/diagram" xmlns:o="urn:schemas-microsoft-com:office:office" xmlns:v="urn:schemas-microsoft-com:vml" xmlns:pvml="urn:schemas-microsoft-com:office:powerpoint" xmlns:com="http://schemas.openxmlformats.org/drawingml/2006/compatibility" xmlns:p14="http://schemas.microsoft.com/office/powerpoint/2010/main" xmlns:p15="http://schemas.microsoft.com/office/powerpoint/2012/main" xmlns:ahyp="http://schemas.microsoft.com/office/drawing/2018/hyperlinkcolor" matchingName="One column text">
-  <p:cSld name="ONE_COLUMN_TEXT">
+<file path=ppt/slideLayouts/slideLayout7.xml><?xml version="1.0" encoding="utf-8"?>
+<p:sldLayout xmlns:a="http://schemas.openxmlformats.org/drawingml/2006/main" xmlns:r="http://schemas.openxmlformats.org/officeDocument/2006/relationships" xmlns:p="http://schemas.openxmlformats.org/presentationml/2006/main" matchingName="Main point">
+  <p:cSld name="MAIN_POINT">
     <p:spTree>
       <p:nvGrpSpPr>
-        <p:cNvPr id="28" name="Shape 28"/>
+        <p:cNvPr id="1" name="Shape 32"/>
         <p:cNvGrpSpPr/>
         <p:nvPr/>
       </p:nvGrpSpPr>
@@ -3724,23 +3839,25 @@
       </p:grpSpPr>
       <p:sp>
         <p:nvSpPr>
-          <p:cNvPr id="29" name="Google Shape;29;p7"/>
-          <p:cNvSpPr txBox="1"/>
+          <p:cNvPr id="33" name="Google Shape;33;p8"/>
+          <p:cNvSpPr txBox="1">
+            <a:spLocks noGrp="1"/>
+          </p:cNvSpPr>
           <p:nvPr>
             <p:ph type="title"/>
           </p:nvPr>
         </p:nvSpPr>
         <p:spPr>
           <a:xfrm>
-            <a:off x="311700" y="555600"/>
-            <a:ext cx="2808000" cy="755700"/>
+            <a:off x="490250" y="450150"/>
+            <a:ext cx="6367800" cy="4090800"/>
           </a:xfrm>
           <a:prstGeom prst="rect">
             <a:avLst/>
           </a:prstGeom>
         </p:spPr>
         <p:txBody>
-          <a:bodyPr anchorCtr="0" anchor="b" bIns="91425" lIns="91425" spcFirstLastPara="1" rIns="91425" wrap="square" tIns="91425">
+          <a:bodyPr spcFirstLastPara="1" wrap="square" lIns="91425" tIns="91425" rIns="91425" bIns="91425" anchor="ctr" anchorCtr="0">
             <a:normAutofit/>
           </a:bodyPr>
           <a:lstStyle>
@@ -3751,9 +3868,9 @@
               <a:spcAft>
                 <a:spcPts val="0"/>
               </a:spcAft>
-              <a:buSzPts val="2400"/>
-              <a:buNone/>
-              <a:defRPr sz="2400"/>
+              <a:buSzPts val="4800"/>
+              <a:buNone/>
+              <a:defRPr sz="4800"/>
             </a:lvl1pPr>
             <a:lvl2pPr lvl="1">
               <a:spcBef>
@@ -3762,9 +3879,9 @@
               <a:spcAft>
                 <a:spcPts val="0"/>
               </a:spcAft>
-              <a:buSzPts val="2400"/>
-              <a:buNone/>
-              <a:defRPr sz="2400"/>
+              <a:buSzPts val="4800"/>
+              <a:buNone/>
+              <a:defRPr sz="4800"/>
             </a:lvl2pPr>
             <a:lvl3pPr lvl="2">
               <a:spcBef>
@@ -3773,9 +3890,9 @@
               <a:spcAft>
                 <a:spcPts val="0"/>
               </a:spcAft>
-              <a:buSzPts val="2400"/>
-              <a:buNone/>
-              <a:defRPr sz="2400"/>
+              <a:buSzPts val="4800"/>
+              <a:buNone/>
+              <a:defRPr sz="4800"/>
             </a:lvl3pPr>
             <a:lvl4pPr lvl="3">
               <a:spcBef>
@@ -3784,9 +3901,9 @@
               <a:spcAft>
                 <a:spcPts val="0"/>
               </a:spcAft>
-              <a:buSzPts val="2400"/>
-              <a:buNone/>
-              <a:defRPr sz="2400"/>
+              <a:buSzPts val="4800"/>
+              <a:buNone/>
+              <a:defRPr sz="4800"/>
             </a:lvl4pPr>
             <a:lvl5pPr lvl="4">
               <a:spcBef>
@@ -3795,9 +3912,9 @@
               <a:spcAft>
                 <a:spcPts val="0"/>
               </a:spcAft>
-              <a:buSzPts val="2400"/>
-              <a:buNone/>
-              <a:defRPr sz="2400"/>
+              <a:buSzPts val="4800"/>
+              <a:buNone/>
+              <a:defRPr sz="4800"/>
             </a:lvl5pPr>
             <a:lvl6pPr lvl="5">
               <a:spcBef>
@@ -3806,9 +3923,9 @@
               <a:spcAft>
                 <a:spcPts val="0"/>
               </a:spcAft>
-              <a:buSzPts val="2400"/>
-              <a:buNone/>
-              <a:defRPr sz="2400"/>
+              <a:buSzPts val="4800"/>
+              <a:buNone/>
+              <a:defRPr sz="4800"/>
             </a:lvl6pPr>
             <a:lvl7pPr lvl="6">
               <a:spcBef>
@@ -3817,9 +3934,9 @@
               <a:spcAft>
                 <a:spcPts val="0"/>
               </a:spcAft>
-              <a:buSzPts val="2400"/>
-              <a:buNone/>
-              <a:defRPr sz="2400"/>
+              <a:buSzPts val="4800"/>
+              <a:buNone/>
+              <a:defRPr sz="4800"/>
             </a:lvl7pPr>
             <a:lvl8pPr lvl="7">
               <a:spcBef>
@@ -3828,9 +3945,9 @@
               <a:spcAft>
                 <a:spcPts val="0"/>
               </a:spcAft>
-              <a:buSzPts val="2400"/>
-              <a:buNone/>
-              <a:defRPr sz="2400"/>
+              <a:buSzPts val="4800"/>
+              <a:buNone/>
+              <a:defRPr sz="4800"/>
             </a:lvl8pPr>
             <a:lvl9pPr lvl="8">
               <a:spcBef>
@@ -3839,145 +3956,24 @@
               <a:spcAft>
                 <a:spcPts val="0"/>
               </a:spcAft>
-              <a:buSzPts val="2400"/>
-              <a:buNone/>
-              <a:defRPr sz="2400"/>
+              <a:buSzPts val="4800"/>
+              <a:buNone/>
+              <a:defRPr sz="4800"/>
             </a:lvl9pPr>
           </a:lstStyle>
-          <a:p/>
+          <a:p>
+            <a:endParaRPr/>
+          </a:p>
         </p:txBody>
       </p:sp>
       <p:sp>
         <p:nvSpPr>
-          <p:cNvPr id="30" name="Google Shape;30;p7"/>
-          <p:cNvSpPr txBox="1"/>
-          <p:nvPr>
-            <p:ph idx="1" type="body"/>
-          </p:nvPr>
-        </p:nvSpPr>
-        <p:spPr>
-          <a:xfrm>
-            <a:off x="311700" y="1389600"/>
-            <a:ext cx="2808000" cy="3179400"/>
-          </a:xfrm>
-          <a:prstGeom prst="rect">
-            <a:avLst/>
-          </a:prstGeom>
-        </p:spPr>
-        <p:txBody>
-          <a:bodyPr anchorCtr="0" anchor="t" bIns="91425" lIns="91425" spcFirstLastPara="1" rIns="91425" wrap="square" tIns="91425">
-            <a:normAutofit/>
-          </a:bodyPr>
-          <a:lstStyle>
-            <a:lvl1pPr indent="-304800" lvl="0" marL="457200">
-              <a:spcBef>
-                <a:spcPts val="0"/>
-              </a:spcBef>
-              <a:spcAft>
-                <a:spcPts val="0"/>
-              </a:spcAft>
-              <a:buSzPts val="1200"/>
-              <a:buChar char="●"/>
-              <a:defRPr sz="1200"/>
-            </a:lvl1pPr>
-            <a:lvl2pPr indent="-304800" lvl="1" marL="914400">
-              <a:spcBef>
-                <a:spcPts val="0"/>
-              </a:spcBef>
-              <a:spcAft>
-                <a:spcPts val="0"/>
-              </a:spcAft>
-              <a:buSzPts val="1200"/>
-              <a:buChar char="○"/>
-              <a:defRPr sz="1200"/>
-            </a:lvl2pPr>
-            <a:lvl3pPr indent="-304800" lvl="2" marL="1371600">
-              <a:spcBef>
-                <a:spcPts val="0"/>
-              </a:spcBef>
-              <a:spcAft>
-                <a:spcPts val="0"/>
-              </a:spcAft>
-              <a:buSzPts val="1200"/>
-              <a:buChar char="■"/>
-              <a:defRPr sz="1200"/>
-            </a:lvl3pPr>
-            <a:lvl4pPr indent="-304800" lvl="3" marL="1828800">
-              <a:spcBef>
-                <a:spcPts val="0"/>
-              </a:spcBef>
-              <a:spcAft>
-                <a:spcPts val="0"/>
-              </a:spcAft>
-              <a:buSzPts val="1200"/>
-              <a:buChar char="●"/>
-              <a:defRPr sz="1200"/>
-            </a:lvl4pPr>
-            <a:lvl5pPr indent="-304800" lvl="4" marL="2286000">
-              <a:spcBef>
-                <a:spcPts val="0"/>
-              </a:spcBef>
-              <a:spcAft>
-                <a:spcPts val="0"/>
-              </a:spcAft>
-              <a:buSzPts val="1200"/>
-              <a:buChar char="○"/>
-              <a:defRPr sz="1200"/>
-            </a:lvl5pPr>
-            <a:lvl6pPr indent="-304800" lvl="5" marL="2743200">
-              <a:spcBef>
-                <a:spcPts val="0"/>
-              </a:spcBef>
-              <a:spcAft>
-                <a:spcPts val="0"/>
-              </a:spcAft>
-              <a:buSzPts val="1200"/>
-              <a:buChar char="■"/>
-              <a:defRPr sz="1200"/>
-            </a:lvl6pPr>
-            <a:lvl7pPr indent="-304800" lvl="6" marL="3200400">
-              <a:spcBef>
-                <a:spcPts val="0"/>
-              </a:spcBef>
-              <a:spcAft>
-                <a:spcPts val="0"/>
-              </a:spcAft>
-              <a:buSzPts val="1200"/>
-              <a:buChar char="●"/>
-              <a:defRPr sz="1200"/>
-            </a:lvl7pPr>
-            <a:lvl8pPr indent="-304800" lvl="7" marL="3657600">
-              <a:spcBef>
-                <a:spcPts val="0"/>
-              </a:spcBef>
-              <a:spcAft>
-                <a:spcPts val="0"/>
-              </a:spcAft>
-              <a:buSzPts val="1200"/>
-              <a:buChar char="○"/>
-              <a:defRPr sz="1200"/>
-            </a:lvl8pPr>
-            <a:lvl9pPr indent="-304800" lvl="8" marL="4114800">
-              <a:spcBef>
-                <a:spcPts val="0"/>
-              </a:spcBef>
-              <a:spcAft>
-                <a:spcPts val="0"/>
-              </a:spcAft>
-              <a:buSzPts val="1200"/>
-              <a:buChar char="■"/>
-              <a:defRPr sz="1200"/>
-            </a:lvl9pPr>
-          </a:lstStyle>
-          <a:p/>
-        </p:txBody>
-      </p:sp>
-      <p:sp>
-        <p:nvSpPr>
-          <p:cNvPr id="31" name="Google Shape;31;p7"/>
-          <p:cNvSpPr txBox="1"/>
-          <p:nvPr>
-            <p:ph idx="12" type="sldNum"/>
+          <p:cNvPr id="34" name="Google Shape;34;p8"/>
+          <p:cNvSpPr txBox="1">
+            <a:spLocks noGrp="1"/>
+          </p:cNvSpPr>
+          <p:nvPr>
+            <p:ph type="sldNum" idx="12"/>
           </p:nvPr>
         </p:nvSpPr>
         <p:spPr>
@@ -3990,7 +3986,7 @@
           </a:prstGeom>
         </p:spPr>
         <p:txBody>
-          <a:bodyPr anchorCtr="0" anchor="ctr" bIns="91425" lIns="91425" spcFirstLastPara="1" rIns="91425" wrap="square" tIns="91425">
+          <a:bodyPr spcFirstLastPara="1" wrap="square" lIns="91425" tIns="91425" rIns="91425" bIns="91425" anchor="ctr" anchorCtr="0">
             <a:normAutofit/>
           </a:bodyPr>
           <a:lstStyle>
@@ -4032,7 +4028,7 @@
             </a:lvl9pPr>
           </a:lstStyle>
           <a:p>
-            <a:pPr indent="0" lvl="0" marL="0" rtl="0" algn="r">
+            <a:pPr marL="0" lvl="0" indent="0" algn="r" rtl="0">
               <a:spcBef>
                 <a:spcPts val="0"/>
               </a:spcBef>
@@ -4057,12 +4053,12 @@
 </p:sldLayout>
 </file>
 
-<file path=ppt/slideLayouts/slideLayout7.xml><?xml version="1.0" encoding="utf-8"?>
-<p:sldLayout xmlns:a="http://schemas.openxmlformats.org/drawingml/2006/main" xmlns:r="http://schemas.openxmlformats.org/officeDocument/2006/relationships" xmlns:mc="http://schemas.openxmlformats.org/markup-compatibility/2006" xmlns:mv="urn:schemas-microsoft-com:mac:vml" xmlns:p="http://schemas.openxmlformats.org/presentationml/2006/main" xmlns:c="http://schemas.openxmlformats.org/drawingml/2006/chart" xmlns:dgm="http://schemas.openxmlformats.org/drawingml/2006/diagram" xmlns:o="urn:schemas-microsoft-com:office:office" xmlns:v="urn:schemas-microsoft-com:vml" xmlns:pvml="urn:schemas-microsoft-com:office:powerpoint" xmlns:com="http://schemas.openxmlformats.org/drawingml/2006/compatibility" xmlns:p14="http://schemas.microsoft.com/office/powerpoint/2010/main" xmlns:p15="http://schemas.microsoft.com/office/powerpoint/2012/main" xmlns:ahyp="http://schemas.microsoft.com/office/drawing/2018/hyperlinkcolor" matchingName="Main point">
-  <p:cSld name="MAIN_POINT">
+<file path=ppt/slideLayouts/slideLayout8.xml><?xml version="1.0" encoding="utf-8"?>
+<p:sldLayout xmlns:a="http://schemas.openxmlformats.org/drawingml/2006/main" xmlns:r="http://schemas.openxmlformats.org/officeDocument/2006/relationships" xmlns:p="http://schemas.openxmlformats.org/presentationml/2006/main" matchingName="Section title and description">
+  <p:cSld name="SECTION_TITLE_AND_DESCRIPTION">
     <p:spTree>
       <p:nvGrpSpPr>
-        <p:cNvPr id="32" name="Shape 32"/>
+        <p:cNvPr id="1" name="Shape 35"/>
         <p:cNvGrpSpPr/>
         <p:nvPr/>
       </p:nvGrpSpPr>
@@ -4076,152 +4072,483 @@
       </p:grpSpPr>
       <p:sp>
         <p:nvSpPr>
-          <p:cNvPr id="33" name="Google Shape;33;p8"/>
-          <p:cNvSpPr txBox="1"/>
+          <p:cNvPr id="36" name="Google Shape;36;p9"/>
+          <p:cNvSpPr/>
+          <p:nvPr/>
+        </p:nvSpPr>
+        <p:spPr>
+          <a:xfrm>
+            <a:off x="4572000" y="-125"/>
+            <a:ext cx="4572000" cy="5143500"/>
+          </a:xfrm>
+          <a:prstGeom prst="rect">
+            <a:avLst/>
+          </a:prstGeom>
+          <a:solidFill>
+            <a:schemeClr val="lt2"/>
+          </a:solidFill>
+          <a:ln>
+            <a:noFill/>
+          </a:ln>
+        </p:spPr>
+        <p:txBody>
+          <a:bodyPr spcFirstLastPara="1" wrap="square" lIns="91425" tIns="91425" rIns="91425" bIns="91425" anchor="ctr" anchorCtr="0">
+            <a:noAutofit/>
+          </a:bodyPr>
+          <a:lstStyle/>
+          <a:p>
+            <a:pPr marL="0" lvl="0" indent="0" algn="l" rtl="0">
+              <a:spcBef>
+                <a:spcPts val="0"/>
+              </a:spcBef>
+              <a:spcAft>
+                <a:spcPts val="0"/>
+              </a:spcAft>
+              <a:buNone/>
+            </a:pPr>
+            <a:endParaRPr/>
+          </a:p>
+        </p:txBody>
+      </p:sp>
+      <p:sp>
+        <p:nvSpPr>
+          <p:cNvPr id="37" name="Google Shape;37;p9"/>
+          <p:cNvSpPr txBox="1">
+            <a:spLocks noGrp="1"/>
+          </p:cNvSpPr>
           <p:nvPr>
             <p:ph type="title"/>
           </p:nvPr>
         </p:nvSpPr>
         <p:spPr>
           <a:xfrm>
-            <a:off x="490250" y="450150"/>
-            <a:ext cx="6367800" cy="4090800"/>
+            <a:off x="265500" y="1233175"/>
+            <a:ext cx="4045200" cy="1482300"/>
           </a:xfrm>
           <a:prstGeom prst="rect">
             <a:avLst/>
           </a:prstGeom>
         </p:spPr>
         <p:txBody>
-          <a:bodyPr anchorCtr="0" anchor="ctr" bIns="91425" lIns="91425" spcFirstLastPara="1" rIns="91425" wrap="square" tIns="91425">
+          <a:bodyPr spcFirstLastPara="1" wrap="square" lIns="91425" tIns="91425" rIns="91425" bIns="91425" anchor="b" anchorCtr="0">
+            <a:normAutofit/>
+          </a:bodyPr>
+          <a:lstStyle>
+            <a:lvl1pPr lvl="0" algn="ctr">
+              <a:spcBef>
+                <a:spcPts val="0"/>
+              </a:spcBef>
+              <a:spcAft>
+                <a:spcPts val="0"/>
+              </a:spcAft>
+              <a:buSzPts val="4200"/>
+              <a:buNone/>
+              <a:defRPr sz="4200"/>
+            </a:lvl1pPr>
+            <a:lvl2pPr lvl="1" algn="ctr">
+              <a:spcBef>
+                <a:spcPts val="0"/>
+              </a:spcBef>
+              <a:spcAft>
+                <a:spcPts val="0"/>
+              </a:spcAft>
+              <a:buSzPts val="4200"/>
+              <a:buNone/>
+              <a:defRPr sz="4200"/>
+            </a:lvl2pPr>
+            <a:lvl3pPr lvl="2" algn="ctr">
+              <a:spcBef>
+                <a:spcPts val="0"/>
+              </a:spcBef>
+              <a:spcAft>
+                <a:spcPts val="0"/>
+              </a:spcAft>
+              <a:buSzPts val="4200"/>
+              <a:buNone/>
+              <a:defRPr sz="4200"/>
+            </a:lvl3pPr>
+            <a:lvl4pPr lvl="3" algn="ctr">
+              <a:spcBef>
+                <a:spcPts val="0"/>
+              </a:spcBef>
+              <a:spcAft>
+                <a:spcPts val="0"/>
+              </a:spcAft>
+              <a:buSzPts val="4200"/>
+              <a:buNone/>
+              <a:defRPr sz="4200"/>
+            </a:lvl4pPr>
+            <a:lvl5pPr lvl="4" algn="ctr">
+              <a:spcBef>
+                <a:spcPts val="0"/>
+              </a:spcBef>
+              <a:spcAft>
+                <a:spcPts val="0"/>
+              </a:spcAft>
+              <a:buSzPts val="4200"/>
+              <a:buNone/>
+              <a:defRPr sz="4200"/>
+            </a:lvl5pPr>
+            <a:lvl6pPr lvl="5" algn="ctr">
+              <a:spcBef>
+                <a:spcPts val="0"/>
+              </a:spcBef>
+              <a:spcAft>
+                <a:spcPts val="0"/>
+              </a:spcAft>
+              <a:buSzPts val="4200"/>
+              <a:buNone/>
+              <a:defRPr sz="4200"/>
+            </a:lvl6pPr>
+            <a:lvl7pPr lvl="6" algn="ctr">
+              <a:spcBef>
+                <a:spcPts val="0"/>
+              </a:spcBef>
+              <a:spcAft>
+                <a:spcPts val="0"/>
+              </a:spcAft>
+              <a:buSzPts val="4200"/>
+              <a:buNone/>
+              <a:defRPr sz="4200"/>
+            </a:lvl7pPr>
+            <a:lvl8pPr lvl="7" algn="ctr">
+              <a:spcBef>
+                <a:spcPts val="0"/>
+              </a:spcBef>
+              <a:spcAft>
+                <a:spcPts val="0"/>
+              </a:spcAft>
+              <a:buSzPts val="4200"/>
+              <a:buNone/>
+              <a:defRPr sz="4200"/>
+            </a:lvl8pPr>
+            <a:lvl9pPr lvl="8" algn="ctr">
+              <a:spcBef>
+                <a:spcPts val="0"/>
+              </a:spcBef>
+              <a:spcAft>
+                <a:spcPts val="0"/>
+              </a:spcAft>
+              <a:buSzPts val="4200"/>
+              <a:buNone/>
+              <a:defRPr sz="4200"/>
+            </a:lvl9pPr>
+          </a:lstStyle>
+          <a:p>
+            <a:endParaRPr/>
+          </a:p>
+        </p:txBody>
+      </p:sp>
+      <p:sp>
+        <p:nvSpPr>
+          <p:cNvPr id="38" name="Google Shape;38;p9"/>
+          <p:cNvSpPr txBox="1">
+            <a:spLocks noGrp="1"/>
+          </p:cNvSpPr>
+          <p:nvPr>
+            <p:ph type="subTitle" idx="1"/>
+          </p:nvPr>
+        </p:nvSpPr>
+        <p:spPr>
+          <a:xfrm>
+            <a:off x="265500" y="2803075"/>
+            <a:ext cx="4045200" cy="1235100"/>
+          </a:xfrm>
+          <a:prstGeom prst="rect">
+            <a:avLst/>
+          </a:prstGeom>
+        </p:spPr>
+        <p:txBody>
+          <a:bodyPr spcFirstLastPara="1" wrap="square" lIns="91425" tIns="91425" rIns="91425" bIns="91425" anchor="t" anchorCtr="0">
+            <a:normAutofit/>
+          </a:bodyPr>
+          <a:lstStyle>
+            <a:lvl1pPr lvl="0" algn="ctr">
+              <a:lnSpc>
+                <a:spcPct val="100000"/>
+              </a:lnSpc>
+              <a:spcBef>
+                <a:spcPts val="0"/>
+              </a:spcBef>
+              <a:spcAft>
+                <a:spcPts val="0"/>
+              </a:spcAft>
+              <a:buSzPts val="2100"/>
+              <a:buNone/>
+              <a:defRPr sz="2100"/>
+            </a:lvl1pPr>
+            <a:lvl2pPr lvl="1" algn="ctr">
+              <a:lnSpc>
+                <a:spcPct val="100000"/>
+              </a:lnSpc>
+              <a:spcBef>
+                <a:spcPts val="0"/>
+              </a:spcBef>
+              <a:spcAft>
+                <a:spcPts val="0"/>
+              </a:spcAft>
+              <a:buSzPts val="2100"/>
+              <a:buNone/>
+              <a:defRPr sz="2100"/>
+            </a:lvl2pPr>
+            <a:lvl3pPr lvl="2" algn="ctr">
+              <a:lnSpc>
+                <a:spcPct val="100000"/>
+              </a:lnSpc>
+              <a:spcBef>
+                <a:spcPts val="0"/>
+              </a:spcBef>
+              <a:spcAft>
+                <a:spcPts val="0"/>
+              </a:spcAft>
+              <a:buSzPts val="2100"/>
+              <a:buNone/>
+              <a:defRPr sz="2100"/>
+            </a:lvl3pPr>
+            <a:lvl4pPr lvl="3" algn="ctr">
+              <a:lnSpc>
+                <a:spcPct val="100000"/>
+              </a:lnSpc>
+              <a:spcBef>
+                <a:spcPts val="0"/>
+              </a:spcBef>
+              <a:spcAft>
+                <a:spcPts val="0"/>
+              </a:spcAft>
+              <a:buSzPts val="2100"/>
+              <a:buNone/>
+              <a:defRPr sz="2100"/>
+            </a:lvl4pPr>
+            <a:lvl5pPr lvl="4" algn="ctr">
+              <a:lnSpc>
+                <a:spcPct val="100000"/>
+              </a:lnSpc>
+              <a:spcBef>
+                <a:spcPts val="0"/>
+              </a:spcBef>
+              <a:spcAft>
+                <a:spcPts val="0"/>
+              </a:spcAft>
+              <a:buSzPts val="2100"/>
+              <a:buNone/>
+              <a:defRPr sz="2100"/>
+            </a:lvl5pPr>
+            <a:lvl6pPr lvl="5" algn="ctr">
+              <a:lnSpc>
+                <a:spcPct val="100000"/>
+              </a:lnSpc>
+              <a:spcBef>
+                <a:spcPts val="0"/>
+              </a:spcBef>
+              <a:spcAft>
+                <a:spcPts val="0"/>
+              </a:spcAft>
+              <a:buSzPts val="2100"/>
+              <a:buNone/>
+              <a:defRPr sz="2100"/>
+            </a:lvl6pPr>
+            <a:lvl7pPr lvl="6" algn="ctr">
+              <a:lnSpc>
+                <a:spcPct val="100000"/>
+              </a:lnSpc>
+              <a:spcBef>
+                <a:spcPts val="0"/>
+              </a:spcBef>
+              <a:spcAft>
+                <a:spcPts val="0"/>
+              </a:spcAft>
+              <a:buSzPts val="2100"/>
+              <a:buNone/>
+              <a:defRPr sz="2100"/>
+            </a:lvl7pPr>
+            <a:lvl8pPr lvl="7" algn="ctr">
+              <a:lnSpc>
+                <a:spcPct val="100000"/>
+              </a:lnSpc>
+              <a:spcBef>
+                <a:spcPts val="0"/>
+              </a:spcBef>
+              <a:spcAft>
+                <a:spcPts val="0"/>
+              </a:spcAft>
+              <a:buSzPts val="2100"/>
+              <a:buNone/>
+              <a:defRPr sz="2100"/>
+            </a:lvl8pPr>
+            <a:lvl9pPr lvl="8" algn="ctr">
+              <a:lnSpc>
+                <a:spcPct val="100000"/>
+              </a:lnSpc>
+              <a:spcBef>
+                <a:spcPts val="0"/>
+              </a:spcBef>
+              <a:spcAft>
+                <a:spcPts val="0"/>
+              </a:spcAft>
+              <a:buSzPts val="2100"/>
+              <a:buNone/>
+              <a:defRPr sz="2100"/>
+            </a:lvl9pPr>
+          </a:lstStyle>
+          <a:p>
+            <a:endParaRPr/>
+          </a:p>
+        </p:txBody>
+      </p:sp>
+      <p:sp>
+        <p:nvSpPr>
+          <p:cNvPr id="39" name="Google Shape;39;p9"/>
+          <p:cNvSpPr txBox="1">
+            <a:spLocks noGrp="1"/>
+          </p:cNvSpPr>
+          <p:nvPr>
+            <p:ph type="body" idx="2"/>
+          </p:nvPr>
+        </p:nvSpPr>
+        <p:spPr>
+          <a:xfrm>
+            <a:off x="4939500" y="724075"/>
+            <a:ext cx="3837000" cy="3695100"/>
+          </a:xfrm>
+          <a:prstGeom prst="rect">
+            <a:avLst/>
+          </a:prstGeom>
+        </p:spPr>
+        <p:txBody>
+          <a:bodyPr spcFirstLastPara="1" wrap="square" lIns="91425" tIns="91425" rIns="91425" bIns="91425" anchor="ctr" anchorCtr="0">
+            <a:normAutofit/>
+          </a:bodyPr>
+          <a:lstStyle>
+            <a:lvl1pPr marL="457200" lvl="0" indent="-342900">
+              <a:spcBef>
+                <a:spcPts val="0"/>
+              </a:spcBef>
+              <a:spcAft>
+                <a:spcPts val="0"/>
+              </a:spcAft>
+              <a:buSzPts val="1800"/>
+              <a:buChar char="●"/>
+              <a:defRPr/>
+            </a:lvl1pPr>
+            <a:lvl2pPr marL="914400" lvl="1" indent="-317500">
+              <a:spcBef>
+                <a:spcPts val="0"/>
+              </a:spcBef>
+              <a:spcAft>
+                <a:spcPts val="0"/>
+              </a:spcAft>
+              <a:buSzPts val="1400"/>
+              <a:buChar char="○"/>
+              <a:defRPr/>
+            </a:lvl2pPr>
+            <a:lvl3pPr marL="1371600" lvl="2" indent="-317500">
+              <a:spcBef>
+                <a:spcPts val="0"/>
+              </a:spcBef>
+              <a:spcAft>
+                <a:spcPts val="0"/>
+              </a:spcAft>
+              <a:buSzPts val="1400"/>
+              <a:buChar char="■"/>
+              <a:defRPr/>
+            </a:lvl3pPr>
+            <a:lvl4pPr marL="1828800" lvl="3" indent="-317500">
+              <a:spcBef>
+                <a:spcPts val="0"/>
+              </a:spcBef>
+              <a:spcAft>
+                <a:spcPts val="0"/>
+              </a:spcAft>
+              <a:buSzPts val="1400"/>
+              <a:buChar char="●"/>
+              <a:defRPr/>
+            </a:lvl4pPr>
+            <a:lvl5pPr marL="2286000" lvl="4" indent="-317500">
+              <a:spcBef>
+                <a:spcPts val="0"/>
+              </a:spcBef>
+              <a:spcAft>
+                <a:spcPts val="0"/>
+              </a:spcAft>
+              <a:buSzPts val="1400"/>
+              <a:buChar char="○"/>
+              <a:defRPr/>
+            </a:lvl5pPr>
+            <a:lvl6pPr marL="2743200" lvl="5" indent="-317500">
+              <a:spcBef>
+                <a:spcPts val="0"/>
+              </a:spcBef>
+              <a:spcAft>
+                <a:spcPts val="0"/>
+              </a:spcAft>
+              <a:buSzPts val="1400"/>
+              <a:buChar char="■"/>
+              <a:defRPr/>
+            </a:lvl6pPr>
+            <a:lvl7pPr marL="3200400" lvl="6" indent="-317500">
+              <a:spcBef>
+                <a:spcPts val="0"/>
+              </a:spcBef>
+              <a:spcAft>
+                <a:spcPts val="0"/>
+              </a:spcAft>
+              <a:buSzPts val="1400"/>
+              <a:buChar char="●"/>
+              <a:defRPr/>
+            </a:lvl7pPr>
+            <a:lvl8pPr marL="3657600" lvl="7" indent="-317500">
+              <a:spcBef>
+                <a:spcPts val="0"/>
+              </a:spcBef>
+              <a:spcAft>
+                <a:spcPts val="0"/>
+              </a:spcAft>
+              <a:buSzPts val="1400"/>
+              <a:buChar char="○"/>
+              <a:defRPr/>
+            </a:lvl8pPr>
+            <a:lvl9pPr marL="4114800" lvl="8" indent="-317500">
+              <a:spcBef>
+                <a:spcPts val="0"/>
+              </a:spcBef>
+              <a:spcAft>
+                <a:spcPts val="0"/>
+              </a:spcAft>
+              <a:buSzPts val="1400"/>
+              <a:buChar char="■"/>
+              <a:defRPr/>
+            </a:lvl9pPr>
+          </a:lstStyle>
+          <a:p>
+            <a:endParaRPr/>
+          </a:p>
+        </p:txBody>
+      </p:sp>
+      <p:sp>
+        <p:nvSpPr>
+          <p:cNvPr id="40" name="Google Shape;40;p9"/>
+          <p:cNvSpPr txBox="1">
+            <a:spLocks noGrp="1"/>
+          </p:cNvSpPr>
+          <p:nvPr>
+            <p:ph type="sldNum" idx="12"/>
+          </p:nvPr>
+        </p:nvSpPr>
+        <p:spPr>
+          <a:xfrm>
+            <a:off x="8472458" y="4663217"/>
+            <a:ext cx="548700" cy="393600"/>
+          </a:xfrm>
+          <a:prstGeom prst="rect">
+            <a:avLst/>
+          </a:prstGeom>
+        </p:spPr>
+        <p:txBody>
+          <a:bodyPr spcFirstLastPara="1" wrap="square" lIns="91425" tIns="91425" rIns="91425" bIns="91425" anchor="ctr" anchorCtr="0">
             <a:normAutofit/>
           </a:bodyPr>
           <a:lstStyle>
             <a:lvl1pPr lvl="0">
-              <a:spcBef>
-                <a:spcPts val="0"/>
-              </a:spcBef>
-              <a:spcAft>
-                <a:spcPts val="0"/>
-              </a:spcAft>
-              <a:buSzPts val="4800"/>
-              <a:buNone/>
-              <a:defRPr sz="4800"/>
-            </a:lvl1pPr>
-            <a:lvl2pPr lvl="1">
-              <a:spcBef>
-                <a:spcPts val="0"/>
-              </a:spcBef>
-              <a:spcAft>
-                <a:spcPts val="0"/>
-              </a:spcAft>
-              <a:buSzPts val="4800"/>
-              <a:buNone/>
-              <a:defRPr sz="4800"/>
-            </a:lvl2pPr>
-            <a:lvl3pPr lvl="2">
-              <a:spcBef>
-                <a:spcPts val="0"/>
-              </a:spcBef>
-              <a:spcAft>
-                <a:spcPts val="0"/>
-              </a:spcAft>
-              <a:buSzPts val="4800"/>
-              <a:buNone/>
-              <a:defRPr sz="4800"/>
-            </a:lvl3pPr>
-            <a:lvl4pPr lvl="3">
-              <a:spcBef>
-                <a:spcPts val="0"/>
-              </a:spcBef>
-              <a:spcAft>
-                <a:spcPts val="0"/>
-              </a:spcAft>
-              <a:buSzPts val="4800"/>
-              <a:buNone/>
-              <a:defRPr sz="4800"/>
-            </a:lvl4pPr>
-            <a:lvl5pPr lvl="4">
-              <a:spcBef>
-                <a:spcPts val="0"/>
-              </a:spcBef>
-              <a:spcAft>
-                <a:spcPts val="0"/>
-              </a:spcAft>
-              <a:buSzPts val="4800"/>
-              <a:buNone/>
-              <a:defRPr sz="4800"/>
-            </a:lvl5pPr>
-            <a:lvl6pPr lvl="5">
-              <a:spcBef>
-                <a:spcPts val="0"/>
-              </a:spcBef>
-              <a:spcAft>
-                <a:spcPts val="0"/>
-              </a:spcAft>
-              <a:buSzPts val="4800"/>
-              <a:buNone/>
-              <a:defRPr sz="4800"/>
-            </a:lvl6pPr>
-            <a:lvl7pPr lvl="6">
-              <a:spcBef>
-                <a:spcPts val="0"/>
-              </a:spcBef>
-              <a:spcAft>
-                <a:spcPts val="0"/>
-              </a:spcAft>
-              <a:buSzPts val="4800"/>
-              <a:buNone/>
-              <a:defRPr sz="4800"/>
-            </a:lvl7pPr>
-            <a:lvl8pPr lvl="7">
-              <a:spcBef>
-                <a:spcPts val="0"/>
-              </a:spcBef>
-              <a:spcAft>
-                <a:spcPts val="0"/>
-              </a:spcAft>
-              <a:buSzPts val="4800"/>
-              <a:buNone/>
-              <a:defRPr sz="4800"/>
-            </a:lvl8pPr>
-            <a:lvl9pPr lvl="8">
-              <a:spcBef>
-                <a:spcPts val="0"/>
-              </a:spcBef>
-              <a:spcAft>
-                <a:spcPts val="0"/>
-              </a:spcAft>
-              <a:buSzPts val="4800"/>
-              <a:buNone/>
-              <a:defRPr sz="4800"/>
-            </a:lvl9pPr>
-          </a:lstStyle>
-          <a:p/>
-        </p:txBody>
-      </p:sp>
-      <p:sp>
-        <p:nvSpPr>
-          <p:cNvPr id="34" name="Google Shape;34;p8"/>
-          <p:cNvSpPr txBox="1"/>
-          <p:nvPr>
-            <p:ph idx="12" type="sldNum"/>
-          </p:nvPr>
-        </p:nvSpPr>
-        <p:spPr>
-          <a:xfrm>
-            <a:off x="8472458" y="4663217"/>
-            <a:ext cx="548700" cy="393600"/>
-          </a:xfrm>
-          <a:prstGeom prst="rect">
-            <a:avLst/>
-          </a:prstGeom>
-        </p:spPr>
-        <p:txBody>
-          <a:bodyPr anchorCtr="0" anchor="ctr" bIns="91425" lIns="91425" spcFirstLastPara="1" rIns="91425" wrap="square" tIns="91425">
-            <a:normAutofit/>
-          </a:bodyPr>
-          <a:lstStyle>
-            <a:lvl1pPr lvl="0">
               <a:buNone/>
               <a:defRPr/>
             </a:lvl1pPr>
@@ -4259,7 +4586,7 @@
             </a:lvl9pPr>
           </a:lstStyle>
           <a:p>
-            <a:pPr indent="0" lvl="0" marL="0" rtl="0" algn="r">
+            <a:pPr marL="0" lvl="0" indent="0" algn="r" rtl="0">
               <a:spcBef>
                 <a:spcPts val="0"/>
               </a:spcBef>
@@ -4284,12 +4611,12 @@
 </p:sldLayout>
 </file>
 
-<file path=ppt/slideLayouts/slideLayout8.xml><?xml version="1.0" encoding="utf-8"?>
-<p:sldLayout xmlns:a="http://schemas.openxmlformats.org/drawingml/2006/main" xmlns:r="http://schemas.openxmlformats.org/officeDocument/2006/relationships" xmlns:mc="http://schemas.openxmlformats.org/markup-compatibility/2006" xmlns:mv="urn:schemas-microsoft-com:mac:vml" xmlns:p="http://schemas.openxmlformats.org/presentationml/2006/main" xmlns:c="http://schemas.openxmlformats.org/drawingml/2006/chart" xmlns:dgm="http://schemas.openxmlformats.org/drawingml/2006/diagram" xmlns:o="urn:schemas-microsoft-com:office:office" xmlns:v="urn:schemas-microsoft-com:vml" xmlns:pvml="urn:schemas-microsoft-com:office:powerpoint" xmlns:com="http://schemas.openxmlformats.org/drawingml/2006/compatibility" xmlns:p14="http://schemas.microsoft.com/office/powerpoint/2010/main" xmlns:p15="http://schemas.microsoft.com/office/powerpoint/2012/main" xmlns:ahyp="http://schemas.microsoft.com/office/drawing/2018/hyperlinkcolor" matchingName="Section title and description">
-  <p:cSld name="SECTION_TITLE_AND_DESCRIPTION">
+<file path=ppt/slideLayouts/slideLayout9.xml><?xml version="1.0" encoding="utf-8"?>
+<p:sldLayout xmlns:a="http://schemas.openxmlformats.org/drawingml/2006/main" xmlns:r="http://schemas.openxmlformats.org/officeDocument/2006/relationships" xmlns:p="http://schemas.openxmlformats.org/presentationml/2006/main" matchingName="Caption">
+  <p:cSld name="CAPTION_ONLY">
     <p:spTree>
       <p:nvGrpSpPr>
-        <p:cNvPr id="35" name="Shape 35"/>
+        <p:cNvPr id="1" name="Shape 41"/>
         <p:cNvGrpSpPr/>
         <p:nvPr/>
       </p:nvGrpSpPr>
@@ -4303,455 +4630,56 @@
       </p:grpSpPr>
       <p:sp>
         <p:nvSpPr>
-          <p:cNvPr id="36" name="Google Shape;36;p9"/>
-          <p:cNvSpPr/>
-          <p:nvPr/>
-        </p:nvSpPr>
-        <p:spPr>
-          <a:xfrm>
-            <a:off x="4572000" y="-125"/>
-            <a:ext cx="4572000" cy="5143500"/>
+          <p:cNvPr id="42" name="Google Shape;42;p10"/>
+          <p:cNvSpPr txBox="1">
+            <a:spLocks noGrp="1"/>
+          </p:cNvSpPr>
+          <p:nvPr>
+            <p:ph type="body" idx="1"/>
+          </p:nvPr>
+        </p:nvSpPr>
+        <p:spPr>
+          <a:xfrm>
+            <a:off x="311700" y="4230575"/>
+            <a:ext cx="5998800" cy="605100"/>
           </a:xfrm>
           <a:prstGeom prst="rect">
             <a:avLst/>
           </a:prstGeom>
-          <a:solidFill>
-            <a:schemeClr val="lt2"/>
-          </a:solidFill>
-          <a:ln>
-            <a:noFill/>
-          </a:ln>
         </p:spPr>
         <p:txBody>
-          <a:bodyPr anchorCtr="0" anchor="ctr" bIns="91425" lIns="91425" spcFirstLastPara="1" rIns="91425" wrap="square" tIns="91425">
-            <a:noAutofit/>
+          <a:bodyPr spcFirstLastPara="1" wrap="square" lIns="91425" tIns="91425" rIns="91425" bIns="91425" anchor="ctr" anchorCtr="0">
+            <a:normAutofit/>
           </a:bodyPr>
-          <a:lstStyle/>
+          <a:lstStyle>
+            <a:lvl1pPr marL="457200" lvl="0" indent="-228600">
+              <a:lnSpc>
+                <a:spcPct val="100000"/>
+              </a:lnSpc>
+              <a:spcBef>
+                <a:spcPts val="0"/>
+              </a:spcBef>
+              <a:spcAft>
+                <a:spcPts val="0"/>
+              </a:spcAft>
+              <a:buSzPts val="1800"/>
+              <a:buNone/>
+              <a:defRPr/>
+            </a:lvl1pPr>
+          </a:lstStyle>
           <a:p>
-            <a:pPr indent="0" lvl="0" marL="0" rtl="0" algn="l">
-              <a:spcBef>
-                <a:spcPts val="0"/>
-              </a:spcBef>
-              <a:spcAft>
-                <a:spcPts val="0"/>
-              </a:spcAft>
-              <a:buNone/>
-            </a:pPr>
-            <a:r>
-              <a:t/>
-            </a:r>
             <a:endParaRPr/>
           </a:p>
         </p:txBody>
       </p:sp>
       <p:sp>
         <p:nvSpPr>
-          <p:cNvPr id="37" name="Google Shape;37;p9"/>
-          <p:cNvSpPr txBox="1"/>
-          <p:nvPr>
-            <p:ph type="title"/>
-          </p:nvPr>
-        </p:nvSpPr>
-        <p:spPr>
-          <a:xfrm>
-            <a:off x="265500" y="1233175"/>
-            <a:ext cx="4045200" cy="1482300"/>
-          </a:xfrm>
-          <a:prstGeom prst="rect">
-            <a:avLst/>
-          </a:prstGeom>
-        </p:spPr>
-        <p:txBody>
-          <a:bodyPr anchorCtr="0" anchor="b" bIns="91425" lIns="91425" spcFirstLastPara="1" rIns="91425" wrap="square" tIns="91425">
-            <a:normAutofit/>
-          </a:bodyPr>
-          <a:lstStyle>
-            <a:lvl1pPr lvl="0" algn="ctr">
-              <a:spcBef>
-                <a:spcPts val="0"/>
-              </a:spcBef>
-              <a:spcAft>
-                <a:spcPts val="0"/>
-              </a:spcAft>
-              <a:buSzPts val="4200"/>
-              <a:buNone/>
-              <a:defRPr sz="4200"/>
-            </a:lvl1pPr>
-            <a:lvl2pPr lvl="1" algn="ctr">
-              <a:spcBef>
-                <a:spcPts val="0"/>
-              </a:spcBef>
-              <a:spcAft>
-                <a:spcPts val="0"/>
-              </a:spcAft>
-              <a:buSzPts val="4200"/>
-              <a:buNone/>
-              <a:defRPr sz="4200"/>
-            </a:lvl2pPr>
-            <a:lvl3pPr lvl="2" algn="ctr">
-              <a:spcBef>
-                <a:spcPts val="0"/>
-              </a:spcBef>
-              <a:spcAft>
-                <a:spcPts val="0"/>
-              </a:spcAft>
-              <a:buSzPts val="4200"/>
-              <a:buNone/>
-              <a:defRPr sz="4200"/>
-            </a:lvl3pPr>
-            <a:lvl4pPr lvl="3" algn="ctr">
-              <a:spcBef>
-                <a:spcPts val="0"/>
-              </a:spcBef>
-              <a:spcAft>
-                <a:spcPts val="0"/>
-              </a:spcAft>
-              <a:buSzPts val="4200"/>
-              <a:buNone/>
-              <a:defRPr sz="4200"/>
-            </a:lvl4pPr>
-            <a:lvl5pPr lvl="4" algn="ctr">
-              <a:spcBef>
-                <a:spcPts val="0"/>
-              </a:spcBef>
-              <a:spcAft>
-                <a:spcPts val="0"/>
-              </a:spcAft>
-              <a:buSzPts val="4200"/>
-              <a:buNone/>
-              <a:defRPr sz="4200"/>
-            </a:lvl5pPr>
-            <a:lvl6pPr lvl="5" algn="ctr">
-              <a:spcBef>
-                <a:spcPts val="0"/>
-              </a:spcBef>
-              <a:spcAft>
-                <a:spcPts val="0"/>
-              </a:spcAft>
-              <a:buSzPts val="4200"/>
-              <a:buNone/>
-              <a:defRPr sz="4200"/>
-            </a:lvl6pPr>
-            <a:lvl7pPr lvl="6" algn="ctr">
-              <a:spcBef>
-                <a:spcPts val="0"/>
-              </a:spcBef>
-              <a:spcAft>
-                <a:spcPts val="0"/>
-              </a:spcAft>
-              <a:buSzPts val="4200"/>
-              <a:buNone/>
-              <a:defRPr sz="4200"/>
-            </a:lvl7pPr>
-            <a:lvl8pPr lvl="7" algn="ctr">
-              <a:spcBef>
-                <a:spcPts val="0"/>
-              </a:spcBef>
-              <a:spcAft>
-                <a:spcPts val="0"/>
-              </a:spcAft>
-              <a:buSzPts val="4200"/>
-              <a:buNone/>
-              <a:defRPr sz="4200"/>
-            </a:lvl8pPr>
-            <a:lvl9pPr lvl="8" algn="ctr">
-              <a:spcBef>
-                <a:spcPts val="0"/>
-              </a:spcBef>
-              <a:spcAft>
-                <a:spcPts val="0"/>
-              </a:spcAft>
-              <a:buSzPts val="4200"/>
-              <a:buNone/>
-              <a:defRPr sz="4200"/>
-            </a:lvl9pPr>
-          </a:lstStyle>
-          <a:p/>
-        </p:txBody>
-      </p:sp>
-      <p:sp>
-        <p:nvSpPr>
-          <p:cNvPr id="38" name="Google Shape;38;p9"/>
-          <p:cNvSpPr txBox="1"/>
-          <p:nvPr>
-            <p:ph idx="1" type="subTitle"/>
-          </p:nvPr>
-        </p:nvSpPr>
-        <p:spPr>
-          <a:xfrm>
-            <a:off x="265500" y="2803075"/>
-            <a:ext cx="4045200" cy="1235100"/>
-          </a:xfrm>
-          <a:prstGeom prst="rect">
-            <a:avLst/>
-          </a:prstGeom>
-        </p:spPr>
-        <p:txBody>
-          <a:bodyPr anchorCtr="0" anchor="t" bIns="91425" lIns="91425" spcFirstLastPara="1" rIns="91425" wrap="square" tIns="91425">
-            <a:normAutofit/>
-          </a:bodyPr>
-          <a:lstStyle>
-            <a:lvl1pPr lvl="0" algn="ctr">
-              <a:lnSpc>
-                <a:spcPct val="100000"/>
-              </a:lnSpc>
-              <a:spcBef>
-                <a:spcPts val="0"/>
-              </a:spcBef>
-              <a:spcAft>
-                <a:spcPts val="0"/>
-              </a:spcAft>
-              <a:buSzPts val="2100"/>
-              <a:buNone/>
-              <a:defRPr sz="2100"/>
-            </a:lvl1pPr>
-            <a:lvl2pPr lvl="1" algn="ctr">
-              <a:lnSpc>
-                <a:spcPct val="100000"/>
-              </a:lnSpc>
-              <a:spcBef>
-                <a:spcPts val="0"/>
-              </a:spcBef>
-              <a:spcAft>
-                <a:spcPts val="0"/>
-              </a:spcAft>
-              <a:buSzPts val="2100"/>
-              <a:buNone/>
-              <a:defRPr sz="2100"/>
-            </a:lvl2pPr>
-            <a:lvl3pPr lvl="2" algn="ctr">
-              <a:lnSpc>
-                <a:spcPct val="100000"/>
-              </a:lnSpc>
-              <a:spcBef>
-                <a:spcPts val="0"/>
-              </a:spcBef>
-              <a:spcAft>
-                <a:spcPts val="0"/>
-              </a:spcAft>
-              <a:buSzPts val="2100"/>
-              <a:buNone/>
-              <a:defRPr sz="2100"/>
-            </a:lvl3pPr>
-            <a:lvl4pPr lvl="3" algn="ctr">
-              <a:lnSpc>
-                <a:spcPct val="100000"/>
-              </a:lnSpc>
-              <a:spcBef>
-                <a:spcPts val="0"/>
-              </a:spcBef>
-              <a:spcAft>
-                <a:spcPts val="0"/>
-              </a:spcAft>
-              <a:buSzPts val="2100"/>
-              <a:buNone/>
-              <a:defRPr sz="2100"/>
-            </a:lvl4pPr>
-            <a:lvl5pPr lvl="4" algn="ctr">
-              <a:lnSpc>
-                <a:spcPct val="100000"/>
-              </a:lnSpc>
-              <a:spcBef>
-                <a:spcPts val="0"/>
-              </a:spcBef>
-              <a:spcAft>
-                <a:spcPts val="0"/>
-              </a:spcAft>
-              <a:buSzPts val="2100"/>
-              <a:buNone/>
-              <a:defRPr sz="2100"/>
-            </a:lvl5pPr>
-            <a:lvl6pPr lvl="5" algn="ctr">
-              <a:lnSpc>
-                <a:spcPct val="100000"/>
-              </a:lnSpc>
-              <a:spcBef>
-                <a:spcPts val="0"/>
-              </a:spcBef>
-              <a:spcAft>
-                <a:spcPts val="0"/>
-              </a:spcAft>
-              <a:buSzPts val="2100"/>
-              <a:buNone/>
-              <a:defRPr sz="2100"/>
-            </a:lvl6pPr>
-            <a:lvl7pPr lvl="6" algn="ctr">
-              <a:lnSpc>
-                <a:spcPct val="100000"/>
-              </a:lnSpc>
-              <a:spcBef>
-                <a:spcPts val="0"/>
-              </a:spcBef>
-              <a:spcAft>
-                <a:spcPts val="0"/>
-              </a:spcAft>
-              <a:buSzPts val="2100"/>
-              <a:buNone/>
-              <a:defRPr sz="2100"/>
-            </a:lvl7pPr>
-            <a:lvl8pPr lvl="7" algn="ctr">
-              <a:lnSpc>
-                <a:spcPct val="100000"/>
-              </a:lnSpc>
-              <a:spcBef>
-                <a:spcPts val="0"/>
-              </a:spcBef>
-              <a:spcAft>
-                <a:spcPts val="0"/>
-              </a:spcAft>
-              <a:buSzPts val="2100"/>
-              <a:buNone/>
-              <a:defRPr sz="2100"/>
-            </a:lvl8pPr>
-            <a:lvl9pPr lvl="8" algn="ctr">
-              <a:lnSpc>
-                <a:spcPct val="100000"/>
-              </a:lnSpc>
-              <a:spcBef>
-                <a:spcPts val="0"/>
-              </a:spcBef>
-              <a:spcAft>
-                <a:spcPts val="0"/>
-              </a:spcAft>
-              <a:buSzPts val="2100"/>
-              <a:buNone/>
-              <a:defRPr sz="2100"/>
-            </a:lvl9pPr>
-          </a:lstStyle>
-          <a:p/>
-        </p:txBody>
-      </p:sp>
-      <p:sp>
-        <p:nvSpPr>
-          <p:cNvPr id="39" name="Google Shape;39;p9"/>
-          <p:cNvSpPr txBox="1"/>
-          <p:nvPr>
-            <p:ph idx="2" type="body"/>
-          </p:nvPr>
-        </p:nvSpPr>
-        <p:spPr>
-          <a:xfrm>
-            <a:off x="4939500" y="724075"/>
-            <a:ext cx="3837000" cy="3695100"/>
-          </a:xfrm>
-          <a:prstGeom prst="rect">
-            <a:avLst/>
-          </a:prstGeom>
-        </p:spPr>
-        <p:txBody>
-          <a:bodyPr anchorCtr="0" anchor="ctr" bIns="91425" lIns="91425" spcFirstLastPara="1" rIns="91425" wrap="square" tIns="91425">
-            <a:normAutofit/>
-          </a:bodyPr>
-          <a:lstStyle>
-            <a:lvl1pPr indent="-342900" lvl="0" marL="457200">
-              <a:spcBef>
-                <a:spcPts val="0"/>
-              </a:spcBef>
-              <a:spcAft>
-                <a:spcPts val="0"/>
-              </a:spcAft>
-              <a:buSzPts val="1800"/>
-              <a:buChar char="●"/>
-              <a:defRPr/>
-            </a:lvl1pPr>
-            <a:lvl2pPr indent="-317500" lvl="1" marL="914400">
-              <a:spcBef>
-                <a:spcPts val="0"/>
-              </a:spcBef>
-              <a:spcAft>
-                <a:spcPts val="0"/>
-              </a:spcAft>
-              <a:buSzPts val="1400"/>
-              <a:buChar char="○"/>
-              <a:defRPr/>
-            </a:lvl2pPr>
-            <a:lvl3pPr indent="-317500" lvl="2" marL="1371600">
-              <a:spcBef>
-                <a:spcPts val="0"/>
-              </a:spcBef>
-              <a:spcAft>
-                <a:spcPts val="0"/>
-              </a:spcAft>
-              <a:buSzPts val="1400"/>
-              <a:buChar char="■"/>
-              <a:defRPr/>
-            </a:lvl3pPr>
-            <a:lvl4pPr indent="-317500" lvl="3" marL="1828800">
-              <a:spcBef>
-                <a:spcPts val="0"/>
-              </a:spcBef>
-              <a:spcAft>
-                <a:spcPts val="0"/>
-              </a:spcAft>
-              <a:buSzPts val="1400"/>
-              <a:buChar char="●"/>
-              <a:defRPr/>
-            </a:lvl4pPr>
-            <a:lvl5pPr indent="-317500" lvl="4" marL="2286000">
-              <a:spcBef>
-                <a:spcPts val="0"/>
-              </a:spcBef>
-              <a:spcAft>
-                <a:spcPts val="0"/>
-              </a:spcAft>
-              <a:buSzPts val="1400"/>
-              <a:buChar char="○"/>
-              <a:defRPr/>
-            </a:lvl5pPr>
-            <a:lvl6pPr indent="-317500" lvl="5" marL="2743200">
-              <a:spcBef>
-                <a:spcPts val="0"/>
-              </a:spcBef>
-              <a:spcAft>
-                <a:spcPts val="0"/>
-              </a:spcAft>
-              <a:buSzPts val="1400"/>
-              <a:buChar char="■"/>
-              <a:defRPr/>
-            </a:lvl6pPr>
-            <a:lvl7pPr indent="-317500" lvl="6" marL="3200400">
-              <a:spcBef>
-                <a:spcPts val="0"/>
-              </a:spcBef>
-              <a:spcAft>
-                <a:spcPts val="0"/>
-              </a:spcAft>
-              <a:buSzPts val="1400"/>
-              <a:buChar char="●"/>
-              <a:defRPr/>
-            </a:lvl7pPr>
-            <a:lvl8pPr indent="-317500" lvl="7" marL="3657600">
-              <a:spcBef>
-                <a:spcPts val="0"/>
-              </a:spcBef>
-              <a:spcAft>
-                <a:spcPts val="0"/>
-              </a:spcAft>
-              <a:buSzPts val="1400"/>
-              <a:buChar char="○"/>
-              <a:defRPr/>
-            </a:lvl8pPr>
-            <a:lvl9pPr indent="-317500" lvl="8" marL="4114800">
-              <a:spcBef>
-                <a:spcPts val="0"/>
-              </a:spcBef>
-              <a:spcAft>
-                <a:spcPts val="0"/>
-              </a:spcAft>
-              <a:buSzPts val="1400"/>
-              <a:buChar char="■"/>
-              <a:defRPr/>
-            </a:lvl9pPr>
-          </a:lstStyle>
-          <a:p/>
-        </p:txBody>
-      </p:sp>
-      <p:sp>
-        <p:nvSpPr>
-          <p:cNvPr id="40" name="Google Shape;40;p9"/>
-          <p:cNvSpPr txBox="1"/>
-          <p:nvPr>
-            <p:ph idx="12" type="sldNum"/>
+          <p:cNvPr id="43" name="Google Shape;43;p10"/>
+          <p:cNvSpPr txBox="1">
+            <a:spLocks noGrp="1"/>
+          </p:cNvSpPr>
+          <p:nvPr>
+            <p:ph type="sldNum" idx="12"/>
           </p:nvPr>
         </p:nvSpPr>
         <p:spPr>
@@ -4764,7 +4692,7 @@
           </a:prstGeom>
         </p:spPr>
         <p:txBody>
-          <a:bodyPr anchorCtr="0" anchor="ctr" bIns="91425" lIns="91425" spcFirstLastPara="1" rIns="91425" wrap="square" tIns="91425">
+          <a:bodyPr spcFirstLastPara="1" wrap="square" lIns="91425" tIns="91425" rIns="91425" bIns="91425" anchor="ctr" anchorCtr="0">
             <a:normAutofit/>
           </a:bodyPr>
           <a:lstStyle>
@@ -4806,7 +4734,7 @@
             </a:lvl9pPr>
           </a:lstStyle>
           <a:p>
-            <a:pPr indent="0" lvl="0" marL="0" rtl="0" algn="r">
+            <a:pPr marL="0" lvl="0" indent="0" algn="r" rtl="0">
               <a:spcBef>
                 <a:spcPts val="0"/>
               </a:spcBef>
@@ -4831,12 +4759,20 @@
 </p:sldLayout>
 </file>
 
-<file path=ppt/slideLayouts/slideLayout9.xml><?xml version="1.0" encoding="utf-8"?>
-<p:sldLayout xmlns:a="http://schemas.openxmlformats.org/drawingml/2006/main" xmlns:r="http://schemas.openxmlformats.org/officeDocument/2006/relationships" xmlns:mc="http://schemas.openxmlformats.org/markup-compatibility/2006" xmlns:mv="urn:schemas-microsoft-com:mac:vml" xmlns:p="http://schemas.openxmlformats.org/presentationml/2006/main" xmlns:c="http://schemas.openxmlformats.org/drawingml/2006/chart" xmlns:dgm="http://schemas.openxmlformats.org/drawingml/2006/diagram" xmlns:o="urn:schemas-microsoft-com:office:office" xmlns:v="urn:schemas-microsoft-com:vml" xmlns:pvml="urn:schemas-microsoft-com:office:powerpoint" xmlns:com="http://schemas.openxmlformats.org/drawingml/2006/compatibility" xmlns:p14="http://schemas.microsoft.com/office/powerpoint/2010/main" xmlns:p15="http://schemas.microsoft.com/office/powerpoint/2012/main" xmlns:ahyp="http://schemas.microsoft.com/office/drawing/2018/hyperlinkcolor" matchingName="Caption">
-  <p:cSld name="CAPTION_ONLY">
+<file path=ppt/slideMasters/slideMaster1.xml><?xml version="1.0" encoding="utf-8"?>
+<p:sldMaster xmlns:a="http://schemas.openxmlformats.org/drawingml/2006/main" xmlns:r="http://schemas.openxmlformats.org/officeDocument/2006/relationships" xmlns:p="http://schemas.openxmlformats.org/presentationml/2006/main">
+  <p:cSld name="simple-light-2">
+    <p:bg>
+      <p:bgPr>
+        <a:solidFill>
+          <a:schemeClr val="lt1"/>
+        </a:solidFill>
+        <a:effectLst/>
+      </p:bgPr>
+    </p:bg>
     <p:spTree>
       <p:nvGrpSpPr>
-        <p:cNvPr id="41" name="Shape 41"/>
+        <p:cNvPr id="1" name="Shape 5"/>
         <p:cNvGrpSpPr/>
         <p:nvPr/>
       </p:nvGrpSpPr>
@@ -4850,157 +4786,10 @@
       </p:grpSpPr>
       <p:sp>
         <p:nvSpPr>
-          <p:cNvPr id="42" name="Google Shape;42;p10"/>
-          <p:cNvSpPr txBox="1"/>
-          <p:nvPr>
-            <p:ph idx="1" type="body"/>
-          </p:nvPr>
-        </p:nvSpPr>
-        <p:spPr>
-          <a:xfrm>
-            <a:off x="311700" y="4230575"/>
-            <a:ext cx="5998800" cy="605100"/>
-          </a:xfrm>
-          <a:prstGeom prst="rect">
-            <a:avLst/>
-          </a:prstGeom>
-        </p:spPr>
-        <p:txBody>
-          <a:bodyPr anchorCtr="0" anchor="ctr" bIns="91425" lIns="91425" spcFirstLastPara="1" rIns="91425" wrap="square" tIns="91425">
-            <a:normAutofit/>
-          </a:bodyPr>
-          <a:lstStyle>
-            <a:lvl1pPr indent="-228600" lvl="0" marL="457200">
-              <a:lnSpc>
-                <a:spcPct val="100000"/>
-              </a:lnSpc>
-              <a:spcBef>
-                <a:spcPts val="0"/>
-              </a:spcBef>
-              <a:spcAft>
-                <a:spcPts val="0"/>
-              </a:spcAft>
-              <a:buSzPts val="1800"/>
-              <a:buNone/>
-              <a:defRPr/>
-            </a:lvl1pPr>
-          </a:lstStyle>
-          <a:p/>
-        </p:txBody>
-      </p:sp>
-      <p:sp>
-        <p:nvSpPr>
-          <p:cNvPr id="43" name="Google Shape;43;p10"/>
-          <p:cNvSpPr txBox="1"/>
-          <p:nvPr>
-            <p:ph idx="12" type="sldNum"/>
-          </p:nvPr>
-        </p:nvSpPr>
-        <p:spPr>
-          <a:xfrm>
-            <a:off x="8472458" y="4663217"/>
-            <a:ext cx="548700" cy="393600"/>
-          </a:xfrm>
-          <a:prstGeom prst="rect">
-            <a:avLst/>
-          </a:prstGeom>
-        </p:spPr>
-        <p:txBody>
-          <a:bodyPr anchorCtr="0" anchor="ctr" bIns="91425" lIns="91425" spcFirstLastPara="1" rIns="91425" wrap="square" tIns="91425">
-            <a:normAutofit/>
-          </a:bodyPr>
-          <a:lstStyle>
-            <a:lvl1pPr lvl="0">
-              <a:buNone/>
-              <a:defRPr/>
-            </a:lvl1pPr>
-            <a:lvl2pPr lvl="1">
-              <a:buNone/>
-              <a:defRPr/>
-            </a:lvl2pPr>
-            <a:lvl3pPr lvl="2">
-              <a:buNone/>
-              <a:defRPr/>
-            </a:lvl3pPr>
-            <a:lvl4pPr lvl="3">
-              <a:buNone/>
-              <a:defRPr/>
-            </a:lvl4pPr>
-            <a:lvl5pPr lvl="4">
-              <a:buNone/>
-              <a:defRPr/>
-            </a:lvl5pPr>
-            <a:lvl6pPr lvl="5">
-              <a:buNone/>
-              <a:defRPr/>
-            </a:lvl6pPr>
-            <a:lvl7pPr lvl="6">
-              <a:buNone/>
-              <a:defRPr/>
-            </a:lvl7pPr>
-            <a:lvl8pPr lvl="7">
-              <a:buNone/>
-              <a:defRPr/>
-            </a:lvl8pPr>
-            <a:lvl9pPr lvl="8">
-              <a:buNone/>
-              <a:defRPr/>
-            </a:lvl9pPr>
-          </a:lstStyle>
-          <a:p>
-            <a:pPr indent="0" lvl="0" marL="0" rtl="0" algn="r">
-              <a:spcBef>
-                <a:spcPts val="0"/>
-              </a:spcBef>
-              <a:spcAft>
-                <a:spcPts val="0"/>
-              </a:spcAft>
-              <a:buNone/>
-            </a:pPr>
-            <a:fld id="{00000000-1234-1234-1234-123412341234}" type="slidenum">
-              <a:rPr lang="en"/>
-              <a:t>‹#›</a:t>
-            </a:fld>
-            <a:endParaRPr/>
-          </a:p>
-        </p:txBody>
-      </p:sp>
-    </p:spTree>
-  </p:cSld>
-  <p:clrMapOvr>
-    <a:masterClrMapping/>
-  </p:clrMapOvr>
-</p:sldLayout>
-</file>
-
-<file path=ppt/slideMasters/slideMaster1.xml><?xml version="1.0" encoding="utf-8"?>
-<p:sldMaster xmlns:a="http://schemas.openxmlformats.org/drawingml/2006/main" xmlns:r="http://schemas.openxmlformats.org/officeDocument/2006/relationships" xmlns:mc="http://schemas.openxmlformats.org/markup-compatibility/2006" xmlns:mv="urn:schemas-microsoft-com:mac:vml" xmlns:p="http://schemas.openxmlformats.org/presentationml/2006/main" xmlns:c="http://schemas.openxmlformats.org/drawingml/2006/chart" xmlns:dgm="http://schemas.openxmlformats.org/drawingml/2006/diagram" xmlns:o="urn:schemas-microsoft-com:office:office" xmlns:v="urn:schemas-microsoft-com:vml" xmlns:pvml="urn:schemas-microsoft-com:office:powerpoint" xmlns:com="http://schemas.openxmlformats.org/drawingml/2006/compatibility" xmlns:p14="http://schemas.microsoft.com/office/powerpoint/2010/main" xmlns:p15="http://schemas.microsoft.com/office/powerpoint/2012/main" xmlns:ahyp="http://schemas.microsoft.com/office/drawing/2018/hyperlinkcolor">
-  <p:cSld name="simple-light-2">
-    <p:bg>
-      <p:bgPr>
-        <a:solidFill>
-          <a:schemeClr val="lt1"/>
-        </a:solidFill>
-      </p:bgPr>
-    </p:bg>
-    <p:spTree>
-      <p:nvGrpSpPr>
-        <p:cNvPr id="5" name="Shape 5"/>
-        <p:cNvGrpSpPr/>
-        <p:nvPr/>
-      </p:nvGrpSpPr>
-      <p:grpSpPr>
-        <a:xfrm>
-          <a:off x="0" y="0"/>
-          <a:ext cx="0" cy="0"/>
-          <a:chOff x="0" y="0"/>
-          <a:chExt cx="0" cy="0"/>
-        </a:xfrm>
-      </p:grpSpPr>
-      <p:sp>
-        <p:nvSpPr>
           <p:cNvPr id="6" name="Google Shape;6;p1"/>
-          <p:cNvSpPr txBox="1"/>
+          <p:cNvSpPr txBox="1">
+            <a:spLocks noGrp="1"/>
+          </p:cNvSpPr>
           <p:nvPr>
             <p:ph type="title"/>
           </p:nvPr>
@@ -5019,7 +4808,7 @@
           </a:ln>
         </p:spPr>
         <p:txBody>
-          <a:bodyPr anchorCtr="0" anchor="t" bIns="91425" lIns="91425" spcFirstLastPara="1" rIns="91425" wrap="square" tIns="91425">
+          <a:bodyPr spcFirstLastPara="1" wrap="square" lIns="91425" tIns="91425" rIns="91425" bIns="91425" anchor="t" anchorCtr="0">
             <a:normAutofit/>
           </a:bodyPr>
           <a:lstStyle>
@@ -5186,15 +4975,19 @@
               </a:defRPr>
             </a:lvl9pPr>
           </a:lstStyle>
-          <a:p/>
+          <a:p>
+            <a:endParaRPr/>
+          </a:p>
         </p:txBody>
       </p:sp>
       <p:sp>
         <p:nvSpPr>
           <p:cNvPr id="7" name="Google Shape;7;p1"/>
-          <p:cNvSpPr txBox="1"/>
-          <p:nvPr>
-            <p:ph idx="1" type="body"/>
+          <p:cNvSpPr txBox="1">
+            <a:spLocks noGrp="1"/>
+          </p:cNvSpPr>
+          <p:nvPr>
+            <p:ph type="body" idx="1"/>
           </p:nvPr>
         </p:nvSpPr>
         <p:spPr>
@@ -5211,11 +5004,11 @@
           </a:ln>
         </p:spPr>
         <p:txBody>
-          <a:bodyPr anchorCtr="0" anchor="t" bIns="91425" lIns="91425" spcFirstLastPara="1" rIns="91425" wrap="square" tIns="91425">
+          <a:bodyPr spcFirstLastPara="1" wrap="square" lIns="91425" tIns="91425" rIns="91425" bIns="91425" anchor="t" anchorCtr="0">
             <a:normAutofit/>
           </a:bodyPr>
           <a:lstStyle>
-            <a:lvl1pPr indent="-342900" lvl="0" marL="457200">
+            <a:lvl1pPr marL="457200" lvl="0" indent="-342900">
               <a:lnSpc>
                 <a:spcPct val="115000"/>
               </a:lnSpc>
@@ -5236,7 +5029,7 @@
                 </a:solidFill>
               </a:defRPr>
             </a:lvl1pPr>
-            <a:lvl2pPr indent="-317500" lvl="1" marL="914400">
+            <a:lvl2pPr marL="914400" lvl="1" indent="-317500">
               <a:lnSpc>
                 <a:spcPct val="115000"/>
               </a:lnSpc>
@@ -5257,7 +5050,7 @@
                 </a:solidFill>
               </a:defRPr>
             </a:lvl2pPr>
-            <a:lvl3pPr indent="-317500" lvl="2" marL="1371600">
+            <a:lvl3pPr marL="1371600" lvl="2" indent="-317500">
               <a:lnSpc>
                 <a:spcPct val="115000"/>
               </a:lnSpc>
@@ -5278,7 +5071,7 @@
                 </a:solidFill>
               </a:defRPr>
             </a:lvl3pPr>
-            <a:lvl4pPr indent="-317500" lvl="3" marL="1828800">
+            <a:lvl4pPr marL="1828800" lvl="3" indent="-317500">
               <a:lnSpc>
                 <a:spcPct val="115000"/>
               </a:lnSpc>
@@ -5299,7 +5092,7 @@
                 </a:solidFill>
               </a:defRPr>
             </a:lvl4pPr>
-            <a:lvl5pPr indent="-317500" lvl="4" marL="2286000">
+            <a:lvl5pPr marL="2286000" lvl="4" indent="-317500">
               <a:lnSpc>
                 <a:spcPct val="115000"/>
               </a:lnSpc>
@@ -5320,7 +5113,7 @@
                 </a:solidFill>
               </a:defRPr>
             </a:lvl5pPr>
-            <a:lvl6pPr indent="-317500" lvl="5" marL="2743200">
+            <a:lvl6pPr marL="2743200" lvl="5" indent="-317500">
               <a:lnSpc>
                 <a:spcPct val="115000"/>
               </a:lnSpc>
@@ -5341,7 +5134,7 @@
                 </a:solidFill>
               </a:defRPr>
             </a:lvl6pPr>
-            <a:lvl7pPr indent="-317500" lvl="6" marL="3200400">
+            <a:lvl7pPr marL="3200400" lvl="6" indent="-317500">
               <a:lnSpc>
                 <a:spcPct val="115000"/>
               </a:lnSpc>
@@ -5362,7 +5155,7 @@
                 </a:solidFill>
               </a:defRPr>
             </a:lvl7pPr>
-            <a:lvl8pPr indent="-317500" lvl="7" marL="3657600">
+            <a:lvl8pPr marL="3657600" lvl="7" indent="-317500">
               <a:lnSpc>
                 <a:spcPct val="115000"/>
               </a:lnSpc>
@@ -5383,7 +5176,7 @@
                 </a:solidFill>
               </a:defRPr>
             </a:lvl8pPr>
-            <a:lvl9pPr indent="-317500" lvl="8" marL="4114800">
+            <a:lvl9pPr marL="4114800" lvl="8" indent="-317500">
               <a:lnSpc>
                 <a:spcPct val="115000"/>
               </a:lnSpc>
@@ -5405,15 +5198,19 @@
               </a:defRPr>
             </a:lvl9pPr>
           </a:lstStyle>
-          <a:p/>
+          <a:p>
+            <a:endParaRPr/>
+          </a:p>
         </p:txBody>
       </p:sp>
       <p:sp>
         <p:nvSpPr>
           <p:cNvPr id="8" name="Google Shape;8;p1"/>
-          <p:cNvSpPr txBox="1"/>
-          <p:nvPr>
-            <p:ph idx="12" type="sldNum"/>
+          <p:cNvSpPr txBox="1">
+            <a:spLocks noGrp="1"/>
+          </p:cNvSpPr>
+          <p:nvPr>
+            <p:ph type="sldNum" idx="12"/>
           </p:nvPr>
         </p:nvSpPr>
         <p:spPr>
@@ -5430,7 +5227,7 @@
           </a:ln>
         </p:spPr>
         <p:txBody>
-          <a:bodyPr anchorCtr="0" anchor="ctr" bIns="91425" lIns="91425" spcFirstLastPara="1" rIns="91425" wrap="square" tIns="91425">
+          <a:bodyPr spcFirstLastPara="1" wrap="square" lIns="91425" tIns="91425" rIns="91425" bIns="91425" anchor="ctr" anchorCtr="0">
             <a:normAutofit/>
           </a:bodyPr>
           <a:lstStyle>
@@ -5508,7 +5305,7 @@
             </a:lvl9pPr>
           </a:lstStyle>
           <a:p>
-            <a:pPr indent="0" lvl="0" marL="0" rtl="0" algn="r">
+            <a:pPr marL="0" lvl="0" indent="0" algn="r" rtl="0">
               <a:spcBef>
                 <a:spcPts val="0"/>
               </a:spcBef>
@@ -5527,7 +5324,7 @@
       </p:sp>
     </p:spTree>
   </p:cSld>
-  <p:clrMap accent1="accent1" accent2="accent2" accent3="accent3" accent4="accent4" accent5="accent5" accent6="accent6" bg1="lt1" bg2="dk2" tx1="dk1" tx2="lt2" folHlink="folHlink" hlink="hlink"/>
+  <p:clrMap bg1="lt1" tx1="dk1" bg2="dk2" tx2="lt2" accent1="accent1" accent2="accent2" accent3="accent3" accent4="accent4" accent5="accent5" accent6="accent6" hlink="hlink" folHlink="folHlink"/>
   <p:sldLayoutIdLst>
     <p:sldLayoutId id="2147483648" r:id="rId1"/>
     <p:sldLayoutId id="2147483649" r:id="rId2"/>
@@ -5538,13 +5335,12 @@
     <p:sldLayoutId id="2147483654" r:id="rId7"/>
     <p:sldLayoutId id="2147483655" r:id="rId8"/>
     <p:sldLayoutId id="2147483656" r:id="rId9"/>
-    <p:sldLayoutId id="2147483657" r:id="rId10"/>
-    <p:sldLayoutId id="2147483658" r:id="rId11"/>
+    <p:sldLayoutId id="2147483658" r:id="rId10"/>
   </p:sldLayoutIdLst>
-  <p:hf dt="0" ftr="0" hdr="0" sldNum="0"/>
+  <p:hf sldNum="0" hdr="0" ftr="0" dt="0"/>
   <p:txStyles>
     <p:titleStyle>
-      <a:defPPr lvl="0" marR="0" rtl="0" algn="l">
+      <a:defPPr marR="0" lvl="0" algn="l" rtl="0">
         <a:lnSpc>
           <a:spcPct val="100000"/>
         </a:lnSpc>
@@ -5555,7 +5351,7 @@
           <a:spcPts val="0"/>
         </a:spcAft>
       </a:defPPr>
-      <a:lvl1pPr lvl="0" marR="0" rtl="0" algn="l">
+      <a:lvl1pPr marR="0" lvl="0" algn="l" rtl="0">
         <a:lnSpc>
           <a:spcPct val="100000"/>
         </a:lnSpc>
@@ -5569,7 +5365,7 @@
           <a:srgbClr val="000000"/>
         </a:buClr>
         <a:buFont typeface="Arial"/>
-        <a:defRPr b="0" i="0" sz="1400" u="none" cap="none" strike="noStrike">
+        <a:defRPr sz="1400" b="0" i="0" u="none" strike="noStrike" cap="none">
           <a:solidFill>
             <a:srgbClr val="000000"/>
           </a:solidFill>
@@ -5579,7 +5375,7 @@
           <a:sym typeface="Arial"/>
         </a:defRPr>
       </a:lvl1pPr>
-      <a:lvl2pPr lvl="1" marR="0" rtl="0" algn="l">
+      <a:lvl2pPr marR="0" lvl="1" algn="l" rtl="0">
         <a:lnSpc>
           <a:spcPct val="100000"/>
         </a:lnSpc>
@@ -5593,7 +5389,7 @@
           <a:srgbClr val="000000"/>
         </a:buClr>
         <a:buFont typeface="Arial"/>
-        <a:defRPr b="0" i="0" sz="1400" u="none" cap="none" strike="noStrike">
+        <a:defRPr sz="1400" b="0" i="0" u="none" strike="noStrike" cap="none">
           <a:solidFill>
             <a:srgbClr val="000000"/>
           </a:solidFill>
@@ -5603,7 +5399,7 @@
           <a:sym typeface="Arial"/>
         </a:defRPr>
       </a:lvl2pPr>
-      <a:lvl3pPr lvl="2" marR="0" rtl="0" algn="l">
+      <a:lvl3pPr marR="0" lvl="2" algn="l" rtl="0">
         <a:lnSpc>
           <a:spcPct val="100000"/>
         </a:lnSpc>
@@ -5617,7 +5413,7 @@
           <a:srgbClr val="000000"/>
         </a:buClr>
         <a:buFont typeface="Arial"/>
-        <a:defRPr b="0" i="0" sz="1400" u="none" cap="none" strike="noStrike">
+        <a:defRPr sz="1400" b="0" i="0" u="none" strike="noStrike" cap="none">
           <a:solidFill>
             <a:srgbClr val="000000"/>
           </a:solidFill>
@@ -5627,7 +5423,7 @@
           <a:sym typeface="Arial"/>
         </a:defRPr>
       </a:lvl3pPr>
-      <a:lvl4pPr lvl="3" marR="0" rtl="0" algn="l">
+      <a:lvl4pPr marR="0" lvl="3" algn="l" rtl="0">
         <a:lnSpc>
           <a:spcPct val="100000"/>
         </a:lnSpc>
@@ -5641,7 +5437,7 @@
           <a:srgbClr val="000000"/>
         </a:buClr>
         <a:buFont typeface="Arial"/>
-        <a:defRPr b="0" i="0" sz="1400" u="none" cap="none" strike="noStrike">
+        <a:defRPr sz="1400" b="0" i="0" u="none" strike="noStrike" cap="none">
           <a:solidFill>
             <a:srgbClr val="000000"/>
           </a:solidFill>
@@ -5651,7 +5447,7 @@
           <a:sym typeface="Arial"/>
         </a:defRPr>
       </a:lvl4pPr>
-      <a:lvl5pPr lvl="4" marR="0" rtl="0" algn="l">
+      <a:lvl5pPr marR="0" lvl="4" algn="l" rtl="0">
         <a:lnSpc>
           <a:spcPct val="100000"/>
         </a:lnSpc>
@@ -5665,7 +5461,7 @@
           <a:srgbClr val="000000"/>
         </a:buClr>
         <a:buFont typeface="Arial"/>
-        <a:defRPr b="0" i="0" sz="1400" u="none" cap="none" strike="noStrike">
+        <a:defRPr sz="1400" b="0" i="0" u="none" strike="noStrike" cap="none">
           <a:solidFill>
             <a:srgbClr val="000000"/>
           </a:solidFill>
@@ -5675,7 +5471,7 @@
           <a:sym typeface="Arial"/>
         </a:defRPr>
       </a:lvl5pPr>
-      <a:lvl6pPr lvl="5" marR="0" rtl="0" algn="l">
+      <a:lvl6pPr marR="0" lvl="5" algn="l" rtl="0">
         <a:lnSpc>
           <a:spcPct val="100000"/>
         </a:lnSpc>
@@ -5689,7 +5485,7 @@
           <a:srgbClr val="000000"/>
         </a:buClr>
         <a:buFont typeface="Arial"/>
-        <a:defRPr b="0" i="0" sz="1400" u="none" cap="none" strike="noStrike">
+        <a:defRPr sz="1400" b="0" i="0" u="none" strike="noStrike" cap="none">
           <a:solidFill>
             <a:srgbClr val="000000"/>
           </a:solidFill>
@@ -5699,7 +5495,7 @@
           <a:sym typeface="Arial"/>
         </a:defRPr>
       </a:lvl6pPr>
-      <a:lvl7pPr lvl="6" marR="0" rtl="0" algn="l">
+      <a:lvl7pPr marR="0" lvl="6" algn="l" rtl="0">
         <a:lnSpc>
           <a:spcPct val="100000"/>
         </a:lnSpc>
@@ -5713,7 +5509,7 @@
           <a:srgbClr val="000000"/>
         </a:buClr>
         <a:buFont typeface="Arial"/>
-        <a:defRPr b="0" i="0" sz="1400" u="none" cap="none" strike="noStrike">
+        <a:defRPr sz="1400" b="0" i="0" u="none" strike="noStrike" cap="none">
           <a:solidFill>
             <a:srgbClr val="000000"/>
           </a:solidFill>
@@ -5723,7 +5519,7 @@
           <a:sym typeface="Arial"/>
         </a:defRPr>
       </a:lvl7pPr>
-      <a:lvl8pPr lvl="7" marR="0" rtl="0" algn="l">
+      <a:lvl8pPr marR="0" lvl="7" algn="l" rtl="0">
         <a:lnSpc>
           <a:spcPct val="100000"/>
         </a:lnSpc>
@@ -5737,7 +5533,7 @@
           <a:srgbClr val="000000"/>
         </a:buClr>
         <a:buFont typeface="Arial"/>
-        <a:defRPr b="0" i="0" sz="1400" u="none" cap="none" strike="noStrike">
+        <a:defRPr sz="1400" b="0" i="0" u="none" strike="noStrike" cap="none">
           <a:solidFill>
             <a:srgbClr val="000000"/>
           </a:solidFill>
@@ -5747,7 +5543,7 @@
           <a:sym typeface="Arial"/>
         </a:defRPr>
       </a:lvl8pPr>
-      <a:lvl9pPr lvl="8" marR="0" rtl="0" algn="l">
+      <a:lvl9pPr marR="0" lvl="8" algn="l" rtl="0">
         <a:lnSpc>
           <a:spcPct val="100000"/>
         </a:lnSpc>
@@ -5761,7 +5557,7 @@
           <a:srgbClr val="000000"/>
         </a:buClr>
         <a:buFont typeface="Arial"/>
-        <a:defRPr b="0" i="0" sz="1400" u="none" cap="none" strike="noStrike">
+        <a:defRPr sz="1400" b="0" i="0" u="none" strike="noStrike" cap="none">
           <a:solidFill>
             <a:srgbClr val="000000"/>
           </a:solidFill>
@@ -5773,7 +5569,7 @@
       </a:lvl9pPr>
     </p:titleStyle>
     <p:bodyStyle>
-      <a:defPPr lvl="0" marR="0" rtl="0" algn="l">
+      <a:defPPr marR="0" lvl="0" algn="l" rtl="0">
         <a:lnSpc>
           <a:spcPct val="100000"/>
         </a:lnSpc>
@@ -5784,7 +5580,7 @@
           <a:spcPts val="0"/>
         </a:spcAft>
       </a:defPPr>
-      <a:lvl1pPr lvl="0" marR="0" rtl="0" algn="l">
+      <a:lvl1pPr marR="0" lvl="0" algn="l" rtl="0">
         <a:lnSpc>
           <a:spcPct val="100000"/>
         </a:lnSpc>
@@ -5798,7 +5594,7 @@
           <a:srgbClr val="000000"/>
         </a:buClr>
         <a:buFont typeface="Arial"/>
-        <a:defRPr b="0" i="0" sz="1400" u="none" cap="none" strike="noStrike">
+        <a:defRPr sz="1400" b="0" i="0" u="none" strike="noStrike" cap="none">
           <a:solidFill>
             <a:srgbClr val="000000"/>
           </a:solidFill>
@@ -5808,7 +5604,7 @@
           <a:sym typeface="Arial"/>
         </a:defRPr>
       </a:lvl1pPr>
-      <a:lvl2pPr lvl="1" marR="0" rtl="0" algn="l">
+      <a:lvl2pPr marR="0" lvl="1" algn="l" rtl="0">
         <a:lnSpc>
           <a:spcPct val="100000"/>
         </a:lnSpc>
@@ -5822,7 +5618,7 @@
           <a:srgbClr val="000000"/>
         </a:buClr>
         <a:buFont typeface="Arial"/>
-        <a:defRPr b="0" i="0" sz="1400" u="none" cap="none" strike="noStrike">
+        <a:defRPr sz="1400" b="0" i="0" u="none" strike="noStrike" cap="none">
           <a:solidFill>
             <a:srgbClr val="000000"/>
           </a:solidFill>
@@ -5832,7 +5628,7 @@
           <a:sym typeface="Arial"/>
         </a:defRPr>
       </a:lvl2pPr>
-      <a:lvl3pPr lvl="2" marR="0" rtl="0" algn="l">
+      <a:lvl3pPr marR="0" lvl="2" algn="l" rtl="0">
         <a:lnSpc>
           <a:spcPct val="100000"/>
         </a:lnSpc>
@@ -5846,7 +5642,7 @@
           <a:srgbClr val="000000"/>
         </a:buClr>
         <a:buFont typeface="Arial"/>
-        <a:defRPr b="0" i="0" sz="1400" u="none" cap="none" strike="noStrike">
+        <a:defRPr sz="1400" b="0" i="0" u="none" strike="noStrike" cap="none">
           <a:solidFill>
             <a:srgbClr val="000000"/>
           </a:solidFill>
@@ -5856,7 +5652,7 @@
           <a:sym typeface="Arial"/>
         </a:defRPr>
       </a:lvl3pPr>
-      <a:lvl4pPr lvl="3" marR="0" rtl="0" algn="l">
+      <a:lvl4pPr marR="0" lvl="3" algn="l" rtl="0">
         <a:lnSpc>
           <a:spcPct val="100000"/>
         </a:lnSpc>
@@ -5870,7 +5666,7 @@
           <a:srgbClr val="000000"/>
         </a:buClr>
         <a:buFont typeface="Arial"/>
-        <a:defRPr b="0" i="0" sz="1400" u="none" cap="none" strike="noStrike">
+        <a:defRPr sz="1400" b="0" i="0" u="none" strike="noStrike" cap="none">
           <a:solidFill>
             <a:srgbClr val="000000"/>
           </a:solidFill>
@@ -5880,7 +5676,7 @@
           <a:sym typeface="Arial"/>
         </a:defRPr>
       </a:lvl4pPr>
-      <a:lvl5pPr lvl="4" marR="0" rtl="0" algn="l">
+      <a:lvl5pPr marR="0" lvl="4" algn="l" rtl="0">
         <a:lnSpc>
           <a:spcPct val="100000"/>
         </a:lnSpc>
@@ -5894,7 +5690,7 @@
           <a:srgbClr val="000000"/>
         </a:buClr>
         <a:buFont typeface="Arial"/>
-        <a:defRPr b="0" i="0" sz="1400" u="none" cap="none" strike="noStrike">
+        <a:defRPr sz="1400" b="0" i="0" u="none" strike="noStrike" cap="none">
           <a:solidFill>
             <a:srgbClr val="000000"/>
           </a:solidFill>
@@ -5904,7 +5700,7 @@
           <a:sym typeface="Arial"/>
         </a:defRPr>
       </a:lvl5pPr>
-      <a:lvl6pPr lvl="5" marR="0" rtl="0" algn="l">
+      <a:lvl6pPr marR="0" lvl="5" algn="l" rtl="0">
         <a:lnSpc>
           <a:spcPct val="100000"/>
         </a:lnSpc>
@@ -5918,7 +5714,7 @@
           <a:srgbClr val="000000"/>
         </a:buClr>
         <a:buFont typeface="Arial"/>
-        <a:defRPr b="0" i="0" sz="1400" u="none" cap="none" strike="noStrike">
+        <a:defRPr sz="1400" b="0" i="0" u="none" strike="noStrike" cap="none">
           <a:solidFill>
             <a:srgbClr val="000000"/>
           </a:solidFill>
@@ -5928,7 +5724,7 @@
           <a:sym typeface="Arial"/>
         </a:defRPr>
       </a:lvl6pPr>
-      <a:lvl7pPr lvl="6" marR="0" rtl="0" algn="l">
+      <a:lvl7pPr marR="0" lvl="6" algn="l" rtl="0">
         <a:lnSpc>
           <a:spcPct val="100000"/>
         </a:lnSpc>
@@ -5942,7 +5738,7 @@
           <a:srgbClr val="000000"/>
         </a:buClr>
         <a:buFont typeface="Arial"/>
-        <a:defRPr b="0" i="0" sz="1400" u="none" cap="none" strike="noStrike">
+        <a:defRPr sz="1400" b="0" i="0" u="none" strike="noStrike" cap="none">
           <a:solidFill>
             <a:srgbClr val="000000"/>
           </a:solidFill>
@@ -5952,7 +5748,7 @@
           <a:sym typeface="Arial"/>
         </a:defRPr>
       </a:lvl7pPr>
-      <a:lvl8pPr lvl="7" marR="0" rtl="0" algn="l">
+      <a:lvl8pPr marR="0" lvl="7" algn="l" rtl="0">
         <a:lnSpc>
           <a:spcPct val="100000"/>
         </a:lnSpc>
@@ -5966,7 +5762,7 @@
           <a:srgbClr val="000000"/>
         </a:buClr>
         <a:buFont typeface="Arial"/>
-        <a:defRPr b="0" i="0" sz="1400" u="none" cap="none" strike="noStrike">
+        <a:defRPr sz="1400" b="0" i="0" u="none" strike="noStrike" cap="none">
           <a:solidFill>
             <a:srgbClr val="000000"/>
           </a:solidFill>
@@ -5976,7 +5772,7 @@
           <a:sym typeface="Arial"/>
         </a:defRPr>
       </a:lvl8pPr>
-      <a:lvl9pPr lvl="8" marR="0" rtl="0" algn="l">
+      <a:lvl9pPr marR="0" lvl="8" algn="l" rtl="0">
         <a:lnSpc>
           <a:spcPct val="100000"/>
         </a:lnSpc>
@@ -5990,7 +5786,7 @@
           <a:srgbClr val="000000"/>
         </a:buClr>
         <a:buFont typeface="Arial"/>
-        <a:defRPr b="0" i="0" sz="1400" u="none" cap="none" strike="noStrike">
+        <a:defRPr sz="1400" b="0" i="0" u="none" strike="noStrike" cap="none">
           <a:solidFill>
             <a:srgbClr val="000000"/>
           </a:solidFill>
@@ -6002,7 +5798,7 @@
       </a:lvl9pPr>
     </p:bodyStyle>
     <p:otherStyle>
-      <a:defPPr lvl="0" marR="0" rtl="0" algn="l">
+      <a:defPPr marR="0" lvl="0" algn="l" rtl="0">
         <a:lnSpc>
           <a:spcPct val="100000"/>
         </a:lnSpc>
@@ -6013,7 +5809,7 @@
           <a:spcPts val="0"/>
         </a:spcAft>
       </a:defPPr>
-      <a:lvl1pPr lvl="0" marR="0" rtl="0" algn="l">
+      <a:lvl1pPr marR="0" lvl="0" algn="l" rtl="0">
         <a:lnSpc>
           <a:spcPct val="100000"/>
         </a:lnSpc>
@@ -6027,7 +5823,7 @@
           <a:srgbClr val="000000"/>
         </a:buClr>
         <a:buFont typeface="Arial"/>
-        <a:defRPr b="0" i="0" sz="1400" u="none" cap="none" strike="noStrike">
+        <a:defRPr sz="1400" b="0" i="0" u="none" strike="noStrike" cap="none">
           <a:solidFill>
             <a:srgbClr val="000000"/>
           </a:solidFill>
@@ -6037,7 +5833,7 @@
           <a:sym typeface="Arial"/>
         </a:defRPr>
       </a:lvl1pPr>
-      <a:lvl2pPr lvl="1" marR="0" rtl="0" algn="l">
+      <a:lvl2pPr marR="0" lvl="1" algn="l" rtl="0">
         <a:lnSpc>
           <a:spcPct val="100000"/>
         </a:lnSpc>
@@ -6051,7 +5847,7 @@
           <a:srgbClr val="000000"/>
         </a:buClr>
         <a:buFont typeface="Arial"/>
-        <a:defRPr b="0" i="0" sz="1400" u="none" cap="none" strike="noStrike">
+        <a:defRPr sz="1400" b="0" i="0" u="none" strike="noStrike" cap="none">
           <a:solidFill>
             <a:srgbClr val="000000"/>
           </a:solidFill>
@@ -6061,7 +5857,7 @@
           <a:sym typeface="Arial"/>
         </a:defRPr>
       </a:lvl2pPr>
-      <a:lvl3pPr lvl="2" marR="0" rtl="0" algn="l">
+      <a:lvl3pPr marR="0" lvl="2" algn="l" rtl="0">
         <a:lnSpc>
           <a:spcPct val="100000"/>
         </a:lnSpc>
@@ -6075,7 +5871,7 @@
           <a:srgbClr val="000000"/>
         </a:buClr>
         <a:buFont typeface="Arial"/>
-        <a:defRPr b="0" i="0" sz="1400" u="none" cap="none" strike="noStrike">
+        <a:defRPr sz="1400" b="0" i="0" u="none" strike="noStrike" cap="none">
           <a:solidFill>
             <a:srgbClr val="000000"/>
           </a:solidFill>
@@ -6085,7 +5881,7 @@
           <a:sym typeface="Arial"/>
         </a:defRPr>
       </a:lvl3pPr>
-      <a:lvl4pPr lvl="3" marR="0" rtl="0" algn="l">
+      <a:lvl4pPr marR="0" lvl="3" algn="l" rtl="0">
         <a:lnSpc>
           <a:spcPct val="100000"/>
         </a:lnSpc>
@@ -6099,7 +5895,7 @@
           <a:srgbClr val="000000"/>
         </a:buClr>
         <a:buFont typeface="Arial"/>
-        <a:defRPr b="0" i="0" sz="1400" u="none" cap="none" strike="noStrike">
+        <a:defRPr sz="1400" b="0" i="0" u="none" strike="noStrike" cap="none">
           <a:solidFill>
             <a:srgbClr val="000000"/>
           </a:solidFill>
@@ -6109,7 +5905,7 @@
           <a:sym typeface="Arial"/>
         </a:defRPr>
       </a:lvl4pPr>
-      <a:lvl5pPr lvl="4" marR="0" rtl="0" algn="l">
+      <a:lvl5pPr marR="0" lvl="4" algn="l" rtl="0">
         <a:lnSpc>
           <a:spcPct val="100000"/>
         </a:lnSpc>
@@ -6123,7 +5919,7 @@
           <a:srgbClr val="000000"/>
         </a:buClr>
         <a:buFont typeface="Arial"/>
-        <a:defRPr b="0" i="0" sz="1400" u="none" cap="none" strike="noStrike">
+        <a:defRPr sz="1400" b="0" i="0" u="none" strike="noStrike" cap="none">
           <a:solidFill>
             <a:srgbClr val="000000"/>
           </a:solidFill>
@@ -6133,7 +5929,7 @@
           <a:sym typeface="Arial"/>
         </a:defRPr>
       </a:lvl5pPr>
-      <a:lvl6pPr lvl="5" marR="0" rtl="0" algn="l">
+      <a:lvl6pPr marR="0" lvl="5" algn="l" rtl="0">
         <a:lnSpc>
           <a:spcPct val="100000"/>
         </a:lnSpc>
@@ -6147,7 +5943,7 @@
           <a:srgbClr val="000000"/>
         </a:buClr>
         <a:buFont typeface="Arial"/>
-        <a:defRPr b="0" i="0" sz="1400" u="none" cap="none" strike="noStrike">
+        <a:defRPr sz="1400" b="0" i="0" u="none" strike="noStrike" cap="none">
           <a:solidFill>
             <a:srgbClr val="000000"/>
           </a:solidFill>
@@ -6157,7 +5953,7 @@
           <a:sym typeface="Arial"/>
         </a:defRPr>
       </a:lvl6pPr>
-      <a:lvl7pPr lvl="6" marR="0" rtl="0" algn="l">
+      <a:lvl7pPr marR="0" lvl="6" algn="l" rtl="0">
         <a:lnSpc>
           <a:spcPct val="100000"/>
         </a:lnSpc>
@@ -6171,7 +5967,7 @@
           <a:srgbClr val="000000"/>
         </a:buClr>
         <a:buFont typeface="Arial"/>
-        <a:defRPr b="0" i="0" sz="1400" u="none" cap="none" strike="noStrike">
+        <a:defRPr sz="1400" b="0" i="0" u="none" strike="noStrike" cap="none">
           <a:solidFill>
             <a:srgbClr val="000000"/>
           </a:solidFill>
@@ -6181,7 +5977,7 @@
           <a:sym typeface="Arial"/>
         </a:defRPr>
       </a:lvl7pPr>
-      <a:lvl8pPr lvl="7" marR="0" rtl="0" algn="l">
+      <a:lvl8pPr marR="0" lvl="7" algn="l" rtl="0">
         <a:lnSpc>
           <a:spcPct val="100000"/>
         </a:lnSpc>
@@ -6195,7 +5991,7 @@
           <a:srgbClr val="000000"/>
         </a:buClr>
         <a:buFont typeface="Arial"/>
-        <a:defRPr b="0" i="0" sz="1400" u="none" cap="none" strike="noStrike">
+        <a:defRPr sz="1400" b="0" i="0" u="none" strike="noStrike" cap="none">
           <a:solidFill>
             <a:srgbClr val="000000"/>
           </a:solidFill>
@@ -6205,7 +6001,7 @@
           <a:sym typeface="Arial"/>
         </a:defRPr>
       </a:lvl8pPr>
-      <a:lvl9pPr lvl="8" marR="0" rtl="0" algn="l">
+      <a:lvl9pPr marR="0" lvl="8" algn="l" rtl="0">
         <a:lnSpc>
           <a:spcPct val="100000"/>
         </a:lnSpc>
@@ -6219,7 +6015,7 @@
           <a:srgbClr val="000000"/>
         </a:buClr>
         <a:buFont typeface="Arial"/>
-        <a:defRPr b="0" i="0" sz="1400" u="none" cap="none" strike="noStrike">
+        <a:defRPr sz="1400" b="0" i="0" u="none" strike="noStrike" cap="none">
           <a:solidFill>
             <a:srgbClr val="000000"/>
           </a:solidFill>
@@ -6235,11 +6031,11 @@
 </file>
 
 <file path=ppt/slides/slide1.xml><?xml version="1.0" encoding="utf-8"?>
-<p:sld xmlns:a="http://schemas.openxmlformats.org/drawingml/2006/main" xmlns:r="http://schemas.openxmlformats.org/officeDocument/2006/relationships" xmlns:mc="http://schemas.openxmlformats.org/markup-compatibility/2006" xmlns:mv="urn:schemas-microsoft-com:mac:vml" xmlns:p="http://schemas.openxmlformats.org/presentationml/2006/main" xmlns:c="http://schemas.openxmlformats.org/drawingml/2006/chart" xmlns:dgm="http://schemas.openxmlformats.org/drawingml/2006/diagram" xmlns:o="urn:schemas-microsoft-com:office:office" xmlns:v="urn:schemas-microsoft-com:vml" xmlns:pvml="urn:schemas-microsoft-com:office:powerpoint" xmlns:com="http://schemas.openxmlformats.org/drawingml/2006/compatibility" xmlns:p14="http://schemas.microsoft.com/office/powerpoint/2010/main" xmlns:p15="http://schemas.microsoft.com/office/powerpoint/2012/main" xmlns:ahyp="http://schemas.microsoft.com/office/drawing/2018/hyperlinkcolor">
+<p:sld xmlns:a="http://schemas.openxmlformats.org/drawingml/2006/main" xmlns:r="http://schemas.openxmlformats.org/officeDocument/2006/relationships" xmlns:p="http://schemas.openxmlformats.org/presentationml/2006/main">
   <p:cSld>
     <p:spTree>
       <p:nvGrpSpPr>
-        <p:cNvPr id="53" name="Shape 53"/>
+        <p:cNvPr id="1" name="Shape 53"/>
         <p:cNvGrpSpPr/>
         <p:nvPr/>
       </p:nvGrpSpPr>
@@ -6254,7 +6050,9 @@
       <p:sp>
         <p:nvSpPr>
           <p:cNvPr id="54" name="Google Shape;54;p13"/>
-          <p:cNvSpPr txBox="1"/>
+          <p:cNvSpPr txBox="1">
+            <a:spLocks noGrp="1"/>
+          </p:cNvSpPr>
           <p:nvPr>
             <p:ph type="ctrTitle"/>
           </p:nvPr>
@@ -6269,12 +6067,12 @@
           </a:prstGeom>
         </p:spPr>
         <p:txBody>
-          <a:bodyPr anchorCtr="0" anchor="b" bIns="91425" lIns="91425" spcFirstLastPara="1" rIns="91425" wrap="square" tIns="91425">
+          <a:bodyPr spcFirstLastPara="1" wrap="square" lIns="91425" tIns="91425" rIns="91425" bIns="91425" anchor="b" anchorCtr="0">
             <a:normAutofit/>
           </a:bodyPr>
           <a:lstStyle/>
           <a:p>
-            <a:pPr indent="0" lvl="0" marL="0" rtl="0" algn="ctr">
+            <a:pPr marL="0" lvl="0" indent="0" algn="ctr" rtl="0">
               <a:spcBef>
                 <a:spcPts val="0"/>
               </a:spcBef>
@@ -6294,9 +6092,11 @@
       <p:sp>
         <p:nvSpPr>
           <p:cNvPr id="55" name="Google Shape;55;p13"/>
-          <p:cNvSpPr txBox="1"/>
-          <p:nvPr>
-            <p:ph idx="1" type="subTitle"/>
+          <p:cNvSpPr txBox="1">
+            <a:spLocks noGrp="1"/>
+          </p:cNvSpPr>
+          <p:nvPr>
+            <p:ph type="subTitle" idx="1"/>
           </p:nvPr>
         </p:nvSpPr>
         <p:spPr>
@@ -6309,12 +6109,12 @@
           </a:prstGeom>
         </p:spPr>
         <p:txBody>
-          <a:bodyPr anchorCtr="0" anchor="t" bIns="91425" lIns="91425" spcFirstLastPara="1" rIns="91425" wrap="square" tIns="91425">
+          <a:bodyPr spcFirstLastPara="1" wrap="square" lIns="91425" tIns="91425" rIns="91425" bIns="91425" anchor="t" anchorCtr="0">
             <a:normAutofit/>
           </a:bodyPr>
           <a:lstStyle/>
           <a:p>
-            <a:pPr indent="0" lvl="0" marL="0" rtl="0" algn="ctr">
+            <a:pPr marL="0" lvl="0" indent="0" algn="ctr" rtl="0">
               <a:spcBef>
                 <a:spcPts val="0"/>
               </a:spcBef>
@@ -6347,12 +6147,12 @@
 </p:sld>
 </file>
 
-<file path=ppt/slides/slide2.xml><?xml version="1.0" encoding="utf-8"?>
-<p:sld xmlns:a="http://schemas.openxmlformats.org/drawingml/2006/main" xmlns:r="http://schemas.openxmlformats.org/officeDocument/2006/relationships" xmlns:mc="http://schemas.openxmlformats.org/markup-compatibility/2006" xmlns:mv="urn:schemas-microsoft-com:mac:vml" xmlns:p="http://schemas.openxmlformats.org/presentationml/2006/main" xmlns:c="http://schemas.openxmlformats.org/drawingml/2006/chart" xmlns:dgm="http://schemas.openxmlformats.org/drawingml/2006/diagram" xmlns:o="urn:schemas-microsoft-com:office:office" xmlns:v="urn:schemas-microsoft-com:vml" xmlns:pvml="urn:schemas-microsoft-com:office:powerpoint" xmlns:com="http://schemas.openxmlformats.org/drawingml/2006/compatibility" xmlns:p14="http://schemas.microsoft.com/office/powerpoint/2010/main" xmlns:p15="http://schemas.microsoft.com/office/powerpoint/2012/main" xmlns:ahyp="http://schemas.microsoft.com/office/drawing/2018/hyperlinkcolor">
+<file path=ppt/slides/slide10.xml><?xml version="1.0" encoding="utf-8"?>
+<p:sld xmlns:a="http://schemas.openxmlformats.org/drawingml/2006/main" xmlns:r="http://schemas.openxmlformats.org/officeDocument/2006/relationships" xmlns:p="http://schemas.openxmlformats.org/presentationml/2006/main">
   <p:cSld>
     <p:spTree>
       <p:nvGrpSpPr>
-        <p:cNvPr id="59" name="Shape 59"/>
+        <p:cNvPr id="1" name=""/>
         <p:cNvGrpSpPr/>
         <p:nvPr/>
       </p:nvGrpSpPr>
@@ -6366,8 +6166,107 @@
       </p:grpSpPr>
       <p:sp>
         <p:nvSpPr>
+          <p:cNvPr id="4" name="Google Shape;311;p22">
+            <a:extLst>
+              <a:ext uri="{FF2B5EF4-FFF2-40B4-BE49-F238E27FC236}">
+                <a16:creationId xmlns:a16="http://schemas.microsoft.com/office/drawing/2014/main" id="{8BF131ED-4037-A97C-92CF-A77897700382}"/>
+              </a:ext>
+            </a:extLst>
+          </p:cNvPr>
+          <p:cNvSpPr txBox="1"/>
+          <p:nvPr/>
+        </p:nvSpPr>
+        <p:spPr>
+          <a:xfrm>
+            <a:off x="1689075" y="2051975"/>
+            <a:ext cx="5532900" cy="1017600"/>
+          </a:xfrm>
+          <a:prstGeom prst="rect">
+            <a:avLst/>
+          </a:prstGeom>
+          <a:noFill/>
+          <a:ln>
+            <a:noFill/>
+          </a:ln>
+        </p:spPr>
+        <p:txBody>
+          <a:bodyPr spcFirstLastPara="1" wrap="square" lIns="91425" tIns="91425" rIns="91425" bIns="91425" anchor="ctr" anchorCtr="0">
+            <a:normAutofit fontScale="70000" lnSpcReduction="20000"/>
+          </a:bodyPr>
+          <a:lstStyle/>
+          <a:p>
+            <a:pPr marL="0" marR="0" lvl="0" indent="0" algn="ctr" rtl="0">
+              <a:lnSpc>
+                <a:spcPct val="100000"/>
+              </a:lnSpc>
+              <a:spcBef>
+                <a:spcPts val="0"/>
+              </a:spcBef>
+              <a:spcAft>
+                <a:spcPts val="0"/>
+              </a:spcAft>
+              <a:buNone/>
+            </a:pPr>
+            <a:r>
+              <a:rPr lang="en" sz="9600" dirty="0">
+                <a:solidFill>
+                  <a:schemeClr val="tx1"/>
+                </a:solidFill>
+                <a:latin typeface="+mj-lt"/>
+                <a:ea typeface="Della Respira"/>
+                <a:cs typeface="Della Respira"/>
+                <a:sym typeface="Della Respira"/>
+              </a:rPr>
+              <a:t>$text.thanks</a:t>
+            </a:r>
+            <a:endParaRPr sz="9600" dirty="0">
+              <a:solidFill>
+                <a:schemeClr val="tx1"/>
+              </a:solidFill>
+              <a:latin typeface="+mj-lt"/>
+              <a:ea typeface="Della Respira"/>
+              <a:cs typeface="Della Respira"/>
+              <a:sym typeface="Della Respira"/>
+            </a:endParaRPr>
+          </a:p>
+        </p:txBody>
+      </p:sp>
+    </p:spTree>
+    <p:extLst>
+      <p:ext uri="{BB962C8B-B14F-4D97-AF65-F5344CB8AC3E}">
+        <p14:creationId xmlns:p14="http://schemas.microsoft.com/office/powerpoint/2010/main" val="3845624801"/>
+      </p:ext>
+    </p:extLst>
+  </p:cSld>
+  <p:clrMapOvr>
+    <a:masterClrMapping/>
+  </p:clrMapOvr>
+</p:sld>
+</file>
+
+<file path=ppt/slides/slide2.xml><?xml version="1.0" encoding="utf-8"?>
+<p:sld xmlns:a="http://schemas.openxmlformats.org/drawingml/2006/main" xmlns:r="http://schemas.openxmlformats.org/officeDocument/2006/relationships" xmlns:p="http://schemas.openxmlformats.org/presentationml/2006/main">
+  <p:cSld>
+    <p:spTree>
+      <p:nvGrpSpPr>
+        <p:cNvPr id="1" name="Shape 59"/>
+        <p:cNvGrpSpPr/>
+        <p:nvPr/>
+      </p:nvGrpSpPr>
+      <p:grpSpPr>
+        <a:xfrm>
+          <a:off x="0" y="0"/>
+          <a:ext cx="0" cy="0"/>
+          <a:chOff x="0" y="0"/>
+          <a:chExt cx="0" cy="0"/>
+        </a:xfrm>
+      </p:grpSpPr>
+      <p:sp>
+        <p:nvSpPr>
           <p:cNvPr id="60" name="Google Shape;60;p14"/>
-          <p:cNvSpPr txBox="1"/>
+          <p:cNvSpPr txBox="1">
+            <a:spLocks noGrp="1"/>
+          </p:cNvSpPr>
           <p:nvPr>
             <p:ph type="title"/>
           </p:nvPr>
@@ -6382,12 +6281,12 @@
           </a:prstGeom>
         </p:spPr>
         <p:txBody>
-          <a:bodyPr anchorCtr="0" anchor="t" bIns="91425" lIns="91425" spcFirstLastPara="1" rIns="91425" wrap="square" tIns="91425">
+          <a:bodyPr spcFirstLastPara="1" wrap="square" lIns="91425" tIns="91425" rIns="91425" bIns="91425" anchor="t" anchorCtr="0">
             <a:normAutofit fontScale="90000"/>
           </a:bodyPr>
           <a:lstStyle/>
           <a:p>
-            <a:pPr indent="0" lvl="0" marL="0" rtl="0" algn="l">
+            <a:pPr marL="0" lvl="0" indent="0" algn="l" rtl="0">
               <a:spcBef>
                 <a:spcPts val="0"/>
               </a:spcBef>
@@ -6407,9 +6306,11 @@
       <p:sp>
         <p:nvSpPr>
           <p:cNvPr id="61" name="Google Shape;61;p14"/>
-          <p:cNvSpPr txBox="1"/>
-          <p:nvPr>
-            <p:ph idx="1" type="body"/>
+          <p:cNvSpPr txBox="1">
+            <a:spLocks noGrp="1"/>
+          </p:cNvSpPr>
+          <p:nvPr>
+            <p:ph type="body" idx="1"/>
           </p:nvPr>
         </p:nvSpPr>
         <p:spPr>
@@ -6422,12 +6323,12 @@
           </a:prstGeom>
         </p:spPr>
         <p:txBody>
-          <a:bodyPr anchorCtr="0" anchor="t" bIns="91425" lIns="91425" spcFirstLastPara="1" rIns="91425" wrap="square" tIns="91425">
+          <a:bodyPr spcFirstLastPara="1" wrap="square" lIns="91425" tIns="91425" rIns="91425" bIns="91425" anchor="t" anchorCtr="0">
             <a:normAutofit/>
           </a:bodyPr>
           <a:lstStyle/>
           <a:p>
-            <a:pPr indent="0" lvl="0" marL="0" rtl="0" algn="l">
+            <a:pPr marL="0" lvl="0" indent="0" algn="l" rtl="0">
               <a:spcBef>
                 <a:spcPts val="0"/>
               </a:spcBef>
@@ -6461,11 +6362,11 @@
 </file>
 
 <file path=ppt/slides/slide3.xml><?xml version="1.0" encoding="utf-8"?>
-<p:sld xmlns:a="http://schemas.openxmlformats.org/drawingml/2006/main" xmlns:r="http://schemas.openxmlformats.org/officeDocument/2006/relationships" xmlns:mc="http://schemas.openxmlformats.org/markup-compatibility/2006" xmlns:mv="urn:schemas-microsoft-com:mac:vml" xmlns:p="http://schemas.openxmlformats.org/presentationml/2006/main" xmlns:c="http://schemas.openxmlformats.org/drawingml/2006/chart" xmlns:dgm="http://schemas.openxmlformats.org/drawingml/2006/diagram" xmlns:o="urn:schemas-microsoft-com:office:office" xmlns:v="urn:schemas-microsoft-com:vml" xmlns:pvml="urn:schemas-microsoft-com:office:powerpoint" xmlns:com="http://schemas.openxmlformats.org/drawingml/2006/compatibility" xmlns:p14="http://schemas.microsoft.com/office/powerpoint/2010/main" xmlns:p15="http://schemas.microsoft.com/office/powerpoint/2012/main" xmlns:ahyp="http://schemas.microsoft.com/office/drawing/2018/hyperlinkcolor">
+<p:sld xmlns:a="http://schemas.openxmlformats.org/drawingml/2006/main" xmlns:r="http://schemas.openxmlformats.org/officeDocument/2006/relationships" xmlns:p="http://schemas.openxmlformats.org/presentationml/2006/main">
   <p:cSld>
     <p:spTree>
       <p:nvGrpSpPr>
-        <p:cNvPr id="65" name="Shape 65"/>
+        <p:cNvPr id="1" name="Shape 65"/>
         <p:cNvGrpSpPr/>
         <p:nvPr/>
       </p:nvGrpSpPr>
@@ -6480,7 +6381,9 @@
       <p:sp>
         <p:nvSpPr>
           <p:cNvPr id="66" name="Google Shape;66;p15"/>
-          <p:cNvSpPr txBox="1"/>
+          <p:cNvSpPr txBox="1">
+            <a:spLocks noGrp="1"/>
+          </p:cNvSpPr>
           <p:nvPr>
             <p:ph type="title"/>
           </p:nvPr>
@@ -6495,12 +6398,12 @@
           </a:prstGeom>
         </p:spPr>
         <p:txBody>
-          <a:bodyPr anchorCtr="0" anchor="t" bIns="91425" lIns="91425" spcFirstLastPara="1" rIns="91425" wrap="square" tIns="91425">
+          <a:bodyPr spcFirstLastPara="1" wrap="square" lIns="91425" tIns="91425" rIns="91425" bIns="91425" anchor="t" anchorCtr="0">
             <a:normAutofit fontScale="90000"/>
           </a:bodyPr>
           <a:lstStyle/>
           <a:p>
-            <a:pPr indent="0" lvl="0" marL="0" rtl="0" algn="l">
+            <a:pPr marL="0" lvl="0" indent="0" algn="l" rtl="0">
               <a:spcBef>
                 <a:spcPts val="0"/>
               </a:spcBef>
@@ -6520,9 +6423,11 @@
       <p:sp>
         <p:nvSpPr>
           <p:cNvPr id="67" name="Google Shape;67;p15"/>
-          <p:cNvSpPr txBox="1"/>
-          <p:nvPr>
-            <p:ph idx="1" type="body"/>
+          <p:cNvSpPr txBox="1">
+            <a:spLocks noGrp="1"/>
+          </p:cNvSpPr>
+          <p:nvPr>
+            <p:ph type="body" idx="1"/>
           </p:nvPr>
         </p:nvSpPr>
         <p:spPr>
@@ -6535,12 +6440,12 @@
           </a:prstGeom>
         </p:spPr>
         <p:txBody>
-          <a:bodyPr anchorCtr="0" anchor="t" bIns="91425" lIns="91425" spcFirstLastPara="1" rIns="91425" wrap="square" tIns="91425">
+          <a:bodyPr spcFirstLastPara="1" wrap="square" lIns="91425" tIns="91425" rIns="91425" bIns="91425" anchor="t" anchorCtr="0">
             <a:normAutofit/>
           </a:bodyPr>
           <a:lstStyle/>
           <a:p>
-            <a:pPr indent="0" lvl="0" marL="0" rtl="0" algn="l">
+            <a:pPr marL="0" lvl="0" indent="0" algn="l" rtl="0">
               <a:spcBef>
                 <a:spcPts val="0"/>
               </a:spcBef>
@@ -6568,9 +6473,11 @@
       <p:sp>
         <p:nvSpPr>
           <p:cNvPr id="68" name="Google Shape;68;p15"/>
-          <p:cNvSpPr txBox="1"/>
-          <p:nvPr>
-            <p:ph idx="2" type="body"/>
+          <p:cNvSpPr txBox="1">
+            <a:spLocks noGrp="1"/>
+          </p:cNvSpPr>
+          <p:nvPr>
+            <p:ph type="body" idx="2"/>
           </p:nvPr>
         </p:nvSpPr>
         <p:spPr>
@@ -6583,12 +6490,12 @@
           </a:prstGeom>
         </p:spPr>
         <p:txBody>
-          <a:bodyPr anchorCtr="0" anchor="t" bIns="91425" lIns="91425" spcFirstLastPara="1" rIns="91425" wrap="square" tIns="91425">
+          <a:bodyPr spcFirstLastPara="1" wrap="square" lIns="91425" tIns="91425" rIns="91425" bIns="91425" anchor="t" anchorCtr="0">
             <a:normAutofit/>
           </a:bodyPr>
           <a:lstStyle/>
           <a:p>
-            <a:pPr indent="0" lvl="0" marL="0" rtl="0" algn="l">
+            <a:pPr marL="0" lvl="0" indent="0" algn="l" rtl="0">
               <a:spcBef>
                 <a:spcPts val="0"/>
               </a:spcBef>
@@ -6622,11 +6529,11 @@
 </file>
 
 <file path=ppt/slides/slide4.xml><?xml version="1.0" encoding="utf-8"?>
-<p:sld xmlns:a="http://schemas.openxmlformats.org/drawingml/2006/main" xmlns:r="http://schemas.openxmlformats.org/officeDocument/2006/relationships" xmlns:mc="http://schemas.openxmlformats.org/markup-compatibility/2006" xmlns:mv="urn:schemas-microsoft-com:mac:vml" xmlns:p="http://schemas.openxmlformats.org/presentationml/2006/main" xmlns:c="http://schemas.openxmlformats.org/drawingml/2006/chart" xmlns:dgm="http://schemas.openxmlformats.org/drawingml/2006/diagram" xmlns:o="urn:schemas-microsoft-com:office:office" xmlns:v="urn:schemas-microsoft-com:vml" xmlns:pvml="urn:schemas-microsoft-com:office:powerpoint" xmlns:com="http://schemas.openxmlformats.org/drawingml/2006/compatibility" xmlns:p14="http://schemas.microsoft.com/office/powerpoint/2010/main" xmlns:p15="http://schemas.microsoft.com/office/powerpoint/2012/main" xmlns:ahyp="http://schemas.microsoft.com/office/drawing/2018/hyperlinkcolor">
+<p:sld xmlns:a="http://schemas.openxmlformats.org/drawingml/2006/main" xmlns:r="http://schemas.openxmlformats.org/officeDocument/2006/relationships" xmlns:p="http://schemas.openxmlformats.org/presentationml/2006/main">
   <p:cSld>
     <p:spTree>
       <p:nvGrpSpPr>
-        <p:cNvPr id="72" name="Shape 72"/>
+        <p:cNvPr id="1" name="Shape 72"/>
         <p:cNvGrpSpPr/>
         <p:nvPr/>
       </p:nvGrpSpPr>
@@ -6641,7 +6548,9 @@
       <p:sp>
         <p:nvSpPr>
           <p:cNvPr id="73" name="Google Shape;73;p16"/>
-          <p:cNvSpPr txBox="1"/>
+          <p:cNvSpPr txBox="1">
+            <a:spLocks noGrp="1"/>
+          </p:cNvSpPr>
           <p:nvPr>
             <p:ph type="title"/>
           </p:nvPr>
@@ -6656,12 +6565,12 @@
           </a:prstGeom>
         </p:spPr>
         <p:txBody>
-          <a:bodyPr anchorCtr="0" anchor="t" bIns="91425" lIns="91425" spcFirstLastPara="1" rIns="91425" wrap="square" tIns="91425">
+          <a:bodyPr spcFirstLastPara="1" wrap="square" lIns="91425" tIns="91425" rIns="91425" bIns="91425" anchor="t" anchorCtr="0">
             <a:normAutofit fontScale="90000"/>
           </a:bodyPr>
           <a:lstStyle/>
           <a:p>
-            <a:pPr indent="0" lvl="0" marL="0" rtl="0" algn="l">
+            <a:pPr marL="0" lvl="0" indent="0" algn="l" rtl="0">
               <a:spcBef>
                 <a:spcPts val="0"/>
               </a:spcBef>
@@ -6681,9 +6590,11 @@
       <p:sp>
         <p:nvSpPr>
           <p:cNvPr id="74" name="Google Shape;74;p16"/>
-          <p:cNvSpPr txBox="1"/>
-          <p:nvPr>
-            <p:ph idx="1" type="body"/>
+          <p:cNvSpPr txBox="1">
+            <a:spLocks noGrp="1"/>
+          </p:cNvSpPr>
+          <p:nvPr>
+            <p:ph type="body" idx="1"/>
           </p:nvPr>
         </p:nvSpPr>
         <p:spPr>
@@ -6696,12 +6607,12 @@
           </a:prstGeom>
         </p:spPr>
         <p:txBody>
-          <a:bodyPr anchorCtr="0" anchor="t" bIns="91425" lIns="91425" spcFirstLastPara="1" rIns="91425" wrap="square" tIns="91425">
+          <a:bodyPr spcFirstLastPara="1" wrap="square" lIns="91425" tIns="91425" rIns="91425" bIns="91425" anchor="t" anchorCtr="0">
             <a:normAutofit/>
           </a:bodyPr>
           <a:lstStyle/>
           <a:p>
-            <a:pPr indent="-342900" lvl="0" marL="457200" rtl="0" algn="l">
+            <a:pPr marL="457200" lvl="0" indent="-342900" algn="l" rtl="0">
               <a:spcBef>
                 <a:spcPts val="0"/>
               </a:spcBef>
@@ -6739,11 +6650,11 @@
 </file>
 
 <file path=ppt/slides/slide5.xml><?xml version="1.0" encoding="utf-8"?>
-<p:sld xmlns:a="http://schemas.openxmlformats.org/drawingml/2006/main" xmlns:r="http://schemas.openxmlformats.org/officeDocument/2006/relationships" xmlns:mc="http://schemas.openxmlformats.org/markup-compatibility/2006" xmlns:mv="urn:schemas-microsoft-com:mac:vml" xmlns:p="http://schemas.openxmlformats.org/presentationml/2006/main" xmlns:c="http://schemas.openxmlformats.org/drawingml/2006/chart" xmlns:dgm="http://schemas.openxmlformats.org/drawingml/2006/diagram" xmlns:o="urn:schemas-microsoft-com:office:office" xmlns:v="urn:schemas-microsoft-com:vml" xmlns:pvml="urn:schemas-microsoft-com:office:powerpoint" xmlns:com="http://schemas.openxmlformats.org/drawingml/2006/compatibility" xmlns:p14="http://schemas.microsoft.com/office/powerpoint/2010/main" xmlns:p15="http://schemas.microsoft.com/office/powerpoint/2012/main" xmlns:ahyp="http://schemas.microsoft.com/office/drawing/2018/hyperlinkcolor">
+<p:sld xmlns:a="http://schemas.openxmlformats.org/drawingml/2006/main" xmlns:r="http://schemas.openxmlformats.org/officeDocument/2006/relationships" xmlns:p="http://schemas.openxmlformats.org/presentationml/2006/main">
   <p:cSld>
     <p:spTree>
       <p:nvGrpSpPr>
-        <p:cNvPr id="78" name="Shape 78"/>
+        <p:cNvPr id="1" name="Shape 78"/>
         <p:cNvGrpSpPr/>
         <p:nvPr/>
       </p:nvGrpSpPr>
@@ -6758,9 +6669,11 @@
       <p:sp>
         <p:nvSpPr>
           <p:cNvPr id="79" name="Google Shape;79;p17"/>
-          <p:cNvSpPr txBox="1"/>
-          <p:nvPr>
-            <p:ph idx="1" type="body"/>
+          <p:cNvSpPr txBox="1">
+            <a:spLocks noGrp="1"/>
+          </p:cNvSpPr>
+          <p:nvPr>
+            <p:ph type="body" idx="1"/>
           </p:nvPr>
         </p:nvSpPr>
         <p:spPr>
@@ -6771,23 +6684,23 @@
           <a:prstGeom prst="rect">
             <a:avLst/>
           </a:prstGeom>
-          <a:ln cap="flat" cmpd="sng" w="9525">
+          <a:ln w="9525" cap="flat" cmpd="sng">
             <a:solidFill>
               <a:srgbClr val="000000"/>
             </a:solidFill>
             <a:prstDash val="solid"/>
             <a:round/>
-            <a:headEnd len="sm" w="sm" type="none"/>
-            <a:tailEnd len="sm" w="sm" type="none"/>
+            <a:headEnd type="none" w="sm" len="sm"/>
+            <a:tailEnd type="none" w="sm" len="sm"/>
           </a:ln>
         </p:spPr>
         <p:txBody>
-          <a:bodyPr anchorCtr="0" anchor="ctr" bIns="91425" lIns="91425" spcFirstLastPara="1" rIns="91425" wrap="square" tIns="91425">
+          <a:bodyPr spcFirstLastPara="1" wrap="square" lIns="91425" tIns="91425" rIns="91425" bIns="91425" anchor="ctr" anchorCtr="0">
             <a:noAutofit/>
           </a:bodyPr>
           <a:lstStyle/>
           <a:p>
-            <a:pPr indent="0" lvl="0" marL="0" rtl="0" algn="ctr">
+            <a:pPr marL="0" lvl="0" indent="0" algn="ctr" rtl="0">
               <a:spcBef>
                 <a:spcPts val="0"/>
               </a:spcBef>
@@ -6815,9 +6728,11 @@
       <p:sp>
         <p:nvSpPr>
           <p:cNvPr id="80" name="Google Shape;80;p17"/>
-          <p:cNvSpPr txBox="1"/>
-          <p:nvPr>
-            <p:ph idx="1" type="body"/>
+          <p:cNvSpPr txBox="1">
+            <a:spLocks noGrp="1"/>
+          </p:cNvSpPr>
+          <p:nvPr>
+            <p:ph type="body" idx="1"/>
           </p:nvPr>
         </p:nvSpPr>
         <p:spPr>
@@ -6828,23 +6743,23 @@
           <a:prstGeom prst="rect">
             <a:avLst/>
           </a:prstGeom>
-          <a:ln cap="flat" cmpd="sng" w="9525">
+          <a:ln w="9525" cap="flat" cmpd="sng">
             <a:solidFill>
               <a:srgbClr val="000000"/>
             </a:solidFill>
             <a:prstDash val="solid"/>
             <a:round/>
-            <a:headEnd len="sm" w="sm" type="none"/>
-            <a:tailEnd len="sm" w="sm" type="none"/>
+            <a:headEnd type="none" w="sm" len="sm"/>
+            <a:tailEnd type="none" w="sm" len="sm"/>
           </a:ln>
         </p:spPr>
         <p:txBody>
-          <a:bodyPr anchorCtr="0" anchor="ctr" bIns="91425" lIns="91425" spcFirstLastPara="1" rIns="91425" wrap="square" tIns="91425">
+          <a:bodyPr spcFirstLastPara="1" wrap="square" lIns="91425" tIns="91425" rIns="91425" bIns="91425" anchor="ctr" anchorCtr="0">
             <a:noAutofit/>
           </a:bodyPr>
           <a:lstStyle/>
           <a:p>
-            <a:pPr indent="0" lvl="0" marL="0" rtl="0" algn="ctr">
+            <a:pPr marL="0" lvl="0" indent="0" algn="ctr" rtl="0">
               <a:spcBef>
                 <a:spcPts val="0"/>
               </a:spcBef>
@@ -6878,11 +6793,11 @@
 </file>
 
 <file path=ppt/slides/slide6.xml><?xml version="1.0" encoding="utf-8"?>
-<p:sld xmlns:a="http://schemas.openxmlformats.org/drawingml/2006/main" xmlns:r="http://schemas.openxmlformats.org/officeDocument/2006/relationships" xmlns:mc="http://schemas.openxmlformats.org/markup-compatibility/2006" xmlns:mv="urn:schemas-microsoft-com:mac:vml" xmlns:p="http://schemas.openxmlformats.org/presentationml/2006/main" xmlns:c="http://schemas.openxmlformats.org/drawingml/2006/chart" xmlns:dgm="http://schemas.openxmlformats.org/drawingml/2006/diagram" xmlns:o="urn:schemas-microsoft-com:office:office" xmlns:v="urn:schemas-microsoft-com:vml" xmlns:pvml="urn:schemas-microsoft-com:office:powerpoint" xmlns:com="http://schemas.openxmlformats.org/drawingml/2006/compatibility" xmlns:p14="http://schemas.microsoft.com/office/powerpoint/2010/main" xmlns:p15="http://schemas.microsoft.com/office/powerpoint/2012/main" xmlns:ahyp="http://schemas.microsoft.com/office/drawing/2018/hyperlinkcolor">
+<p:sld xmlns:a="http://schemas.openxmlformats.org/drawingml/2006/main" xmlns:r="http://schemas.openxmlformats.org/officeDocument/2006/relationships" xmlns:p="http://schemas.openxmlformats.org/presentationml/2006/main">
   <p:cSld>
     <p:spTree>
       <p:nvGrpSpPr>
-        <p:cNvPr id="84" name="Shape 84"/>
+        <p:cNvPr id="1" name="Shape 84"/>
         <p:cNvGrpSpPr/>
         <p:nvPr/>
       </p:nvGrpSpPr>
@@ -6897,9 +6812,11 @@
       <p:sp>
         <p:nvSpPr>
           <p:cNvPr id="85" name="Google Shape;85;p18"/>
-          <p:cNvSpPr txBox="1"/>
-          <p:nvPr>
-            <p:ph idx="1" type="body"/>
+          <p:cNvSpPr txBox="1">
+            <a:spLocks noGrp="1"/>
+          </p:cNvSpPr>
+          <p:nvPr>
+            <p:ph type="body" idx="1"/>
           </p:nvPr>
         </p:nvSpPr>
         <p:spPr>
@@ -6912,12 +6829,12 @@
           </a:prstGeom>
         </p:spPr>
         <p:txBody>
-          <a:bodyPr anchorCtr="0" anchor="ctr" bIns="91425" lIns="91425" spcFirstLastPara="1" rIns="91425" wrap="square" tIns="91425">
+          <a:bodyPr spcFirstLastPara="1" wrap="square" lIns="91425" tIns="91425" rIns="91425" bIns="91425" anchor="ctr" anchorCtr="0">
             <a:noAutofit/>
           </a:bodyPr>
           <a:lstStyle/>
           <a:p>
-            <a:pPr indent="0" lvl="0" marL="0" rtl="0" algn="ctr">
+            <a:pPr marL="0" lvl="0" indent="0" algn="ctr" rtl="0">
               <a:spcBef>
                 <a:spcPts val="0"/>
               </a:spcBef>
@@ -6945,9 +6862,11 @@
       <p:sp>
         <p:nvSpPr>
           <p:cNvPr id="86" name="Google Shape;86;p18"/>
-          <p:cNvSpPr txBox="1"/>
-          <p:nvPr>
-            <p:ph idx="1" type="body"/>
+          <p:cNvSpPr txBox="1">
+            <a:spLocks noGrp="1"/>
+          </p:cNvSpPr>
+          <p:nvPr>
+            <p:ph type="body" idx="1"/>
           </p:nvPr>
         </p:nvSpPr>
         <p:spPr>
@@ -6960,12 +6879,12 @@
           </a:prstGeom>
         </p:spPr>
         <p:txBody>
-          <a:bodyPr anchorCtr="0" anchor="ctr" bIns="91425" lIns="91425" spcFirstLastPara="1" rIns="91425" wrap="square" tIns="91425">
-            <a:normAutofit/>
+          <a:bodyPr spcFirstLastPara="1" wrap="square" lIns="91425" tIns="91425" rIns="91425" bIns="91425" anchor="ctr" anchorCtr="0">
+            <a:normAutofit fontScale="62500" lnSpcReduction="20000"/>
           </a:bodyPr>
           <a:lstStyle/>
           <a:p>
-            <a:pPr indent="0" lvl="0" marL="0" rtl="0" algn="l">
+            <a:pPr marL="0" lvl="0" indent="0" algn="l" rtl="0">
               <a:spcBef>
                 <a:spcPts val="0"/>
               </a:spcBef>
@@ -6993,9 +6912,11 @@
       <p:sp>
         <p:nvSpPr>
           <p:cNvPr id="87" name="Google Shape;87;p18"/>
-          <p:cNvSpPr txBox="1"/>
-          <p:nvPr>
-            <p:ph idx="1" type="body"/>
+          <p:cNvSpPr txBox="1">
+            <a:spLocks noGrp="1"/>
+          </p:cNvSpPr>
+          <p:nvPr>
+            <p:ph type="body" idx="1"/>
           </p:nvPr>
         </p:nvSpPr>
         <p:spPr>
@@ -7008,12 +6929,12 @@
           </a:prstGeom>
         </p:spPr>
         <p:txBody>
-          <a:bodyPr anchorCtr="0" anchor="ctr" bIns="91425" lIns="91425" spcFirstLastPara="1" rIns="91425" wrap="square" tIns="91425">
+          <a:bodyPr spcFirstLastPara="1" wrap="square" lIns="91425" tIns="91425" rIns="91425" bIns="91425" anchor="ctr" anchorCtr="0">
             <a:noAutofit/>
           </a:bodyPr>
           <a:lstStyle/>
           <a:p>
-            <a:pPr indent="0" lvl="0" marL="0" rtl="0" algn="ctr">
+            <a:pPr marL="0" lvl="0" indent="0" algn="ctr" rtl="0">
               <a:spcBef>
                 <a:spcPts val="0"/>
               </a:spcBef>
@@ -7041,9 +6962,11 @@
       <p:sp>
         <p:nvSpPr>
           <p:cNvPr id="88" name="Google Shape;88;p18"/>
-          <p:cNvSpPr txBox="1"/>
-          <p:nvPr>
-            <p:ph idx="1" type="body"/>
+          <p:cNvSpPr txBox="1">
+            <a:spLocks noGrp="1"/>
+          </p:cNvSpPr>
+          <p:nvPr>
+            <p:ph type="body" idx="1"/>
           </p:nvPr>
         </p:nvSpPr>
         <p:spPr>
@@ -7056,12 +6979,12 @@
           </a:prstGeom>
         </p:spPr>
         <p:txBody>
-          <a:bodyPr anchorCtr="0" anchor="ctr" bIns="91425" lIns="91425" spcFirstLastPara="1" rIns="91425" wrap="square" tIns="91425">
-            <a:normAutofit/>
+          <a:bodyPr spcFirstLastPara="1" wrap="square" lIns="91425" tIns="91425" rIns="91425" bIns="91425" anchor="ctr" anchorCtr="0">
+            <a:normAutofit fontScale="62500" lnSpcReduction="20000"/>
           </a:bodyPr>
           <a:lstStyle/>
           <a:p>
-            <a:pPr indent="0" lvl="0" marL="0" rtl="0" algn="l">
+            <a:pPr marL="0" lvl="0" indent="0" algn="l" rtl="0">
               <a:spcBef>
                 <a:spcPts val="0"/>
               </a:spcBef>
@@ -7089,9 +7012,11 @@
       <p:sp>
         <p:nvSpPr>
           <p:cNvPr id="89" name="Google Shape;89;p18"/>
-          <p:cNvSpPr txBox="1"/>
-          <p:nvPr>
-            <p:ph idx="1" type="body"/>
+          <p:cNvSpPr txBox="1">
+            <a:spLocks noGrp="1"/>
+          </p:cNvSpPr>
+          <p:nvPr>
+            <p:ph type="body" idx="1"/>
           </p:nvPr>
         </p:nvSpPr>
         <p:spPr>
@@ -7104,12 +7029,12 @@
           </a:prstGeom>
         </p:spPr>
         <p:txBody>
-          <a:bodyPr anchorCtr="0" anchor="ctr" bIns="91425" lIns="91425" spcFirstLastPara="1" rIns="91425" wrap="square" tIns="91425">
+          <a:bodyPr spcFirstLastPara="1" wrap="square" lIns="91425" tIns="91425" rIns="91425" bIns="91425" anchor="ctr" anchorCtr="0">
             <a:noAutofit/>
           </a:bodyPr>
           <a:lstStyle/>
           <a:p>
-            <a:pPr indent="0" lvl="0" marL="0" rtl="0" algn="ctr">
+            <a:pPr marL="0" lvl="0" indent="0" algn="ctr" rtl="0">
               <a:spcBef>
                 <a:spcPts val="0"/>
               </a:spcBef>
@@ -7137,9 +7062,11 @@
       <p:sp>
         <p:nvSpPr>
           <p:cNvPr id="90" name="Google Shape;90;p18"/>
-          <p:cNvSpPr txBox="1"/>
-          <p:nvPr>
-            <p:ph idx="1" type="body"/>
+          <p:cNvSpPr txBox="1">
+            <a:spLocks noGrp="1"/>
+          </p:cNvSpPr>
+          <p:nvPr>
+            <p:ph type="body" idx="1"/>
           </p:nvPr>
         </p:nvSpPr>
         <p:spPr>
@@ -7152,12 +7079,12 @@
           </a:prstGeom>
         </p:spPr>
         <p:txBody>
-          <a:bodyPr anchorCtr="0" anchor="ctr" bIns="91425" lIns="91425" spcFirstLastPara="1" rIns="91425" wrap="square" tIns="91425">
-            <a:normAutofit/>
+          <a:bodyPr spcFirstLastPara="1" wrap="square" lIns="91425" tIns="91425" rIns="91425" bIns="91425" anchor="ctr" anchorCtr="0">
+            <a:normAutofit fontScale="62500" lnSpcReduction="20000"/>
           </a:bodyPr>
           <a:lstStyle/>
           <a:p>
-            <a:pPr indent="0" lvl="0" marL="0" rtl="0" algn="l">
+            <a:pPr marL="0" lvl="0" indent="0" algn="l" rtl="0">
               <a:spcBef>
                 <a:spcPts val="0"/>
               </a:spcBef>
@@ -7185,7 +7112,9 @@
       <p:sp>
         <p:nvSpPr>
           <p:cNvPr id="91" name="Google Shape;91;p18"/>
-          <p:cNvSpPr txBox="1"/>
+          <p:cNvSpPr txBox="1">
+            <a:spLocks noGrp="1"/>
+          </p:cNvSpPr>
           <p:nvPr>
             <p:ph type="title"/>
           </p:nvPr>
@@ -7200,12 +7129,12 @@
           </a:prstGeom>
         </p:spPr>
         <p:txBody>
-          <a:bodyPr anchorCtr="0" anchor="t" bIns="91425" lIns="91425" spcFirstLastPara="1" rIns="91425" wrap="square" tIns="91425">
+          <a:bodyPr spcFirstLastPara="1" wrap="square" lIns="91425" tIns="91425" rIns="91425" bIns="91425" anchor="t" anchorCtr="0">
             <a:normAutofit fontScale="90000"/>
           </a:bodyPr>
           <a:lstStyle/>
           <a:p>
-            <a:pPr indent="0" lvl="0" marL="0" rtl="0" algn="l">
+            <a:pPr marL="0" lvl="0" indent="0" algn="l" rtl="0">
               <a:spcBef>
                 <a:spcPts val="0"/>
               </a:spcBef>
@@ -7225,9 +7154,11 @@
       <p:sp>
         <p:nvSpPr>
           <p:cNvPr id="92" name="Google Shape;92;p18"/>
-          <p:cNvSpPr txBox="1"/>
-          <p:nvPr>
-            <p:ph idx="1" type="body"/>
+          <p:cNvSpPr txBox="1">
+            <a:spLocks noGrp="1"/>
+          </p:cNvSpPr>
+          <p:nvPr>
+            <p:ph type="body" idx="1"/>
           </p:nvPr>
         </p:nvSpPr>
         <p:spPr>
@@ -7240,12 +7171,12 @@
           </a:prstGeom>
         </p:spPr>
         <p:txBody>
-          <a:bodyPr anchorCtr="0" anchor="ctr" bIns="91425" lIns="91425" spcFirstLastPara="1" rIns="91425" wrap="square" tIns="91425">
+          <a:bodyPr spcFirstLastPara="1" wrap="square" lIns="91425" tIns="91425" rIns="91425" bIns="91425" anchor="ctr" anchorCtr="0">
             <a:noAutofit/>
           </a:bodyPr>
           <a:lstStyle/>
           <a:p>
-            <a:pPr indent="0" lvl="0" marL="0" rtl="0" algn="ctr">
+            <a:pPr marL="0" lvl="0" indent="0" algn="ctr" rtl="0">
               <a:spcBef>
                 <a:spcPts val="0"/>
               </a:spcBef>
@@ -7273,9 +7204,11 @@
       <p:sp>
         <p:nvSpPr>
           <p:cNvPr id="93" name="Google Shape;93;p18"/>
-          <p:cNvSpPr txBox="1"/>
-          <p:nvPr>
-            <p:ph idx="1" type="body"/>
+          <p:cNvSpPr txBox="1">
+            <a:spLocks noGrp="1"/>
+          </p:cNvSpPr>
+          <p:nvPr>
+            <p:ph type="body" idx="1"/>
           </p:nvPr>
         </p:nvSpPr>
         <p:spPr>
@@ -7288,12 +7221,12 @@
           </a:prstGeom>
         </p:spPr>
         <p:txBody>
-          <a:bodyPr anchorCtr="0" anchor="ctr" bIns="91425" lIns="91425" spcFirstLastPara="1" rIns="91425" wrap="square" tIns="91425">
-            <a:normAutofit/>
+          <a:bodyPr spcFirstLastPara="1" wrap="square" lIns="91425" tIns="91425" rIns="91425" bIns="91425" anchor="ctr" anchorCtr="0">
+            <a:normAutofit fontScale="62500" lnSpcReduction="20000"/>
           </a:bodyPr>
           <a:lstStyle/>
           <a:p>
-            <a:pPr indent="0" lvl="0" marL="0" rtl="0" algn="l">
+            <a:pPr marL="0" lvl="0" indent="0" algn="l" rtl="0">
               <a:spcBef>
                 <a:spcPts val="0"/>
               </a:spcBef>
@@ -7321,9 +7254,11 @@
       <p:sp>
         <p:nvSpPr>
           <p:cNvPr id="94" name="Google Shape;94;p18"/>
-          <p:cNvSpPr txBox="1"/>
-          <p:nvPr>
-            <p:ph idx="1" type="body"/>
+          <p:cNvSpPr txBox="1">
+            <a:spLocks noGrp="1"/>
+          </p:cNvSpPr>
+          <p:nvPr>
+            <p:ph type="body" idx="1"/>
           </p:nvPr>
         </p:nvSpPr>
         <p:spPr>
@@ -7336,12 +7271,12 @@
           </a:prstGeom>
         </p:spPr>
         <p:txBody>
-          <a:bodyPr anchorCtr="0" anchor="ctr" bIns="91425" lIns="91425" spcFirstLastPara="1" rIns="91425" wrap="square" tIns="91425">
+          <a:bodyPr spcFirstLastPara="1" wrap="square" lIns="91425" tIns="91425" rIns="91425" bIns="91425" anchor="ctr" anchorCtr="0">
             <a:noAutofit/>
           </a:bodyPr>
           <a:lstStyle/>
           <a:p>
-            <a:pPr indent="0" lvl="0" marL="0" rtl="0" algn="ctr">
+            <a:pPr marL="0" lvl="0" indent="0" algn="ctr" rtl="0">
               <a:spcBef>
                 <a:spcPts val="0"/>
               </a:spcBef>
@@ -7369,9 +7304,11 @@
       <p:sp>
         <p:nvSpPr>
           <p:cNvPr id="95" name="Google Shape;95;p18"/>
-          <p:cNvSpPr txBox="1"/>
-          <p:nvPr>
-            <p:ph idx="1" type="body"/>
+          <p:cNvSpPr txBox="1">
+            <a:spLocks noGrp="1"/>
+          </p:cNvSpPr>
+          <p:nvPr>
+            <p:ph type="body" idx="1"/>
           </p:nvPr>
         </p:nvSpPr>
         <p:spPr>
@@ -7384,12 +7321,12 @@
           </a:prstGeom>
         </p:spPr>
         <p:txBody>
-          <a:bodyPr anchorCtr="0" anchor="ctr" bIns="91425" lIns="91425" spcFirstLastPara="1" rIns="91425" wrap="square" tIns="91425">
-            <a:normAutofit/>
+          <a:bodyPr spcFirstLastPara="1" wrap="square" lIns="91425" tIns="91425" rIns="91425" bIns="91425" anchor="ctr" anchorCtr="0">
+            <a:normAutofit fontScale="62500" lnSpcReduction="20000"/>
           </a:bodyPr>
           <a:lstStyle/>
           <a:p>
-            <a:pPr indent="0" lvl="0" marL="0" rtl="0" algn="l">
+            <a:pPr marL="0" lvl="0" indent="0" algn="l" rtl="0">
               <a:spcBef>
                 <a:spcPts val="0"/>
               </a:spcBef>
@@ -7423,11 +7360,11 @@
 </file>
 
 <file path=ppt/slides/slide7.xml><?xml version="1.0" encoding="utf-8"?>
-<p:sld xmlns:a="http://schemas.openxmlformats.org/drawingml/2006/main" xmlns:r="http://schemas.openxmlformats.org/officeDocument/2006/relationships" xmlns:mc="http://schemas.openxmlformats.org/markup-compatibility/2006" xmlns:mv="urn:schemas-microsoft-com:mac:vml" xmlns:p="http://schemas.openxmlformats.org/presentationml/2006/main" xmlns:c="http://schemas.openxmlformats.org/drawingml/2006/chart" xmlns:dgm="http://schemas.openxmlformats.org/drawingml/2006/diagram" xmlns:o="urn:schemas-microsoft-com:office:office" xmlns:v="urn:schemas-microsoft-com:vml" xmlns:pvml="urn:schemas-microsoft-com:office:powerpoint" xmlns:com="http://schemas.openxmlformats.org/drawingml/2006/compatibility" xmlns:p14="http://schemas.microsoft.com/office/powerpoint/2010/main" xmlns:p15="http://schemas.microsoft.com/office/powerpoint/2012/main" xmlns:ahyp="http://schemas.microsoft.com/office/drawing/2018/hyperlinkcolor">
+<p:sld xmlns:a="http://schemas.openxmlformats.org/drawingml/2006/main" xmlns:r="http://schemas.openxmlformats.org/officeDocument/2006/relationships" xmlns:p="http://schemas.openxmlformats.org/presentationml/2006/main">
   <p:cSld>
     <p:spTree>
       <p:nvGrpSpPr>
-        <p:cNvPr id="99" name="Shape 99"/>
+        <p:cNvPr id="1" name="Shape 99"/>
         <p:cNvGrpSpPr/>
         <p:nvPr/>
       </p:nvGrpSpPr>
@@ -7442,9 +7379,11 @@
       <p:sp>
         <p:nvSpPr>
           <p:cNvPr id="100" name="Google Shape;100;p19"/>
-          <p:cNvSpPr txBox="1"/>
-          <p:nvPr>
-            <p:ph idx="1" type="body"/>
+          <p:cNvSpPr txBox="1">
+            <a:spLocks noGrp="1"/>
+          </p:cNvSpPr>
+          <p:nvPr>
+            <p:ph type="body" idx="1"/>
           </p:nvPr>
         </p:nvSpPr>
         <p:spPr>
@@ -7457,12 +7396,12 @@
           </a:prstGeom>
         </p:spPr>
         <p:txBody>
-          <a:bodyPr anchorCtr="0" anchor="ctr" bIns="91425" lIns="91425" spcFirstLastPara="1" rIns="91425" wrap="square" tIns="91425">
+          <a:bodyPr spcFirstLastPara="1" wrap="square" lIns="91425" tIns="91425" rIns="91425" bIns="91425" anchor="ctr" anchorCtr="0">
             <a:noAutofit/>
           </a:bodyPr>
           <a:lstStyle/>
           <a:p>
-            <a:pPr indent="0" lvl="0" marL="0" rtl="0" algn="ctr">
+            <a:pPr marL="0" lvl="0" indent="0" algn="ctr" rtl="0">
               <a:spcBef>
                 <a:spcPts val="0"/>
               </a:spcBef>
@@ -7490,9 +7429,11 @@
       <p:sp>
         <p:nvSpPr>
           <p:cNvPr id="101" name="Google Shape;101;p19"/>
-          <p:cNvSpPr txBox="1"/>
-          <p:nvPr>
-            <p:ph idx="1" type="body"/>
+          <p:cNvSpPr txBox="1">
+            <a:spLocks noGrp="1"/>
+          </p:cNvSpPr>
+          <p:nvPr>
+            <p:ph type="body" idx="1"/>
           </p:nvPr>
         </p:nvSpPr>
         <p:spPr>
@@ -7505,12 +7446,12 @@
           </a:prstGeom>
         </p:spPr>
         <p:txBody>
-          <a:bodyPr anchorCtr="0" anchor="ctr" bIns="91425" lIns="91425" spcFirstLastPara="1" rIns="91425" wrap="square" tIns="91425">
-            <a:normAutofit/>
+          <a:bodyPr spcFirstLastPara="1" wrap="square" lIns="91425" tIns="91425" rIns="91425" bIns="91425" anchor="ctr" anchorCtr="0">
+            <a:normAutofit fontScale="62500" lnSpcReduction="20000"/>
           </a:bodyPr>
           <a:lstStyle/>
           <a:p>
-            <a:pPr indent="0" lvl="0" marL="0" rtl="0" algn="l">
+            <a:pPr marL="0" lvl="0" indent="0" algn="l" rtl="0">
               <a:spcBef>
                 <a:spcPts val="0"/>
               </a:spcBef>
@@ -7538,9 +7479,11 @@
       <p:sp>
         <p:nvSpPr>
           <p:cNvPr id="102" name="Google Shape;102;p19"/>
-          <p:cNvSpPr txBox="1"/>
-          <p:nvPr>
-            <p:ph idx="1" type="body"/>
+          <p:cNvSpPr txBox="1">
+            <a:spLocks noGrp="1"/>
+          </p:cNvSpPr>
+          <p:nvPr>
+            <p:ph type="body" idx="1"/>
           </p:nvPr>
         </p:nvSpPr>
         <p:spPr>
@@ -7553,12 +7496,12 @@
           </a:prstGeom>
         </p:spPr>
         <p:txBody>
-          <a:bodyPr anchorCtr="0" anchor="ctr" bIns="91425" lIns="91425" spcFirstLastPara="1" rIns="91425" wrap="square" tIns="91425">
+          <a:bodyPr spcFirstLastPara="1" wrap="square" lIns="91425" tIns="91425" rIns="91425" bIns="91425" anchor="ctr" anchorCtr="0">
             <a:noAutofit/>
           </a:bodyPr>
           <a:lstStyle/>
           <a:p>
-            <a:pPr indent="0" lvl="0" marL="0" rtl="0" algn="ctr">
+            <a:pPr marL="0" lvl="0" indent="0" algn="ctr" rtl="0">
               <a:spcBef>
                 <a:spcPts val="0"/>
               </a:spcBef>
@@ -7586,9 +7529,11 @@
       <p:sp>
         <p:nvSpPr>
           <p:cNvPr id="103" name="Google Shape;103;p19"/>
-          <p:cNvSpPr txBox="1"/>
-          <p:nvPr>
-            <p:ph idx="1" type="body"/>
+          <p:cNvSpPr txBox="1">
+            <a:spLocks noGrp="1"/>
+          </p:cNvSpPr>
+          <p:nvPr>
+            <p:ph type="body" idx="1"/>
           </p:nvPr>
         </p:nvSpPr>
         <p:spPr>
@@ -7601,12 +7546,12 @@
           </a:prstGeom>
         </p:spPr>
         <p:txBody>
-          <a:bodyPr anchorCtr="0" anchor="ctr" bIns="91425" lIns="91425" spcFirstLastPara="1" rIns="91425" wrap="square" tIns="91425">
-            <a:normAutofit/>
+          <a:bodyPr spcFirstLastPara="1" wrap="square" lIns="91425" tIns="91425" rIns="91425" bIns="91425" anchor="ctr" anchorCtr="0">
+            <a:normAutofit fontScale="62500" lnSpcReduction="20000"/>
           </a:bodyPr>
           <a:lstStyle/>
           <a:p>
-            <a:pPr indent="0" lvl="0" marL="0" rtl="0" algn="l">
+            <a:pPr marL="0" lvl="0" indent="0" algn="l" rtl="0">
               <a:spcBef>
                 <a:spcPts val="0"/>
               </a:spcBef>
@@ -7634,9 +7579,11 @@
       <p:sp>
         <p:nvSpPr>
           <p:cNvPr id="104" name="Google Shape;104;p19"/>
-          <p:cNvSpPr txBox="1"/>
-          <p:nvPr>
-            <p:ph idx="1" type="body"/>
+          <p:cNvSpPr txBox="1">
+            <a:spLocks noGrp="1"/>
+          </p:cNvSpPr>
+          <p:nvPr>
+            <p:ph type="body" idx="1"/>
           </p:nvPr>
         </p:nvSpPr>
         <p:spPr>
@@ -7649,12 +7596,12 @@
           </a:prstGeom>
         </p:spPr>
         <p:txBody>
-          <a:bodyPr anchorCtr="0" anchor="ctr" bIns="91425" lIns="91425" spcFirstLastPara="1" rIns="91425" wrap="square" tIns="91425">
+          <a:bodyPr spcFirstLastPara="1" wrap="square" lIns="91425" tIns="91425" rIns="91425" bIns="91425" anchor="ctr" anchorCtr="0">
             <a:noAutofit/>
           </a:bodyPr>
           <a:lstStyle/>
           <a:p>
-            <a:pPr indent="0" lvl="0" marL="0" rtl="0" algn="ctr">
+            <a:pPr marL="0" lvl="0" indent="0" algn="ctr" rtl="0">
               <a:spcBef>
                 <a:spcPts val="0"/>
               </a:spcBef>
@@ -7682,9 +7629,11 @@
       <p:sp>
         <p:nvSpPr>
           <p:cNvPr id="105" name="Google Shape;105;p19"/>
-          <p:cNvSpPr txBox="1"/>
-          <p:nvPr>
-            <p:ph idx="1" type="body"/>
+          <p:cNvSpPr txBox="1">
+            <a:spLocks noGrp="1"/>
+          </p:cNvSpPr>
+          <p:nvPr>
+            <p:ph type="body" idx="1"/>
           </p:nvPr>
         </p:nvSpPr>
         <p:spPr>
@@ -7697,12 +7646,12 @@
           </a:prstGeom>
         </p:spPr>
         <p:txBody>
-          <a:bodyPr anchorCtr="0" anchor="ctr" bIns="91425" lIns="91425" spcFirstLastPara="1" rIns="91425" wrap="square" tIns="91425">
-            <a:normAutofit/>
+          <a:bodyPr spcFirstLastPara="1" wrap="square" lIns="91425" tIns="91425" rIns="91425" bIns="91425" anchor="ctr" anchorCtr="0">
+            <a:normAutofit fontScale="62500" lnSpcReduction="20000"/>
           </a:bodyPr>
           <a:lstStyle/>
           <a:p>
-            <a:pPr indent="0" lvl="0" marL="0" rtl="0" algn="l">
+            <a:pPr marL="0" lvl="0" indent="0" algn="l" rtl="0">
               <a:spcBef>
                 <a:spcPts val="0"/>
               </a:spcBef>
@@ -7730,7 +7679,9 @@
       <p:sp>
         <p:nvSpPr>
           <p:cNvPr id="106" name="Google Shape;106;p19"/>
-          <p:cNvSpPr txBox="1"/>
+          <p:cNvSpPr txBox="1">
+            <a:spLocks noGrp="1"/>
+          </p:cNvSpPr>
           <p:nvPr>
             <p:ph type="title"/>
           </p:nvPr>
@@ -7745,12 +7696,12 @@
           </a:prstGeom>
         </p:spPr>
         <p:txBody>
-          <a:bodyPr anchorCtr="0" anchor="t" bIns="91425" lIns="91425" spcFirstLastPara="1" rIns="91425" wrap="square" tIns="91425">
+          <a:bodyPr spcFirstLastPara="1" wrap="square" lIns="91425" tIns="91425" rIns="91425" bIns="91425" anchor="t" anchorCtr="0">
             <a:normAutofit fontScale="90000"/>
           </a:bodyPr>
           <a:lstStyle/>
           <a:p>
-            <a:pPr indent="0" lvl="0" marL="0" rtl="0" algn="l">
+            <a:pPr marL="0" lvl="0" indent="0" algn="l" rtl="0">
               <a:spcBef>
                 <a:spcPts val="0"/>
               </a:spcBef>
@@ -7770,9 +7721,11 @@
       <p:sp>
         <p:nvSpPr>
           <p:cNvPr id="107" name="Google Shape;107;p19"/>
-          <p:cNvSpPr txBox="1"/>
-          <p:nvPr>
-            <p:ph idx="1" type="body"/>
+          <p:cNvSpPr txBox="1">
+            <a:spLocks noGrp="1"/>
+          </p:cNvSpPr>
+          <p:nvPr>
+            <p:ph type="body" idx="1"/>
           </p:nvPr>
         </p:nvSpPr>
         <p:spPr>
@@ -7785,12 +7738,12 @@
           </a:prstGeom>
         </p:spPr>
         <p:txBody>
-          <a:bodyPr anchorCtr="0" anchor="ctr" bIns="91425" lIns="91425" spcFirstLastPara="1" rIns="91425" wrap="square" tIns="91425">
+          <a:bodyPr spcFirstLastPara="1" wrap="square" lIns="91425" tIns="91425" rIns="91425" bIns="91425" anchor="ctr" anchorCtr="0">
             <a:noAutofit/>
           </a:bodyPr>
           <a:lstStyle/>
           <a:p>
-            <a:pPr indent="0" lvl="0" marL="0" rtl="0" algn="ctr">
+            <a:pPr marL="0" lvl="0" indent="0" algn="ctr" rtl="0">
               <a:spcBef>
                 <a:spcPts val="0"/>
               </a:spcBef>
@@ -7818,9 +7771,11 @@
       <p:sp>
         <p:nvSpPr>
           <p:cNvPr id="108" name="Google Shape;108;p19"/>
-          <p:cNvSpPr txBox="1"/>
-          <p:nvPr>
-            <p:ph idx="1" type="body"/>
+          <p:cNvSpPr txBox="1">
+            <a:spLocks noGrp="1"/>
+          </p:cNvSpPr>
+          <p:nvPr>
+            <p:ph type="body" idx="1"/>
           </p:nvPr>
         </p:nvSpPr>
         <p:spPr>
@@ -7833,12 +7788,12 @@
           </a:prstGeom>
         </p:spPr>
         <p:txBody>
-          <a:bodyPr anchorCtr="0" anchor="ctr" bIns="91425" lIns="91425" spcFirstLastPara="1" rIns="91425" wrap="square" tIns="91425">
-            <a:normAutofit/>
+          <a:bodyPr spcFirstLastPara="1" wrap="square" lIns="91425" tIns="91425" rIns="91425" bIns="91425" anchor="ctr" anchorCtr="0">
+            <a:normAutofit fontScale="62500" lnSpcReduction="20000"/>
           </a:bodyPr>
           <a:lstStyle/>
           <a:p>
-            <a:pPr indent="0" lvl="0" marL="0" rtl="0" algn="l">
+            <a:pPr marL="0" lvl="0" indent="0" algn="l" rtl="0">
               <a:spcBef>
                 <a:spcPts val="0"/>
               </a:spcBef>
@@ -7872,11 +7827,11 @@
 </file>
 
 <file path=ppt/slides/slide8.xml><?xml version="1.0" encoding="utf-8"?>
-<p:sld xmlns:a="http://schemas.openxmlformats.org/drawingml/2006/main" xmlns:r="http://schemas.openxmlformats.org/officeDocument/2006/relationships" xmlns:mc="http://schemas.openxmlformats.org/markup-compatibility/2006" xmlns:mv="urn:schemas-microsoft-com:mac:vml" xmlns:p="http://schemas.openxmlformats.org/presentationml/2006/main" xmlns:c="http://schemas.openxmlformats.org/drawingml/2006/chart" xmlns:dgm="http://schemas.openxmlformats.org/drawingml/2006/diagram" xmlns:o="urn:schemas-microsoft-com:office:office" xmlns:v="urn:schemas-microsoft-com:vml" xmlns:pvml="urn:schemas-microsoft-com:office:powerpoint" xmlns:com="http://schemas.openxmlformats.org/drawingml/2006/compatibility" xmlns:p14="http://schemas.microsoft.com/office/powerpoint/2010/main" xmlns:p15="http://schemas.microsoft.com/office/powerpoint/2012/main" xmlns:ahyp="http://schemas.microsoft.com/office/drawing/2018/hyperlinkcolor">
+<p:sld xmlns:a="http://schemas.openxmlformats.org/drawingml/2006/main" xmlns:r="http://schemas.openxmlformats.org/officeDocument/2006/relationships" xmlns:p="http://schemas.openxmlformats.org/presentationml/2006/main">
   <p:cSld>
     <p:spTree>
       <p:nvGrpSpPr>
-        <p:cNvPr id="112" name="Shape 112"/>
+        <p:cNvPr id="1" name="Shape 112"/>
         <p:cNvGrpSpPr/>
         <p:nvPr/>
       </p:nvGrpSpPr>
@@ -7891,9 +7846,11 @@
       <p:sp>
         <p:nvSpPr>
           <p:cNvPr id="113" name="Google Shape;113;p20"/>
-          <p:cNvSpPr txBox="1"/>
-          <p:nvPr>
-            <p:ph idx="1" type="body"/>
+          <p:cNvSpPr txBox="1">
+            <a:spLocks noGrp="1"/>
+          </p:cNvSpPr>
+          <p:nvPr>
+            <p:ph type="body" idx="1"/>
           </p:nvPr>
         </p:nvSpPr>
         <p:spPr>
@@ -7906,12 +7863,12 @@
           </a:prstGeom>
         </p:spPr>
         <p:txBody>
-          <a:bodyPr anchorCtr="0" anchor="ctr" bIns="91425" lIns="91425" spcFirstLastPara="1" rIns="91425" wrap="square" tIns="91425">
+          <a:bodyPr spcFirstLastPara="1" wrap="square" lIns="91425" tIns="91425" rIns="91425" bIns="91425" anchor="ctr" anchorCtr="0">
             <a:noAutofit/>
           </a:bodyPr>
           <a:lstStyle/>
           <a:p>
-            <a:pPr indent="0" lvl="0" marL="0" rtl="0" algn="ctr">
+            <a:pPr marL="0" lvl="0" indent="0" algn="ctr" rtl="0">
               <a:spcBef>
                 <a:spcPts val="0"/>
               </a:spcBef>
@@ -7939,9 +7896,11 @@
       <p:sp>
         <p:nvSpPr>
           <p:cNvPr id="114" name="Google Shape;114;p20"/>
-          <p:cNvSpPr txBox="1"/>
-          <p:nvPr>
-            <p:ph idx="1" type="body"/>
+          <p:cNvSpPr txBox="1">
+            <a:spLocks noGrp="1"/>
+          </p:cNvSpPr>
+          <p:nvPr>
+            <p:ph type="body" idx="1"/>
           </p:nvPr>
         </p:nvSpPr>
         <p:spPr>
@@ -7954,12 +7913,12 @@
           </a:prstGeom>
         </p:spPr>
         <p:txBody>
-          <a:bodyPr anchorCtr="0" anchor="ctr" bIns="91425" lIns="91425" spcFirstLastPara="1" rIns="91425" wrap="square" tIns="91425">
-            <a:normAutofit/>
+          <a:bodyPr spcFirstLastPara="1" wrap="square" lIns="91425" tIns="91425" rIns="91425" bIns="91425" anchor="ctr" anchorCtr="0">
+            <a:normAutofit fontScale="62500" lnSpcReduction="20000"/>
           </a:bodyPr>
           <a:lstStyle/>
           <a:p>
-            <a:pPr indent="0" lvl="0" marL="0" rtl="0" algn="l">
+            <a:pPr marL="0" lvl="0" indent="0" algn="l" rtl="0">
               <a:spcBef>
                 <a:spcPts val="0"/>
               </a:spcBef>
@@ -7987,9 +7946,11 @@
       <p:sp>
         <p:nvSpPr>
           <p:cNvPr id="115" name="Google Shape;115;p20"/>
-          <p:cNvSpPr txBox="1"/>
-          <p:nvPr>
-            <p:ph idx="1" type="body"/>
+          <p:cNvSpPr txBox="1">
+            <a:spLocks noGrp="1"/>
+          </p:cNvSpPr>
+          <p:nvPr>
+            <p:ph type="body" idx="1"/>
           </p:nvPr>
         </p:nvSpPr>
         <p:spPr>
@@ -8002,12 +7963,12 @@
           </a:prstGeom>
         </p:spPr>
         <p:txBody>
-          <a:bodyPr anchorCtr="0" anchor="ctr" bIns="91425" lIns="91425" spcFirstLastPara="1" rIns="91425" wrap="square" tIns="91425">
+          <a:bodyPr spcFirstLastPara="1" wrap="square" lIns="91425" tIns="91425" rIns="91425" bIns="91425" anchor="ctr" anchorCtr="0">
             <a:noAutofit/>
           </a:bodyPr>
           <a:lstStyle/>
           <a:p>
-            <a:pPr indent="0" lvl="0" marL="0" rtl="0" algn="ctr">
+            <a:pPr marL="0" lvl="0" indent="0" algn="ctr" rtl="0">
               <a:spcBef>
                 <a:spcPts val="0"/>
               </a:spcBef>
@@ -8035,9 +7996,11 @@
       <p:sp>
         <p:nvSpPr>
           <p:cNvPr id="116" name="Google Shape;116;p20"/>
-          <p:cNvSpPr txBox="1"/>
-          <p:nvPr>
-            <p:ph idx="1" type="body"/>
+          <p:cNvSpPr txBox="1">
+            <a:spLocks noGrp="1"/>
+          </p:cNvSpPr>
+          <p:nvPr>
+            <p:ph type="body" idx="1"/>
           </p:nvPr>
         </p:nvSpPr>
         <p:spPr>
@@ -8050,12 +8013,12 @@
           </a:prstGeom>
         </p:spPr>
         <p:txBody>
-          <a:bodyPr anchorCtr="0" anchor="ctr" bIns="91425" lIns="91425" spcFirstLastPara="1" rIns="91425" wrap="square" tIns="91425">
-            <a:normAutofit/>
+          <a:bodyPr spcFirstLastPara="1" wrap="square" lIns="91425" tIns="91425" rIns="91425" bIns="91425" anchor="ctr" anchorCtr="0">
+            <a:normAutofit fontScale="62500" lnSpcReduction="20000"/>
           </a:bodyPr>
           <a:lstStyle/>
           <a:p>
-            <a:pPr indent="0" lvl="0" marL="0" rtl="0" algn="l">
+            <a:pPr marL="0" lvl="0" indent="0" algn="l" rtl="0">
               <a:spcBef>
                 <a:spcPts val="0"/>
               </a:spcBef>
@@ -8083,9 +8046,11 @@
       <p:sp>
         <p:nvSpPr>
           <p:cNvPr id="117" name="Google Shape;117;p20"/>
-          <p:cNvSpPr txBox="1"/>
-          <p:nvPr>
-            <p:ph idx="1" type="body"/>
+          <p:cNvSpPr txBox="1">
+            <a:spLocks noGrp="1"/>
+          </p:cNvSpPr>
+          <p:nvPr>
+            <p:ph type="body" idx="1"/>
           </p:nvPr>
         </p:nvSpPr>
         <p:spPr>
@@ -8098,12 +8063,12 @@
           </a:prstGeom>
         </p:spPr>
         <p:txBody>
-          <a:bodyPr anchorCtr="0" anchor="ctr" bIns="91425" lIns="91425" spcFirstLastPara="1" rIns="91425" wrap="square" tIns="91425">
+          <a:bodyPr spcFirstLastPara="1" wrap="square" lIns="91425" tIns="91425" rIns="91425" bIns="91425" anchor="ctr" anchorCtr="0">
             <a:noAutofit/>
           </a:bodyPr>
           <a:lstStyle/>
           <a:p>
-            <a:pPr indent="0" lvl="0" marL="0" rtl="0" algn="ctr">
+            <a:pPr marL="0" lvl="0" indent="0" algn="ctr" rtl="0">
               <a:spcBef>
                 <a:spcPts val="0"/>
               </a:spcBef>
@@ -8131,9 +8096,11 @@
       <p:sp>
         <p:nvSpPr>
           <p:cNvPr id="118" name="Google Shape;118;p20"/>
-          <p:cNvSpPr txBox="1"/>
-          <p:nvPr>
-            <p:ph idx="1" type="body"/>
+          <p:cNvSpPr txBox="1">
+            <a:spLocks noGrp="1"/>
+          </p:cNvSpPr>
+          <p:nvPr>
+            <p:ph type="body" idx="1"/>
           </p:nvPr>
         </p:nvSpPr>
         <p:spPr>
@@ -8146,12 +8113,12 @@
           </a:prstGeom>
         </p:spPr>
         <p:txBody>
-          <a:bodyPr anchorCtr="0" anchor="ctr" bIns="91425" lIns="91425" spcFirstLastPara="1" rIns="91425" wrap="square" tIns="91425">
-            <a:normAutofit/>
+          <a:bodyPr spcFirstLastPara="1" wrap="square" lIns="91425" tIns="91425" rIns="91425" bIns="91425" anchor="ctr" anchorCtr="0">
+            <a:normAutofit fontScale="62500" lnSpcReduction="20000"/>
           </a:bodyPr>
           <a:lstStyle/>
           <a:p>
-            <a:pPr indent="0" lvl="0" marL="0" rtl="0" algn="l">
+            <a:pPr marL="0" lvl="0" indent="0" algn="l" rtl="0">
               <a:spcBef>
                 <a:spcPts val="0"/>
               </a:spcBef>
@@ -8179,7 +8146,9 @@
       <p:sp>
         <p:nvSpPr>
           <p:cNvPr id="119" name="Google Shape;119;p20"/>
-          <p:cNvSpPr txBox="1"/>
+          <p:cNvSpPr txBox="1">
+            <a:spLocks noGrp="1"/>
+          </p:cNvSpPr>
           <p:nvPr>
             <p:ph type="title"/>
           </p:nvPr>
@@ -8194,12 +8163,12 @@
           </a:prstGeom>
         </p:spPr>
         <p:txBody>
-          <a:bodyPr anchorCtr="0" anchor="t" bIns="91425" lIns="91425" spcFirstLastPara="1" rIns="91425" wrap="square" tIns="91425">
+          <a:bodyPr spcFirstLastPara="1" wrap="square" lIns="91425" tIns="91425" rIns="91425" bIns="91425" anchor="t" anchorCtr="0">
             <a:normAutofit fontScale="90000"/>
           </a:bodyPr>
           <a:lstStyle/>
           <a:p>
-            <a:pPr indent="0" lvl="0" marL="0" rtl="0" algn="l">
+            <a:pPr marL="0" lvl="0" indent="0" algn="l" rtl="0">
               <a:spcBef>
                 <a:spcPts val="0"/>
               </a:spcBef>
@@ -8225,11 +8194,11 @@
 </file>
 
 <file path=ppt/slides/slide9.xml><?xml version="1.0" encoding="utf-8"?>
-<p:sld xmlns:a="http://schemas.openxmlformats.org/drawingml/2006/main" xmlns:r="http://schemas.openxmlformats.org/officeDocument/2006/relationships" xmlns:mc="http://schemas.openxmlformats.org/markup-compatibility/2006" xmlns:mv="urn:schemas-microsoft-com:mac:vml" xmlns:p="http://schemas.openxmlformats.org/presentationml/2006/main" xmlns:c="http://schemas.openxmlformats.org/drawingml/2006/chart" xmlns:dgm="http://schemas.openxmlformats.org/drawingml/2006/diagram" xmlns:o="urn:schemas-microsoft-com:office:office" xmlns:v="urn:schemas-microsoft-com:vml" xmlns:pvml="urn:schemas-microsoft-com:office:powerpoint" xmlns:com="http://schemas.openxmlformats.org/drawingml/2006/compatibility" xmlns:p14="http://schemas.microsoft.com/office/powerpoint/2010/main" xmlns:p15="http://schemas.microsoft.com/office/powerpoint/2012/main" xmlns:ahyp="http://schemas.microsoft.com/office/drawing/2018/hyperlinkcolor">
+<p:sld xmlns:a="http://schemas.openxmlformats.org/drawingml/2006/main" xmlns:r="http://schemas.openxmlformats.org/officeDocument/2006/relationships" xmlns:p="http://schemas.openxmlformats.org/presentationml/2006/main">
   <p:cSld>
     <p:spTree>
       <p:nvGrpSpPr>
-        <p:cNvPr id="123" name="Shape 123"/>
+        <p:cNvPr id="1" name="Shape 123"/>
         <p:cNvGrpSpPr/>
         <p:nvPr/>
       </p:nvGrpSpPr>
@@ -8244,9 +8213,11 @@
       <p:sp>
         <p:nvSpPr>
           <p:cNvPr id="124" name="Google Shape;124;p21"/>
-          <p:cNvSpPr txBox="1"/>
-          <p:nvPr>
-            <p:ph idx="1" type="body"/>
+          <p:cNvSpPr txBox="1">
+            <a:spLocks noGrp="1"/>
+          </p:cNvSpPr>
+          <p:nvPr>
+            <p:ph type="body" idx="1"/>
           </p:nvPr>
         </p:nvSpPr>
         <p:spPr>
@@ -8259,12 +8230,12 @@
           </a:prstGeom>
         </p:spPr>
         <p:txBody>
-          <a:bodyPr anchorCtr="0" anchor="ctr" bIns="91425" lIns="91425" spcFirstLastPara="1" rIns="91425" wrap="square" tIns="91425">
+          <a:bodyPr spcFirstLastPara="1" wrap="square" lIns="91425" tIns="91425" rIns="91425" bIns="91425" anchor="ctr" anchorCtr="0">
             <a:noAutofit/>
           </a:bodyPr>
           <a:lstStyle/>
           <a:p>
-            <a:pPr indent="0" lvl="0" marL="0" rtl="0" algn="ctr">
+            <a:pPr marL="0" lvl="0" indent="0" algn="ctr" rtl="0">
               <a:spcBef>
                 <a:spcPts val="0"/>
               </a:spcBef>
@@ -8292,9 +8263,11 @@
       <p:sp>
         <p:nvSpPr>
           <p:cNvPr id="125" name="Google Shape;125;p21"/>
-          <p:cNvSpPr txBox="1"/>
-          <p:nvPr>
-            <p:ph idx="1" type="body"/>
+          <p:cNvSpPr txBox="1">
+            <a:spLocks noGrp="1"/>
+          </p:cNvSpPr>
+          <p:nvPr>
+            <p:ph type="body" idx="1"/>
           </p:nvPr>
         </p:nvSpPr>
         <p:spPr>
@@ -8307,12 +8280,12 @@
           </a:prstGeom>
         </p:spPr>
         <p:txBody>
-          <a:bodyPr anchorCtr="0" anchor="ctr" bIns="91425" lIns="91425" spcFirstLastPara="1" rIns="91425" wrap="square" tIns="91425">
-            <a:normAutofit/>
+          <a:bodyPr spcFirstLastPara="1" wrap="square" lIns="91425" tIns="91425" rIns="91425" bIns="91425" anchor="ctr" anchorCtr="0">
+            <a:normAutofit fontScale="62500" lnSpcReduction="20000"/>
           </a:bodyPr>
           <a:lstStyle/>
           <a:p>
-            <a:pPr indent="0" lvl="0" marL="0" rtl="0" algn="l">
+            <a:pPr marL="0" lvl="0" indent="0" algn="l" rtl="0">
               <a:spcBef>
                 <a:spcPts val="0"/>
               </a:spcBef>
@@ -8322,14 +8295,14 @@
               <a:buNone/>
             </a:pPr>
             <a:r>
-              <a:rPr lang="en" sz="2600">
+              <a:rPr lang="en" sz="2600" dirty="0">
                 <a:solidFill>
                   <a:srgbClr val="000000"/>
                 </a:solidFill>
               </a:rPr>
               <a:t>$text.chapter1</a:t>
             </a:r>
-            <a:endParaRPr sz="2600">
+            <a:endParaRPr sz="2600" dirty="0">
               <a:solidFill>
                 <a:srgbClr val="000000"/>
               </a:solidFill>
@@ -8340,9 +8313,11 @@
       <p:sp>
         <p:nvSpPr>
           <p:cNvPr id="126" name="Google Shape;126;p21"/>
-          <p:cNvSpPr txBox="1"/>
-          <p:nvPr>
-            <p:ph idx="1" type="body"/>
+          <p:cNvSpPr txBox="1">
+            <a:spLocks noGrp="1"/>
+          </p:cNvSpPr>
+          <p:nvPr>
+            <p:ph type="body" idx="1"/>
           </p:nvPr>
         </p:nvSpPr>
         <p:spPr>
@@ -8355,12 +8330,12 @@
           </a:prstGeom>
         </p:spPr>
         <p:txBody>
-          <a:bodyPr anchorCtr="0" anchor="ctr" bIns="91425" lIns="91425" spcFirstLastPara="1" rIns="91425" wrap="square" tIns="91425">
+          <a:bodyPr spcFirstLastPara="1" wrap="square" lIns="91425" tIns="91425" rIns="91425" bIns="91425" anchor="ctr" anchorCtr="0">
             <a:noAutofit/>
           </a:bodyPr>
           <a:lstStyle/>
           <a:p>
-            <a:pPr indent="0" lvl="0" marL="0" rtl="0" algn="ctr">
+            <a:pPr marL="0" lvl="0" indent="0" algn="ctr" rtl="0">
               <a:spcBef>
                 <a:spcPts val="0"/>
               </a:spcBef>
@@ -8388,9 +8363,11 @@
       <p:sp>
         <p:nvSpPr>
           <p:cNvPr id="127" name="Google Shape;127;p21"/>
-          <p:cNvSpPr txBox="1"/>
-          <p:nvPr>
-            <p:ph idx="1" type="body"/>
+          <p:cNvSpPr txBox="1">
+            <a:spLocks noGrp="1"/>
+          </p:cNvSpPr>
+          <p:nvPr>
+            <p:ph type="body" idx="1"/>
           </p:nvPr>
         </p:nvSpPr>
         <p:spPr>
@@ -8403,12 +8380,12 @@
           </a:prstGeom>
         </p:spPr>
         <p:txBody>
-          <a:bodyPr anchorCtr="0" anchor="ctr" bIns="91425" lIns="91425" spcFirstLastPara="1" rIns="91425" wrap="square" tIns="91425">
-            <a:normAutofit/>
+          <a:bodyPr spcFirstLastPara="1" wrap="square" lIns="91425" tIns="91425" rIns="91425" bIns="91425" anchor="ctr" anchorCtr="0">
+            <a:normAutofit fontScale="62500" lnSpcReduction="20000"/>
           </a:bodyPr>
           <a:lstStyle/>
           <a:p>
-            <a:pPr indent="0" lvl="0" marL="0" rtl="0" algn="l">
+            <a:pPr marL="0" lvl="0" indent="0" algn="l" rtl="0">
               <a:spcBef>
                 <a:spcPts val="0"/>
               </a:spcBef>
@@ -8436,7 +8413,9 @@
       <p:sp>
         <p:nvSpPr>
           <p:cNvPr id="128" name="Google Shape;128;p21"/>
-          <p:cNvSpPr txBox="1"/>
+          <p:cNvSpPr txBox="1">
+            <a:spLocks noGrp="1"/>
+          </p:cNvSpPr>
           <p:nvPr>
             <p:ph type="title"/>
           </p:nvPr>
@@ -8451,12 +8430,12 @@
           </a:prstGeom>
         </p:spPr>
         <p:txBody>
-          <a:bodyPr anchorCtr="0" anchor="t" bIns="91425" lIns="91425" spcFirstLastPara="1" rIns="91425" wrap="square" tIns="91425">
+          <a:bodyPr spcFirstLastPara="1" wrap="square" lIns="91425" tIns="91425" rIns="91425" bIns="91425" anchor="t" anchorCtr="0">
             <a:normAutofit fontScale="90000"/>
           </a:bodyPr>
           <a:lstStyle/>
           <a:p>
-            <a:pPr indent="0" lvl="0" marL="0" rtl="0" algn="l">
+            <a:pPr marL="0" lvl="0" indent="0" algn="l" rtl="0">
               <a:spcBef>
                 <a:spcPts val="0"/>
               </a:spcBef>
@@ -8466,10 +8445,10 @@
               <a:buNone/>
             </a:pPr>
             <a:r>
-              <a:rPr lang="en"/>
+              <a:rPr lang="en" dirty="0"/>
               <a:t>Table Of Contents</a:t>
             </a:r>
-            <a:endParaRPr/>
+            <a:endParaRPr dirty="0"/>
           </a:p>
         </p:txBody>
       </p:sp>
@@ -8482,7 +8461,7 @@
 </file>
 
 <file path=ppt/theme/theme1.xml><?xml version="1.0" encoding="utf-8"?>
-<a:theme xmlns:a="http://schemas.openxmlformats.org/drawingml/2006/main" xmlns:r="http://schemas.openxmlformats.org/officeDocument/2006/relationships" name="Simple Light">
+<a:theme xmlns:a="http://schemas.openxmlformats.org/drawingml/2006/main" name="Simple Light">
   <a:themeElements>
     <a:clrScheme name="Simple Light">
       <a:dk1>
@@ -8757,11 +8736,13 @@
       </a:bgFillStyleLst>
     </a:fmtScheme>
   </a:themeElements>
+  <a:objectDefaults/>
+  <a:extraClrSchemeLst/>
 </a:theme>
 </file>
 
 <file path=ppt/theme/theme2.xml><?xml version="1.0" encoding="utf-8"?>
-<a:theme xmlns:a="http://schemas.openxmlformats.org/drawingml/2006/main" xmlns:r="http://schemas.openxmlformats.org/officeDocument/2006/relationships">
+<a:theme xmlns:a="http://schemas.openxmlformats.org/drawingml/2006/main">
   <a:themeElements>
     <a:clrScheme name="Default">
       <a:dk1>
@@ -9036,5 +9017,7 @@
       </a:bgFillStyleLst>
     </a:fmtScheme>
   </a:themeElements>
+  <a:objectDefaults/>
+  <a:extraClrSchemeLst/>
 </a:theme>
 </file>